--- a/2020s_w6998/lecs/07_approximation.pptx
+++ b/2020s_w6998/lecs/07_approximation.pptx
@@ -6,50 +6,61 @@
     <p:sldMasterId id="2147483660" r:id="rId2"/>
   </p:sldMasterIdLst>
   <p:notesMasterIdLst>
-    <p:notesMasterId r:id="rId44"/>
+    <p:notesMasterId r:id="rId55"/>
   </p:notesMasterIdLst>
   <p:sldIdLst>
-    <p:sldId id="285" r:id="rId3"/>
-    <p:sldId id="286" r:id="rId4"/>
-    <p:sldId id="258" r:id="rId5"/>
-    <p:sldId id="287" r:id="rId6"/>
-    <p:sldId id="288" r:id="rId7"/>
-    <p:sldId id="289" r:id="rId8"/>
-    <p:sldId id="290" r:id="rId9"/>
-    <p:sldId id="291" r:id="rId10"/>
-    <p:sldId id="292" r:id="rId11"/>
-    <p:sldId id="293" r:id="rId12"/>
-    <p:sldId id="266" r:id="rId13"/>
-    <p:sldId id="294" r:id="rId14"/>
-    <p:sldId id="295" r:id="rId15"/>
-    <p:sldId id="296" r:id="rId16"/>
-    <p:sldId id="256" r:id="rId17"/>
-    <p:sldId id="257" r:id="rId18"/>
-    <p:sldId id="259" r:id="rId19"/>
-    <p:sldId id="260" r:id="rId20"/>
-    <p:sldId id="261" r:id="rId21"/>
-    <p:sldId id="262" r:id="rId22"/>
-    <p:sldId id="263" r:id="rId23"/>
-    <p:sldId id="264" r:id="rId24"/>
-    <p:sldId id="271" r:id="rId25"/>
-    <p:sldId id="265" r:id="rId26"/>
-    <p:sldId id="267" r:id="rId27"/>
-    <p:sldId id="268" r:id="rId28"/>
-    <p:sldId id="269" r:id="rId29"/>
-    <p:sldId id="270" r:id="rId30"/>
-    <p:sldId id="273" r:id="rId31"/>
-    <p:sldId id="274" r:id="rId32"/>
-    <p:sldId id="275" r:id="rId33"/>
-    <p:sldId id="276" r:id="rId34"/>
-    <p:sldId id="277" r:id="rId35"/>
-    <p:sldId id="278" r:id="rId36"/>
-    <p:sldId id="279" r:id="rId37"/>
-    <p:sldId id="272" r:id="rId38"/>
-    <p:sldId id="280" r:id="rId39"/>
-    <p:sldId id="282" r:id="rId40"/>
-    <p:sldId id="283" r:id="rId41"/>
-    <p:sldId id="281" r:id="rId42"/>
-    <p:sldId id="284" r:id="rId43"/>
+    <p:sldId id="297" r:id="rId3"/>
+    <p:sldId id="299" r:id="rId4"/>
+    <p:sldId id="298" r:id="rId5"/>
+    <p:sldId id="285" r:id="rId6"/>
+    <p:sldId id="286" r:id="rId7"/>
+    <p:sldId id="258" r:id="rId8"/>
+    <p:sldId id="287" r:id="rId9"/>
+    <p:sldId id="288" r:id="rId10"/>
+    <p:sldId id="289" r:id="rId11"/>
+    <p:sldId id="290" r:id="rId12"/>
+    <p:sldId id="291" r:id="rId13"/>
+    <p:sldId id="292" r:id="rId14"/>
+    <p:sldId id="293" r:id="rId15"/>
+    <p:sldId id="266" r:id="rId16"/>
+    <p:sldId id="294" r:id="rId17"/>
+    <p:sldId id="295" r:id="rId18"/>
+    <p:sldId id="296" r:id="rId19"/>
+    <p:sldId id="416" r:id="rId20"/>
+    <p:sldId id="368" r:id="rId21"/>
+    <p:sldId id="300" r:id="rId22"/>
+    <p:sldId id="304" r:id="rId23"/>
+    <p:sldId id="303" r:id="rId24"/>
+    <p:sldId id="301" r:id="rId25"/>
+    <p:sldId id="302" r:id="rId26"/>
+    <p:sldId id="256" r:id="rId27"/>
+    <p:sldId id="257" r:id="rId28"/>
+    <p:sldId id="259" r:id="rId29"/>
+    <p:sldId id="260" r:id="rId30"/>
+    <p:sldId id="261" r:id="rId31"/>
+    <p:sldId id="262" r:id="rId32"/>
+    <p:sldId id="263" r:id="rId33"/>
+    <p:sldId id="264" r:id="rId34"/>
+    <p:sldId id="271" r:id="rId35"/>
+    <p:sldId id="265" r:id="rId36"/>
+    <p:sldId id="267" r:id="rId37"/>
+    <p:sldId id="268" r:id="rId38"/>
+    <p:sldId id="269" r:id="rId39"/>
+    <p:sldId id="270" r:id="rId40"/>
+    <p:sldId id="273" r:id="rId41"/>
+    <p:sldId id="274" r:id="rId42"/>
+    <p:sldId id="275" r:id="rId43"/>
+    <p:sldId id="276" r:id="rId44"/>
+    <p:sldId id="277" r:id="rId45"/>
+    <p:sldId id="278" r:id="rId46"/>
+    <p:sldId id="279" r:id="rId47"/>
+    <p:sldId id="272" r:id="rId48"/>
+    <p:sldId id="280" r:id="rId49"/>
+    <p:sldId id="282" r:id="rId50"/>
+    <p:sldId id="283" r:id="rId51"/>
+    <p:sldId id="281" r:id="rId52"/>
+    <p:sldId id="284" r:id="rId53"/>
+    <p:sldId id="305" r:id="rId54"/>
   </p:sldIdLst>
   <p:sldSz cx="12192000" cy="6858000"/>
   <p:notesSz cx="6858000" cy="9144000"/>
@@ -238,7 +249,7 @@
           <a:p>
             <a:fld id="{B837DC39-EB1F-0D4B-975F-65A3CC607DA2}" type="datetimeFigureOut">
               <a:rPr lang="en-US" smtClean="0"/>
-              <a:t>3/3/20</a:t>
+              <a:t>3/4/20</a:t>
             </a:fld>
             <a:endParaRPr lang="en-US"/>
           </a:p>
@@ -1203,7 +1214,35 @@
           <a:bodyPr/>
           <a:lstStyle/>
           <a:p>
-            <a:endParaRPr lang="en-US" dirty="0"/>
+            <a:r>
+              <a:rPr lang="en-US" dirty="0"/>
+              <a:t>if you were unlucky</a:t>
+            </a:r>
+            <a:r>
+              <a:rPr lang="en-US" baseline="0" dirty="0"/>
+              <a:t> and picked v=100, you think the SUM is 100 * 100 = 10,000</a:t>
+            </a:r>
+          </a:p>
+          <a:p>
+            <a:r>
+              <a:rPr lang="en-US" baseline="0" dirty="0"/>
+              <a:t>in S+S, you would estimate as 100 / 100 * 199 = 199</a:t>
+            </a:r>
+          </a:p>
+          <a:p>
+            <a:endParaRPr lang="en-US" baseline="0" dirty="0"/>
+          </a:p>
+          <a:p>
+            <a:r>
+              <a:rPr lang="en-US" baseline="0" dirty="0"/>
+              <a:t>Addressing data dependency bounds the number of samples needed.</a:t>
+            </a:r>
+          </a:p>
+          <a:p>
+            <a:r>
+              <a:rPr lang="en-US" baseline="0" dirty="0"/>
+              <a:t>Combined with clever in-memory and on-disk data structures to draw enough samples to meet error bounds </a:t>
+            </a:r>
           </a:p>
         </p:txBody>
       </p:sp>
@@ -1214,7 +1253,7 @@
             <a:spLocks noGrp="1"/>
           </p:cNvSpPr>
           <p:nvPr>
-            <p:ph type="sldNum" sz="quarter" idx="5"/>
+            <p:ph type="sldNum" sz="quarter" idx="10"/>
           </p:nvPr>
         </p:nvSpPr>
         <p:spPr/>
@@ -1222,9 +1261,9 @@
           <a:bodyPr/>
           <a:lstStyle/>
           <a:p>
-            <a:fld id="{65E6A259-19EB-384D-8C25-760FAEE4EDBA}" type="slidenum">
+            <a:fld id="{A48BFC28-09F4-DC4F-B9FD-FEE797866B8E}" type="slidenum">
               <a:rPr lang="en-US" smtClean="0"/>
-              <a:t>15</a:t>
+              <a:t>18</a:t>
             </a:fld>
             <a:endParaRPr lang="en-US"/>
           </a:p>
@@ -1233,7 +1272,7 @@
     </p:spTree>
     <p:extLst>
       <p:ext uri="{BB962C8B-B14F-4D97-AF65-F5344CB8AC3E}">
-        <p14:creationId xmlns:p14="http://schemas.microsoft.com/office/powerpoint/2010/main" val="2071516856"/>
+        <p14:creationId xmlns:p14="http://schemas.microsoft.com/office/powerpoint/2010/main" val="3793906237"/>
       </p:ext>
     </p:extLst>
   </p:cSld>
@@ -1287,6 +1326,20 @@
           <a:bodyPr/>
           <a:lstStyle/>
           <a:p>
+            <a:r>
+              <a:rPr lang="en-US" dirty="0"/>
+              <a:t>Low means &lt; sqrt(n)</a:t>
+            </a:r>
+          </a:p>
+          <a:p>
+            <a:r>
+              <a:rPr lang="en-US" dirty="0"/>
+              <a:t>Both these approaches require fundamental</a:t>
+            </a:r>
+            <a:r>
+              <a:rPr lang="en-US" baseline="0" dirty="0"/>
+              <a:t> changes to the query engine.</a:t>
+            </a:r>
             <a:endParaRPr lang="en-US" dirty="0"/>
           </a:p>
         </p:txBody>
@@ -1298,7 +1351,7 @@
             <a:spLocks noGrp="1"/>
           </p:cNvSpPr>
           <p:nvPr>
-            <p:ph type="sldNum" sz="quarter" idx="5"/>
+            <p:ph type="sldNum" sz="quarter" idx="10"/>
           </p:nvPr>
         </p:nvSpPr>
         <p:spPr/>
@@ -1306,9 +1359,9 @@
           <a:bodyPr/>
           <a:lstStyle/>
           <a:p>
-            <a:fld id="{65E6A259-19EB-384D-8C25-760FAEE4EDBA}" type="slidenum">
+            <a:fld id="{A48BFC28-09F4-DC4F-B9FD-FEE797866B8E}" type="slidenum">
               <a:rPr lang="en-US" smtClean="0"/>
-              <a:t>31</a:t>
+              <a:t>19</a:t>
             </a:fld>
             <a:endParaRPr lang="en-US"/>
           </a:p>
@@ -1317,7 +1370,7 @@
     </p:spTree>
     <p:extLst>
       <p:ext uri="{BB962C8B-B14F-4D97-AF65-F5344CB8AC3E}">
-        <p14:creationId xmlns:p14="http://schemas.microsoft.com/office/powerpoint/2010/main" val="2693746147"/>
+        <p14:creationId xmlns:p14="http://schemas.microsoft.com/office/powerpoint/2010/main" val="3227558603"/>
       </p:ext>
     </p:extLst>
   </p:cSld>
@@ -1392,7 +1445,7 @@
           <a:p>
             <a:fld id="{65E6A259-19EB-384D-8C25-760FAEE4EDBA}" type="slidenum">
               <a:rPr lang="en-US" smtClean="0"/>
-              <a:t>32</a:t>
+              <a:t>25</a:t>
             </a:fld>
             <a:endParaRPr lang="en-US"/>
           </a:p>
@@ -1401,7 +1454,7 @@
     </p:spTree>
     <p:extLst>
       <p:ext uri="{BB962C8B-B14F-4D97-AF65-F5344CB8AC3E}">
-        <p14:creationId xmlns:p14="http://schemas.microsoft.com/office/powerpoint/2010/main" val="775191914"/>
+        <p14:creationId xmlns:p14="http://schemas.microsoft.com/office/powerpoint/2010/main" val="2071516856"/>
       </p:ext>
     </p:extLst>
   </p:cSld>
@@ -1476,7 +1529,7 @@
           <a:p>
             <a:fld id="{65E6A259-19EB-384D-8C25-760FAEE4EDBA}" type="slidenum">
               <a:rPr lang="en-US" smtClean="0"/>
-              <a:t>33</a:t>
+              <a:t>41</a:t>
             </a:fld>
             <a:endParaRPr lang="en-US"/>
           </a:p>
@@ -1485,7 +1538,7 @@
     </p:spTree>
     <p:extLst>
       <p:ext uri="{BB962C8B-B14F-4D97-AF65-F5344CB8AC3E}">
-        <p14:creationId xmlns:p14="http://schemas.microsoft.com/office/powerpoint/2010/main" val="2802541114"/>
+        <p14:creationId xmlns:p14="http://schemas.microsoft.com/office/powerpoint/2010/main" val="2693746147"/>
       </p:ext>
     </p:extLst>
   </p:cSld>
@@ -1560,7 +1613,7 @@
           <a:p>
             <a:fld id="{65E6A259-19EB-384D-8C25-760FAEE4EDBA}" type="slidenum">
               <a:rPr lang="en-US" smtClean="0"/>
-              <a:t>34</a:t>
+              <a:t>42</a:t>
             </a:fld>
             <a:endParaRPr lang="en-US"/>
           </a:p>
@@ -1569,7 +1622,7 @@
     </p:spTree>
     <p:extLst>
       <p:ext uri="{BB962C8B-B14F-4D97-AF65-F5344CB8AC3E}">
-        <p14:creationId xmlns:p14="http://schemas.microsoft.com/office/powerpoint/2010/main" val="3775306541"/>
+        <p14:creationId xmlns:p14="http://schemas.microsoft.com/office/powerpoint/2010/main" val="775191914"/>
       </p:ext>
     </p:extLst>
   </p:cSld>
@@ -1753,7 +1806,7 @@
           <a:p>
             <a:fld id="{65E6A259-19EB-384D-8C25-760FAEE4EDBA}" type="slidenum">
               <a:rPr lang="en-US" smtClean="0"/>
-              <a:t>35</a:t>
+              <a:t>43</a:t>
             </a:fld>
             <a:endParaRPr lang="en-US"/>
           </a:p>
@@ -1762,7 +1815,7 @@
     </p:spTree>
     <p:extLst>
       <p:ext uri="{BB962C8B-B14F-4D97-AF65-F5344CB8AC3E}">
-        <p14:creationId xmlns:p14="http://schemas.microsoft.com/office/powerpoint/2010/main" val="661278457"/>
+        <p14:creationId xmlns:p14="http://schemas.microsoft.com/office/powerpoint/2010/main" val="2802541114"/>
       </p:ext>
     </p:extLst>
   </p:cSld>
@@ -1837,7 +1890,175 @@
           <a:p>
             <a:fld id="{65E6A259-19EB-384D-8C25-760FAEE4EDBA}" type="slidenum">
               <a:rPr lang="en-US" smtClean="0"/>
-              <a:t>38</a:t>
+              <a:t>44</a:t>
+            </a:fld>
+            <a:endParaRPr lang="en-US"/>
+          </a:p>
+        </p:txBody>
+      </p:sp>
+    </p:spTree>
+    <p:extLst>
+      <p:ext uri="{BB962C8B-B14F-4D97-AF65-F5344CB8AC3E}">
+        <p14:creationId xmlns:p14="http://schemas.microsoft.com/office/powerpoint/2010/main" val="3775306541"/>
+      </p:ext>
+    </p:extLst>
+  </p:cSld>
+  <p:clrMapOvr>
+    <a:masterClrMapping/>
+  </p:clrMapOvr>
+</p:notes>
+</file>
+
+<file path=ppt/notesSlides/notesSlide22.xml><?xml version="1.0" encoding="utf-8"?>
+<p:notes xmlns:a="http://schemas.openxmlformats.org/drawingml/2006/main" xmlns:r="http://schemas.openxmlformats.org/officeDocument/2006/relationships" xmlns:p="http://schemas.openxmlformats.org/presentationml/2006/main">
+  <p:cSld>
+    <p:spTree>
+      <p:nvGrpSpPr>
+        <p:cNvPr id="1" name=""/>
+        <p:cNvGrpSpPr/>
+        <p:nvPr/>
+      </p:nvGrpSpPr>
+      <p:grpSpPr>
+        <a:xfrm>
+          <a:off x="0" y="0"/>
+          <a:ext cx="0" cy="0"/>
+          <a:chOff x="0" y="0"/>
+          <a:chExt cx="0" cy="0"/>
+        </a:xfrm>
+      </p:grpSpPr>
+      <p:sp>
+        <p:nvSpPr>
+          <p:cNvPr id="2" name="Slide Image Placeholder 1"/>
+          <p:cNvSpPr>
+            <a:spLocks noGrp="1" noRot="1" noChangeAspect="1"/>
+          </p:cNvSpPr>
+          <p:nvPr>
+            <p:ph type="sldImg"/>
+          </p:nvPr>
+        </p:nvSpPr>
+        <p:spPr/>
+      </p:sp>
+      <p:sp>
+        <p:nvSpPr>
+          <p:cNvPr id="3" name="Notes Placeholder 2"/>
+          <p:cNvSpPr>
+            <a:spLocks noGrp="1"/>
+          </p:cNvSpPr>
+          <p:nvPr>
+            <p:ph type="body" idx="1"/>
+          </p:nvPr>
+        </p:nvSpPr>
+        <p:spPr/>
+        <p:txBody>
+          <a:bodyPr/>
+          <a:lstStyle/>
+          <a:p>
+            <a:endParaRPr lang="en-US" dirty="0"/>
+          </a:p>
+        </p:txBody>
+      </p:sp>
+      <p:sp>
+        <p:nvSpPr>
+          <p:cNvPr id="4" name="Slide Number Placeholder 3"/>
+          <p:cNvSpPr>
+            <a:spLocks noGrp="1"/>
+          </p:cNvSpPr>
+          <p:nvPr>
+            <p:ph type="sldNum" sz="quarter" idx="5"/>
+          </p:nvPr>
+        </p:nvSpPr>
+        <p:spPr/>
+        <p:txBody>
+          <a:bodyPr/>
+          <a:lstStyle/>
+          <a:p>
+            <a:fld id="{65E6A259-19EB-384D-8C25-760FAEE4EDBA}" type="slidenum">
+              <a:rPr lang="en-US" smtClean="0"/>
+              <a:t>45</a:t>
+            </a:fld>
+            <a:endParaRPr lang="en-US"/>
+          </a:p>
+        </p:txBody>
+      </p:sp>
+    </p:spTree>
+    <p:extLst>
+      <p:ext uri="{BB962C8B-B14F-4D97-AF65-F5344CB8AC3E}">
+        <p14:creationId xmlns:p14="http://schemas.microsoft.com/office/powerpoint/2010/main" val="661278457"/>
+      </p:ext>
+    </p:extLst>
+  </p:cSld>
+  <p:clrMapOvr>
+    <a:masterClrMapping/>
+  </p:clrMapOvr>
+</p:notes>
+</file>
+
+<file path=ppt/notesSlides/notesSlide23.xml><?xml version="1.0" encoding="utf-8"?>
+<p:notes xmlns:a="http://schemas.openxmlformats.org/drawingml/2006/main" xmlns:r="http://schemas.openxmlformats.org/officeDocument/2006/relationships" xmlns:p="http://schemas.openxmlformats.org/presentationml/2006/main">
+  <p:cSld>
+    <p:spTree>
+      <p:nvGrpSpPr>
+        <p:cNvPr id="1" name=""/>
+        <p:cNvGrpSpPr/>
+        <p:nvPr/>
+      </p:nvGrpSpPr>
+      <p:grpSpPr>
+        <a:xfrm>
+          <a:off x="0" y="0"/>
+          <a:ext cx="0" cy="0"/>
+          <a:chOff x="0" y="0"/>
+          <a:chExt cx="0" cy="0"/>
+        </a:xfrm>
+      </p:grpSpPr>
+      <p:sp>
+        <p:nvSpPr>
+          <p:cNvPr id="2" name="Slide Image Placeholder 1"/>
+          <p:cNvSpPr>
+            <a:spLocks noGrp="1" noRot="1" noChangeAspect="1"/>
+          </p:cNvSpPr>
+          <p:nvPr>
+            <p:ph type="sldImg"/>
+          </p:nvPr>
+        </p:nvSpPr>
+        <p:spPr/>
+      </p:sp>
+      <p:sp>
+        <p:nvSpPr>
+          <p:cNvPr id="3" name="Notes Placeholder 2"/>
+          <p:cNvSpPr>
+            <a:spLocks noGrp="1"/>
+          </p:cNvSpPr>
+          <p:nvPr>
+            <p:ph type="body" idx="1"/>
+          </p:nvPr>
+        </p:nvSpPr>
+        <p:spPr/>
+        <p:txBody>
+          <a:bodyPr/>
+          <a:lstStyle/>
+          <a:p>
+            <a:endParaRPr lang="en-US" dirty="0"/>
+          </a:p>
+        </p:txBody>
+      </p:sp>
+      <p:sp>
+        <p:nvSpPr>
+          <p:cNvPr id="4" name="Slide Number Placeholder 3"/>
+          <p:cNvSpPr>
+            <a:spLocks noGrp="1"/>
+          </p:cNvSpPr>
+          <p:nvPr>
+            <p:ph type="sldNum" sz="quarter" idx="5"/>
+          </p:nvPr>
+        </p:nvSpPr>
+        <p:spPr/>
+        <p:txBody>
+          <a:bodyPr/>
+          <a:lstStyle/>
+          <a:p>
+            <a:fld id="{65E6A259-19EB-384D-8C25-760FAEE4EDBA}" type="slidenum">
+              <a:rPr lang="en-US" smtClean="0"/>
+              <a:t>48</a:t>
             </a:fld>
             <a:endParaRPr lang="en-US"/>
           </a:p>
@@ -2766,7 +2987,7 @@
           <a:p>
             <a:fld id="{C11A24D4-7450-FB4A-A836-345D0777F575}" type="datetimeFigureOut">
               <a:rPr lang="en-US" smtClean="0"/>
-              <a:t>3/3/20</a:t>
+              <a:t>3/4/20</a:t>
             </a:fld>
             <a:endParaRPr lang="en-US"/>
           </a:p>
@@ -2964,7 +3185,7 @@
           <a:p>
             <a:fld id="{C11A24D4-7450-FB4A-A836-345D0777F575}" type="datetimeFigureOut">
               <a:rPr lang="en-US" smtClean="0"/>
-              <a:t>3/3/20</a:t>
+              <a:t>3/4/20</a:t>
             </a:fld>
             <a:endParaRPr lang="en-US"/>
           </a:p>
@@ -3172,7 +3393,7 @@
           <a:p>
             <a:fld id="{C11A24D4-7450-FB4A-A836-345D0777F575}" type="datetimeFigureOut">
               <a:rPr lang="en-US" smtClean="0"/>
-              <a:t>3/3/20</a:t>
+              <a:t>3/4/20</a:t>
             </a:fld>
             <a:endParaRPr lang="en-US"/>
           </a:p>
@@ -6270,7 +6491,7 @@
           <a:p>
             <a:fld id="{C11A24D4-7450-FB4A-A836-345D0777F575}" type="datetimeFigureOut">
               <a:rPr lang="en-US" smtClean="0"/>
-              <a:t>3/3/20</a:t>
+              <a:t>3/4/20</a:t>
             </a:fld>
             <a:endParaRPr lang="en-US"/>
           </a:p>
@@ -7152,7 +7373,7 @@
           <a:p>
             <a:fld id="{C11A24D4-7450-FB4A-A836-345D0777F575}" type="datetimeFigureOut">
               <a:rPr lang="en-US" smtClean="0"/>
-              <a:t>3/3/20</a:t>
+              <a:t>3/4/20</a:t>
             </a:fld>
             <a:endParaRPr lang="en-US"/>
           </a:p>
@@ -7417,7 +7638,7 @@
           <a:p>
             <a:fld id="{C11A24D4-7450-FB4A-A836-345D0777F575}" type="datetimeFigureOut">
               <a:rPr lang="en-US" smtClean="0"/>
-              <a:t>3/3/20</a:t>
+              <a:t>3/4/20</a:t>
             </a:fld>
             <a:endParaRPr lang="en-US"/>
           </a:p>
@@ -7829,7 +8050,7 @@
           <a:p>
             <a:fld id="{C11A24D4-7450-FB4A-A836-345D0777F575}" type="datetimeFigureOut">
               <a:rPr lang="en-US" smtClean="0"/>
-              <a:t>3/3/20</a:t>
+              <a:t>3/4/20</a:t>
             </a:fld>
             <a:endParaRPr lang="en-US"/>
           </a:p>
@@ -7970,7 +8191,7 @@
           <a:p>
             <a:fld id="{C11A24D4-7450-FB4A-A836-345D0777F575}" type="datetimeFigureOut">
               <a:rPr lang="en-US" smtClean="0"/>
-              <a:t>3/3/20</a:t>
+              <a:t>3/4/20</a:t>
             </a:fld>
             <a:endParaRPr lang="en-US"/>
           </a:p>
@@ -8083,7 +8304,7 @@
           <a:p>
             <a:fld id="{C11A24D4-7450-FB4A-A836-345D0777F575}" type="datetimeFigureOut">
               <a:rPr lang="en-US" smtClean="0"/>
-              <a:t>3/3/20</a:t>
+              <a:t>3/4/20</a:t>
             </a:fld>
             <a:endParaRPr lang="en-US"/>
           </a:p>
@@ -8394,7 +8615,7 @@
           <a:p>
             <a:fld id="{C11A24D4-7450-FB4A-A836-345D0777F575}" type="datetimeFigureOut">
               <a:rPr lang="en-US" smtClean="0"/>
-              <a:t>3/3/20</a:t>
+              <a:t>3/4/20</a:t>
             </a:fld>
             <a:endParaRPr lang="en-US"/>
           </a:p>
@@ -8682,7 +8903,7 @@
           <a:p>
             <a:fld id="{C11A24D4-7450-FB4A-A836-345D0777F575}" type="datetimeFigureOut">
               <a:rPr lang="en-US" smtClean="0"/>
-              <a:t>3/3/20</a:t>
+              <a:t>3/4/20</a:t>
             </a:fld>
             <a:endParaRPr lang="en-US"/>
           </a:p>
@@ -8917,13 +9138,16 @@
                     <a:tint val="75000"/>
                   </a:schemeClr>
                 </a:solidFill>
+                <a:latin typeface="Arial" panose="020B0604020202020204" pitchFamily="34" charset="0"/>
+                <a:cs typeface="Arial" panose="020B0604020202020204" pitchFamily="34" charset="0"/>
               </a:defRPr>
             </a:lvl1pPr>
           </a:lstStyle>
           <a:p>
             <a:fld id="{C11A24D4-7450-FB4A-A836-345D0777F575}" type="datetimeFigureOut">
               <a:rPr lang="en-US" smtClean="0"/>
-              <a:t>3/3/20</a:t>
+              <a:pPr/>
+              <a:t>3/4/20</a:t>
             </a:fld>
             <a:endParaRPr lang="en-US"/>
           </a:p>
@@ -8964,6 +9188,8 @@
                     <a:tint val="75000"/>
                   </a:schemeClr>
                 </a:solidFill>
+                <a:latin typeface="Arial" panose="020B0604020202020204" pitchFamily="34" charset="0"/>
+                <a:cs typeface="Arial" panose="020B0604020202020204" pitchFamily="34" charset="0"/>
               </a:defRPr>
             </a:lvl1pPr>
           </a:lstStyle>
@@ -9007,12 +9233,15 @@
                     <a:tint val="75000"/>
                   </a:schemeClr>
                 </a:solidFill>
+                <a:latin typeface="Arial" panose="020B0604020202020204" pitchFamily="34" charset="0"/>
+                <a:cs typeface="Arial" panose="020B0604020202020204" pitchFamily="34" charset="0"/>
               </a:defRPr>
             </a:lvl1pPr>
           </a:lstStyle>
           <a:p>
             <a:fld id="{79A9C256-2731-2D4C-ABAA-A7FEB78EBBF6}" type="slidenum">
               <a:rPr lang="en-US" smtClean="0"/>
+              <a:pPr/>
               <a:t>‹#›</a:t>
             </a:fld>
             <a:endParaRPr lang="en-US"/>
@@ -9054,9 +9283,9 @@
           <a:solidFill>
             <a:schemeClr val="tx1"/>
           </a:solidFill>
-          <a:latin typeface="+mj-lt"/>
+          <a:latin typeface="Arial" panose="020B0604020202020204" pitchFamily="34" charset="0"/>
           <a:ea typeface="+mj-ea"/>
-          <a:cs typeface="+mj-cs"/>
+          <a:cs typeface="Arial" panose="020B0604020202020204" pitchFamily="34" charset="0"/>
         </a:defRPr>
       </a:lvl1pPr>
     </p:titleStyle>
@@ -9074,9 +9303,9 @@
           <a:solidFill>
             <a:schemeClr val="tx1"/>
           </a:solidFill>
-          <a:latin typeface="+mn-lt"/>
+          <a:latin typeface="Arial" panose="020B0604020202020204" pitchFamily="34" charset="0"/>
           <a:ea typeface="+mn-ea"/>
-          <a:cs typeface="+mn-cs"/>
+          <a:cs typeface="Arial" panose="020B0604020202020204" pitchFamily="34" charset="0"/>
         </a:defRPr>
       </a:lvl1pPr>
       <a:lvl2pPr marL="685800" indent="-228600" algn="l" defTabSz="914400" rtl="0" eaLnBrk="1" latinLnBrk="0" hangingPunct="1">
@@ -9092,9 +9321,9 @@
           <a:solidFill>
             <a:schemeClr val="tx1"/>
           </a:solidFill>
-          <a:latin typeface="+mn-lt"/>
+          <a:latin typeface="Arial" panose="020B0604020202020204" pitchFamily="34" charset="0"/>
           <a:ea typeface="+mn-ea"/>
-          <a:cs typeface="+mn-cs"/>
+          <a:cs typeface="Arial" panose="020B0604020202020204" pitchFamily="34" charset="0"/>
         </a:defRPr>
       </a:lvl2pPr>
       <a:lvl3pPr marL="1143000" indent="-228600" algn="l" defTabSz="914400" rtl="0" eaLnBrk="1" latinLnBrk="0" hangingPunct="1">
@@ -9110,9 +9339,9 @@
           <a:solidFill>
             <a:schemeClr val="tx1"/>
           </a:solidFill>
-          <a:latin typeface="+mn-lt"/>
+          <a:latin typeface="Arial" panose="020B0604020202020204" pitchFamily="34" charset="0"/>
           <a:ea typeface="+mn-ea"/>
-          <a:cs typeface="+mn-cs"/>
+          <a:cs typeface="Arial" panose="020B0604020202020204" pitchFamily="34" charset="0"/>
         </a:defRPr>
       </a:lvl3pPr>
       <a:lvl4pPr marL="1600200" indent="-228600" algn="l" defTabSz="914400" rtl="0" eaLnBrk="1" latinLnBrk="0" hangingPunct="1">
@@ -9128,9 +9357,9 @@
           <a:solidFill>
             <a:schemeClr val="tx1"/>
           </a:solidFill>
-          <a:latin typeface="+mn-lt"/>
+          <a:latin typeface="Arial" panose="020B0604020202020204" pitchFamily="34" charset="0"/>
           <a:ea typeface="+mn-ea"/>
-          <a:cs typeface="+mn-cs"/>
+          <a:cs typeface="Arial" panose="020B0604020202020204" pitchFamily="34" charset="0"/>
         </a:defRPr>
       </a:lvl4pPr>
       <a:lvl5pPr marL="2057400" indent="-228600" algn="l" defTabSz="914400" rtl="0" eaLnBrk="1" latinLnBrk="0" hangingPunct="1">
@@ -9146,9 +9375,9 @@
           <a:solidFill>
             <a:schemeClr val="tx1"/>
           </a:solidFill>
-          <a:latin typeface="+mn-lt"/>
+          <a:latin typeface="Arial" panose="020B0604020202020204" pitchFamily="34" charset="0"/>
           <a:ea typeface="+mn-ea"/>
-          <a:cs typeface="+mn-cs"/>
+          <a:cs typeface="Arial" panose="020B0604020202020204" pitchFamily="34" charset="0"/>
         </a:defRPr>
       </a:lvl5pPr>
       <a:lvl6pPr marL="2514600" indent="-228600" algn="l" defTabSz="914400" rtl="0" eaLnBrk="1" latinLnBrk="0" hangingPunct="1">
@@ -10595,9 +10824,17 @@
 <file path=ppt/slides/slide1.xml><?xml version="1.0" encoding="utf-8"?>
 <p:sld xmlns:a="http://schemas.openxmlformats.org/drawingml/2006/main" xmlns:r="http://schemas.openxmlformats.org/officeDocument/2006/relationships" xmlns:p="http://schemas.openxmlformats.org/presentationml/2006/main">
   <p:cSld>
+    <p:bg>
+      <p:bgPr>
+        <a:solidFill>
+          <a:schemeClr val="bg1"/>
+        </a:solidFill>
+        <a:effectLst/>
+      </p:bgPr>
+    </p:bg>
     <p:spTree>
       <p:nvGrpSpPr>
-        <p:cNvPr id="1" name="Shape 53"/>
+        <p:cNvPr id="1" name=""/>
         <p:cNvGrpSpPr/>
         <p:nvPr/>
       </p:nvGrpSpPr>
@@ -10611,83 +10848,68 @@
       </p:grpSpPr>
       <p:sp>
         <p:nvSpPr>
-          <p:cNvPr id="54" name="Google Shape;54;p13"/>
-          <p:cNvSpPr txBox="1">
+          <p:cNvPr id="9" name="Title 8">
+            <a:extLst>
+              <a:ext uri="{FF2B5EF4-FFF2-40B4-BE49-F238E27FC236}">
+                <a16:creationId xmlns:a16="http://schemas.microsoft.com/office/drawing/2014/main" id="{77CBA45D-CEB1-764D-AAF6-079E10B9FE6E}"/>
+              </a:ext>
+            </a:extLst>
+          </p:cNvPr>
+          <p:cNvSpPr>
             <a:spLocks noGrp="1"/>
           </p:cNvSpPr>
           <p:nvPr>
             <p:ph type="ctrTitle"/>
           </p:nvPr>
         </p:nvSpPr>
-        <p:spPr>
-          <a:xfrm>
-            <a:off x="415611" y="992767"/>
-            <a:ext cx="11360800" cy="2736800"/>
-          </a:xfrm>
-          <a:prstGeom prst="rect">
-            <a:avLst/>
-          </a:prstGeom>
-        </p:spPr>
-        <p:txBody>
-          <a:bodyPr spcFirstLastPara="1" wrap="square" lIns="121900" tIns="121900" rIns="121900" bIns="121900" anchor="b" anchorCtr="0">
-            <a:noAutofit/>
-          </a:bodyPr>
+        <p:spPr/>
+        <p:txBody>
+          <a:bodyPr/>
           <a:lstStyle/>
           <a:p>
             <a:r>
-              <a:rPr lang="en"/>
-              <a:t>Trust, but Verify</a:t>
+              <a:rPr lang="en-US" dirty="0"/>
+              <a:t>Week 7</a:t>
             </a:r>
-            <a:endParaRPr/>
-          </a:p>
-        </p:txBody>
-      </p:sp>
-      <p:sp>
-        <p:nvSpPr>
-          <p:cNvPr id="55" name="Google Shape;55;p13"/>
-          <p:cNvSpPr txBox="1">
+            <a:br>
+              <a:rPr lang="en-US" dirty="0"/>
+            </a:br>
+            <a:r>
+              <a:rPr lang="en-US" dirty="0"/>
+              <a:t>Approximation</a:t>
+            </a:r>
+          </a:p>
+        </p:txBody>
+      </p:sp>
+      <p:sp>
+        <p:nvSpPr>
+          <p:cNvPr id="10" name="Subtitle 9">
+            <a:extLst>
+              <a:ext uri="{FF2B5EF4-FFF2-40B4-BE49-F238E27FC236}">
+                <a16:creationId xmlns:a16="http://schemas.microsoft.com/office/drawing/2014/main" id="{48F78E2B-E4BC-8944-9A60-D5777E1F8B02}"/>
+              </a:ext>
+            </a:extLst>
+          </p:cNvPr>
+          <p:cNvSpPr>
             <a:spLocks noGrp="1"/>
           </p:cNvSpPr>
           <p:nvPr>
             <p:ph type="subTitle" idx="1"/>
           </p:nvPr>
         </p:nvSpPr>
-        <p:spPr>
-          <a:xfrm>
-            <a:off x="415600" y="3778833"/>
-            <a:ext cx="11360800" cy="1056800"/>
-          </a:xfrm>
-          <a:prstGeom prst="rect">
-            <a:avLst/>
-          </a:prstGeom>
-        </p:spPr>
-        <p:txBody>
-          <a:bodyPr spcFirstLastPara="1" wrap="square" lIns="121900" tIns="121900" rIns="121900" bIns="121900" anchor="t" anchorCtr="0">
-            <a:noAutofit/>
-          </a:bodyPr>
-          <a:lstStyle/>
-          <a:p>
-            <a:pPr marL="0" indent="0"/>
-            <a:r>
-              <a:rPr lang="en"/>
-              <a:t>Optimistic Visualizations of</a:t>
-            </a:r>
-            <a:endParaRPr/>
-          </a:p>
-          <a:p>
-            <a:pPr marL="0" indent="0"/>
-            <a:r>
-              <a:rPr lang="en"/>
-              <a:t>Approximate Queries for Exploring Big Data</a:t>
-            </a:r>
-            <a:endParaRPr/>
+        <p:spPr/>
+        <p:txBody>
+          <a:bodyPr/>
+          <a:lstStyle/>
+          <a:p>
+            <a:endParaRPr lang="en-US"/>
           </a:p>
         </p:txBody>
       </p:sp>
     </p:spTree>
     <p:extLst>
       <p:ext uri="{BB962C8B-B14F-4D97-AF65-F5344CB8AC3E}">
-        <p14:creationId xmlns:p14="http://schemas.microsoft.com/office/powerpoint/2010/main" val="481129948"/>
+        <p14:creationId xmlns:p14="http://schemas.microsoft.com/office/powerpoint/2010/main" val="1035571822"/>
       </p:ext>
     </p:extLst>
   </p:cSld>
@@ -10702,7 +10924,7 @@
   <p:cSld>
     <p:spTree>
       <p:nvGrpSpPr>
-        <p:cNvPr id="1" name="Shape 122"/>
+        <p:cNvPr id="1" name="Shape 100"/>
         <p:cNvGrpSpPr/>
         <p:nvPr/>
       </p:nvGrpSpPr>
@@ -10716,7 +10938,7 @@
       </p:grpSpPr>
       <p:sp>
         <p:nvSpPr>
-          <p:cNvPr id="123" name="Google Shape;123;p22"/>
+          <p:cNvPr id="101" name="Google Shape;101;p19"/>
           <p:cNvSpPr txBox="1">
             <a:spLocks noGrp="1"/>
           </p:cNvSpPr>
@@ -10741,6 +10963,523 @@
           <a:p>
             <a:r>
               <a:rPr lang="en"/>
+              <a:t>Sample + Seek</a:t>
+            </a:r>
+            <a:endParaRPr/>
+          </a:p>
+        </p:txBody>
+      </p:sp>
+      <p:sp>
+        <p:nvSpPr>
+          <p:cNvPr id="102" name="Google Shape;102;p19"/>
+          <p:cNvSpPr txBox="1">
+            <a:spLocks noGrp="1"/>
+          </p:cNvSpPr>
+          <p:nvPr>
+            <p:ph type="body" idx="1"/>
+          </p:nvPr>
+        </p:nvSpPr>
+        <p:spPr>
+          <a:xfrm>
+            <a:off x="415600" y="1536633"/>
+            <a:ext cx="11360800" cy="4555200"/>
+          </a:xfrm>
+          <a:prstGeom prst="rect">
+            <a:avLst/>
+          </a:prstGeom>
+        </p:spPr>
+        <p:txBody>
+          <a:bodyPr spcFirstLastPara="1" wrap="square" lIns="121900" tIns="121900" rIns="121900" bIns="121900" anchor="t" anchorCtr="0">
+            <a:noAutofit/>
+          </a:bodyPr>
+          <a:lstStyle/>
+          <a:p>
+            <a:pPr marL="0" indent="0">
+              <a:lnSpc>
+                <a:spcPct val="100000"/>
+              </a:lnSpc>
+              <a:buNone/>
+            </a:pPr>
+            <a:endParaRPr sz="3733">
+              <a:solidFill>
+                <a:schemeClr val="dk1"/>
+              </a:solidFill>
+            </a:endParaRPr>
+          </a:p>
+        </p:txBody>
+      </p:sp>
+      <p:pic>
+        <p:nvPicPr>
+          <p:cNvPr id="103" name="Google Shape;103;p19"/>
+          <p:cNvPicPr preferRelativeResize="0"/>
+          <p:nvPr/>
+        </p:nvPicPr>
+        <p:blipFill>
+          <a:blip r:embed="rId3">
+            <a:alphaModFix/>
+          </a:blip>
+          <a:stretch>
+            <a:fillRect/>
+          </a:stretch>
+        </p:blipFill>
+        <p:spPr>
+          <a:xfrm>
+            <a:off x="415585" y="1536633"/>
+            <a:ext cx="4356100" cy="4800600"/>
+          </a:xfrm>
+          <a:prstGeom prst="rect">
+            <a:avLst/>
+          </a:prstGeom>
+          <a:noFill/>
+          <a:ln>
+            <a:noFill/>
+          </a:ln>
+        </p:spPr>
+      </p:pic>
+      <p:sp>
+        <p:nvSpPr>
+          <p:cNvPr id="104" name="Google Shape;104;p19"/>
+          <p:cNvSpPr txBox="1"/>
+          <p:nvPr/>
+        </p:nvSpPr>
+        <p:spPr>
+          <a:xfrm>
+            <a:off x="4771700" y="1536533"/>
+            <a:ext cx="6856400" cy="4800800"/>
+          </a:xfrm>
+          <a:prstGeom prst="rect">
+            <a:avLst/>
+          </a:prstGeom>
+          <a:noFill/>
+          <a:ln>
+            <a:noFill/>
+          </a:ln>
+        </p:spPr>
+        <p:txBody>
+          <a:bodyPr spcFirstLastPara="1" wrap="square" lIns="121900" tIns="121900" rIns="121900" bIns="121900" anchor="ctr" anchorCtr="0">
+            <a:noAutofit/>
+          </a:bodyPr>
+          <a:lstStyle/>
+          <a:p>
+            <a:pPr defTabSz="1219170">
+              <a:buClr>
+                <a:srgbClr val="000000"/>
+              </a:buClr>
+            </a:pPr>
+            <a:r>
+              <a:rPr lang="en" sz="3733" kern="0">
+                <a:solidFill>
+                  <a:srgbClr val="FFFFFF"/>
+                </a:solidFill>
+                <a:latin typeface="Arial"/>
+                <a:cs typeface="Arial"/>
+                <a:sym typeface="Arial"/>
+              </a:rPr>
+              <a:t>Measure-biased sampling</a:t>
+            </a:r>
+            <a:endParaRPr sz="3733" kern="0">
+              <a:solidFill>
+                <a:srgbClr val="FFFFFF"/>
+              </a:solidFill>
+              <a:latin typeface="Arial"/>
+              <a:cs typeface="Arial"/>
+              <a:sym typeface="Arial"/>
+            </a:endParaRPr>
+          </a:p>
+          <a:p>
+            <a:pPr defTabSz="1219170">
+              <a:buClr>
+                <a:srgbClr val="000000"/>
+              </a:buClr>
+            </a:pPr>
+            <a:endParaRPr sz="3733" kern="0">
+              <a:solidFill>
+                <a:srgbClr val="FFFFFF"/>
+              </a:solidFill>
+              <a:latin typeface="Arial"/>
+              <a:cs typeface="Arial"/>
+              <a:sym typeface="Arial"/>
+            </a:endParaRPr>
+          </a:p>
+          <a:p>
+            <a:pPr defTabSz="1219170">
+              <a:buClr>
+                <a:srgbClr val="000000"/>
+              </a:buClr>
+            </a:pPr>
+            <a:r>
+              <a:rPr lang="en" sz="3733" kern="0">
+                <a:solidFill>
+                  <a:srgbClr val="FFFFFF"/>
+                </a:solidFill>
+                <a:latin typeface="Arial"/>
+                <a:cs typeface="Arial"/>
+                <a:sym typeface="Arial"/>
+              </a:rPr>
+              <a:t>Pick a row with probability proportional to its value on the measure attribute.</a:t>
+            </a:r>
+            <a:endParaRPr sz="3733" kern="0">
+              <a:solidFill>
+                <a:srgbClr val="FFFFFF"/>
+              </a:solidFill>
+              <a:latin typeface="Arial"/>
+              <a:cs typeface="Arial"/>
+              <a:sym typeface="Arial"/>
+            </a:endParaRPr>
+          </a:p>
+          <a:p>
+            <a:pPr defTabSz="1219170">
+              <a:buClr>
+                <a:srgbClr val="000000"/>
+              </a:buClr>
+            </a:pPr>
+            <a:endParaRPr sz="3733" kern="0">
+              <a:solidFill>
+                <a:srgbClr val="FFFFFF"/>
+              </a:solidFill>
+              <a:latin typeface="Arial"/>
+              <a:cs typeface="Arial"/>
+              <a:sym typeface="Arial"/>
+            </a:endParaRPr>
+          </a:p>
+          <a:p>
+            <a:pPr defTabSz="1219170">
+              <a:buClr>
+                <a:srgbClr val="000000"/>
+              </a:buClr>
+            </a:pPr>
+            <a:endParaRPr sz="3733" kern="0">
+              <a:solidFill>
+                <a:srgbClr val="FFFFFF"/>
+              </a:solidFill>
+              <a:latin typeface="Arial"/>
+              <a:cs typeface="Arial"/>
+              <a:sym typeface="Arial"/>
+            </a:endParaRPr>
+          </a:p>
+        </p:txBody>
+      </p:sp>
+    </p:spTree>
+    <p:extLst>
+      <p:ext uri="{BB962C8B-B14F-4D97-AF65-F5344CB8AC3E}">
+        <p14:creationId xmlns:p14="http://schemas.microsoft.com/office/powerpoint/2010/main" val="3699453128"/>
+      </p:ext>
+    </p:extLst>
+  </p:cSld>
+  <p:clrMapOvr>
+    <a:masterClrMapping/>
+  </p:clrMapOvr>
+</p:sld>
+</file>
+
+<file path=ppt/slides/slide11.xml><?xml version="1.0" encoding="utf-8"?>
+<p:sld xmlns:a="http://schemas.openxmlformats.org/drawingml/2006/main" xmlns:r="http://schemas.openxmlformats.org/officeDocument/2006/relationships" xmlns:p="http://schemas.openxmlformats.org/presentationml/2006/main">
+  <p:cSld>
+    <p:spTree>
+      <p:nvGrpSpPr>
+        <p:cNvPr id="1" name="Shape 108"/>
+        <p:cNvGrpSpPr/>
+        <p:nvPr/>
+      </p:nvGrpSpPr>
+      <p:grpSpPr>
+        <a:xfrm>
+          <a:off x="0" y="0"/>
+          <a:ext cx="0" cy="0"/>
+          <a:chOff x="0" y="0"/>
+          <a:chExt cx="0" cy="0"/>
+        </a:xfrm>
+      </p:grpSpPr>
+      <p:sp>
+        <p:nvSpPr>
+          <p:cNvPr id="109" name="Google Shape;109;p20"/>
+          <p:cNvSpPr txBox="1">
+            <a:spLocks noGrp="1"/>
+          </p:cNvSpPr>
+          <p:nvPr>
+            <p:ph type="title"/>
+          </p:nvPr>
+        </p:nvSpPr>
+        <p:spPr>
+          <a:xfrm>
+            <a:off x="415600" y="593367"/>
+            <a:ext cx="11360800" cy="763600"/>
+          </a:xfrm>
+          <a:prstGeom prst="rect">
+            <a:avLst/>
+          </a:prstGeom>
+        </p:spPr>
+        <p:txBody>
+          <a:bodyPr spcFirstLastPara="1" wrap="square" lIns="121900" tIns="121900" rIns="121900" bIns="121900" anchor="t" anchorCtr="0">
+            <a:noAutofit/>
+          </a:bodyPr>
+          <a:lstStyle/>
+          <a:p>
+            <a:r>
+              <a:rPr lang="en"/>
+              <a:t>Sample + Seek</a:t>
+            </a:r>
+            <a:endParaRPr/>
+          </a:p>
+        </p:txBody>
+      </p:sp>
+      <p:sp>
+        <p:nvSpPr>
+          <p:cNvPr id="110" name="Google Shape;110;p20"/>
+          <p:cNvSpPr txBox="1">
+            <a:spLocks noGrp="1"/>
+          </p:cNvSpPr>
+          <p:nvPr>
+            <p:ph type="body" idx="1"/>
+          </p:nvPr>
+        </p:nvSpPr>
+        <p:spPr>
+          <a:xfrm>
+            <a:off x="415600" y="1536633"/>
+            <a:ext cx="11360800" cy="4555200"/>
+          </a:xfrm>
+          <a:prstGeom prst="rect">
+            <a:avLst/>
+          </a:prstGeom>
+        </p:spPr>
+        <p:txBody>
+          <a:bodyPr spcFirstLastPara="1" wrap="square" lIns="121900" tIns="121900" rIns="121900" bIns="121900" anchor="t" anchorCtr="0">
+            <a:noAutofit/>
+          </a:bodyPr>
+          <a:lstStyle/>
+          <a:p>
+            <a:pPr marL="0" indent="0">
+              <a:lnSpc>
+                <a:spcPct val="100000"/>
+              </a:lnSpc>
+              <a:buNone/>
+            </a:pPr>
+            <a:endParaRPr sz="3733">
+              <a:solidFill>
+                <a:schemeClr val="dk1"/>
+              </a:solidFill>
+            </a:endParaRPr>
+          </a:p>
+        </p:txBody>
+      </p:sp>
+      <p:pic>
+        <p:nvPicPr>
+          <p:cNvPr id="111" name="Google Shape;111;p20"/>
+          <p:cNvPicPr preferRelativeResize="0"/>
+          <p:nvPr/>
+        </p:nvPicPr>
+        <p:blipFill>
+          <a:blip r:embed="rId3">
+            <a:alphaModFix/>
+          </a:blip>
+          <a:stretch>
+            <a:fillRect/>
+          </a:stretch>
+        </p:blipFill>
+        <p:spPr>
+          <a:xfrm>
+            <a:off x="415585" y="1536633"/>
+            <a:ext cx="4356100" cy="4800600"/>
+          </a:xfrm>
+          <a:prstGeom prst="rect">
+            <a:avLst/>
+          </a:prstGeom>
+          <a:noFill/>
+          <a:ln>
+            <a:noFill/>
+          </a:ln>
+        </p:spPr>
+      </p:pic>
+      <p:sp>
+        <p:nvSpPr>
+          <p:cNvPr id="112" name="Google Shape;112;p20"/>
+          <p:cNvSpPr txBox="1"/>
+          <p:nvPr/>
+        </p:nvSpPr>
+        <p:spPr>
+          <a:xfrm>
+            <a:off x="4771700" y="1536533"/>
+            <a:ext cx="6856400" cy="4800800"/>
+          </a:xfrm>
+          <a:prstGeom prst="rect">
+            <a:avLst/>
+          </a:prstGeom>
+          <a:noFill/>
+          <a:ln>
+            <a:noFill/>
+          </a:ln>
+        </p:spPr>
+        <p:txBody>
+          <a:bodyPr spcFirstLastPara="1" wrap="square" lIns="121900" tIns="121900" rIns="121900" bIns="121900" anchor="ctr" anchorCtr="0">
+            <a:noAutofit/>
+          </a:bodyPr>
+          <a:lstStyle/>
+          <a:p>
+            <a:pPr defTabSz="1219170">
+              <a:buClr>
+                <a:srgbClr val="000000"/>
+              </a:buClr>
+            </a:pPr>
+            <a:r>
+              <a:rPr lang="en" sz="3733" kern="0">
+                <a:solidFill>
+                  <a:srgbClr val="FFFFFF"/>
+                </a:solidFill>
+                <a:latin typeface="Arial"/>
+                <a:cs typeface="Arial"/>
+                <a:sym typeface="Arial"/>
+              </a:rPr>
+              <a:t>Measure-biased sampling</a:t>
+            </a:r>
+            <a:endParaRPr sz="3733" kern="0">
+              <a:solidFill>
+                <a:srgbClr val="FFFFFF"/>
+              </a:solidFill>
+              <a:latin typeface="Arial"/>
+              <a:cs typeface="Arial"/>
+              <a:sym typeface="Arial"/>
+            </a:endParaRPr>
+          </a:p>
+          <a:p>
+            <a:pPr defTabSz="1219170">
+              <a:buClr>
+                <a:srgbClr val="000000"/>
+              </a:buClr>
+            </a:pPr>
+            <a:endParaRPr sz="3733" kern="0">
+              <a:solidFill>
+                <a:srgbClr val="FFFFFF"/>
+              </a:solidFill>
+              <a:latin typeface="Arial"/>
+              <a:cs typeface="Arial"/>
+              <a:sym typeface="Arial"/>
+            </a:endParaRPr>
+          </a:p>
+          <a:p>
+            <a:pPr defTabSz="1219170">
+              <a:buClr>
+                <a:srgbClr val="000000"/>
+              </a:buClr>
+            </a:pPr>
+            <a:r>
+              <a:rPr lang="en" sz="3733" kern="0">
+                <a:solidFill>
+                  <a:srgbClr val="FFFFFF"/>
+                </a:solidFill>
+                <a:latin typeface="Arial"/>
+                <a:cs typeface="Arial"/>
+                <a:sym typeface="Arial"/>
+              </a:rPr>
+              <a:t>1 26 51 76 92 94 96 98 111 136 161 186 199(four times) 200(four times)</a:t>
+            </a:r>
+            <a:endParaRPr sz="3733" kern="0">
+              <a:solidFill>
+                <a:srgbClr val="FFFFFF"/>
+              </a:solidFill>
+              <a:latin typeface="Arial"/>
+              <a:cs typeface="Arial"/>
+              <a:sym typeface="Arial"/>
+            </a:endParaRPr>
+          </a:p>
+          <a:p>
+            <a:pPr defTabSz="1219170">
+              <a:buClr>
+                <a:srgbClr val="000000"/>
+              </a:buClr>
+            </a:pPr>
+            <a:endParaRPr sz="3733" kern="0">
+              <a:solidFill>
+                <a:srgbClr val="FFFFFF"/>
+              </a:solidFill>
+              <a:latin typeface="Arial"/>
+              <a:cs typeface="Arial"/>
+              <a:sym typeface="Arial"/>
+            </a:endParaRPr>
+          </a:p>
+          <a:p>
+            <a:pPr defTabSz="1219170">
+              <a:buClr>
+                <a:srgbClr val="000000"/>
+              </a:buClr>
+            </a:pPr>
+            <a:r>
+              <a:rPr lang="en" sz="3733" kern="0">
+                <a:solidFill>
+                  <a:srgbClr val="FFFFFF"/>
+                </a:solidFill>
+                <a:latin typeface="Arial"/>
+                <a:cs typeface="Arial"/>
+                <a:sym typeface="Arial"/>
+              </a:rPr>
+              <a:t> &lt;8/20,12/20&gt; = &lt;0.40,0.60&gt;</a:t>
+            </a:r>
+            <a:endParaRPr sz="3733" kern="0">
+              <a:solidFill>
+                <a:srgbClr val="FFFFFF"/>
+              </a:solidFill>
+              <a:latin typeface="Arial"/>
+              <a:cs typeface="Arial"/>
+              <a:sym typeface="Arial"/>
+            </a:endParaRPr>
+          </a:p>
+        </p:txBody>
+      </p:sp>
+    </p:spTree>
+    <p:extLst>
+      <p:ext uri="{BB962C8B-B14F-4D97-AF65-F5344CB8AC3E}">
+        <p14:creationId xmlns:p14="http://schemas.microsoft.com/office/powerpoint/2010/main" val="3242632845"/>
+      </p:ext>
+    </p:extLst>
+  </p:cSld>
+  <p:clrMapOvr>
+    <a:masterClrMapping/>
+  </p:clrMapOvr>
+</p:sld>
+</file>
+
+<file path=ppt/slides/slide12.xml><?xml version="1.0" encoding="utf-8"?>
+<p:sld xmlns:a="http://schemas.openxmlformats.org/drawingml/2006/main" xmlns:r="http://schemas.openxmlformats.org/officeDocument/2006/relationships" xmlns:p="http://schemas.openxmlformats.org/presentationml/2006/main">
+  <p:cSld>
+    <p:spTree>
+      <p:nvGrpSpPr>
+        <p:cNvPr id="1" name="Shape 116"/>
+        <p:cNvGrpSpPr/>
+        <p:nvPr/>
+      </p:nvGrpSpPr>
+      <p:grpSpPr>
+        <a:xfrm>
+          <a:off x="0" y="0"/>
+          <a:ext cx="0" cy="0"/>
+          <a:chOff x="0" y="0"/>
+          <a:chExt cx="0" cy="0"/>
+        </a:xfrm>
+      </p:grpSpPr>
+      <p:sp>
+        <p:nvSpPr>
+          <p:cNvPr id="117" name="Google Shape;117;p21"/>
+          <p:cNvSpPr txBox="1">
+            <a:spLocks noGrp="1"/>
+          </p:cNvSpPr>
+          <p:nvPr>
+            <p:ph type="title"/>
+          </p:nvPr>
+        </p:nvSpPr>
+        <p:spPr>
+          <a:xfrm>
+            <a:off x="415600" y="593367"/>
+            <a:ext cx="11360800" cy="763600"/>
+          </a:xfrm>
+          <a:prstGeom prst="rect">
+            <a:avLst/>
+          </a:prstGeom>
+        </p:spPr>
+        <p:txBody>
+          <a:bodyPr spcFirstLastPara="1" wrap="square" lIns="121900" tIns="121900" rIns="121900" bIns="121900" anchor="t" anchorCtr="0">
+            <a:noAutofit/>
+          </a:bodyPr>
+          <a:lstStyle/>
+          <a:p>
+            <a:r>
+              <a:rPr lang="en"/>
               <a:t>Optimistic Data Visualization</a:t>
             </a:r>
             <a:endParaRPr/>
@@ -10749,7 +11488,7 @@
       </p:sp>
       <p:sp>
         <p:nvSpPr>
-          <p:cNvPr id="124" name="Google Shape;124;p22"/>
+          <p:cNvPr id="118" name="Google Shape;118;p21"/>
           <p:cNvSpPr txBox="1">
             <a:spLocks noGrp="1"/>
           </p:cNvSpPr>
@@ -10818,6 +11557,150 @@
                   <a:schemeClr val="dk1"/>
                 </a:solidFill>
               </a:rPr>
+              <a:t>But not done yet...</a:t>
+            </a:r>
+            <a:endParaRPr sz="3733">
+              <a:solidFill>
+                <a:schemeClr val="dk1"/>
+              </a:solidFill>
+            </a:endParaRPr>
+          </a:p>
+        </p:txBody>
+      </p:sp>
+    </p:spTree>
+    <p:extLst>
+      <p:ext uri="{BB962C8B-B14F-4D97-AF65-F5344CB8AC3E}">
+        <p14:creationId xmlns:p14="http://schemas.microsoft.com/office/powerpoint/2010/main" val="3905445863"/>
+      </p:ext>
+    </p:extLst>
+  </p:cSld>
+  <p:clrMapOvr>
+    <a:masterClrMapping/>
+  </p:clrMapOvr>
+</p:sld>
+</file>
+
+<file path=ppt/slides/slide13.xml><?xml version="1.0" encoding="utf-8"?>
+<p:sld xmlns:a="http://schemas.openxmlformats.org/drawingml/2006/main" xmlns:r="http://schemas.openxmlformats.org/officeDocument/2006/relationships" xmlns:p="http://schemas.openxmlformats.org/presentationml/2006/main">
+  <p:cSld>
+    <p:spTree>
+      <p:nvGrpSpPr>
+        <p:cNvPr id="1" name="Shape 122"/>
+        <p:cNvGrpSpPr/>
+        <p:nvPr/>
+      </p:nvGrpSpPr>
+      <p:grpSpPr>
+        <a:xfrm>
+          <a:off x="0" y="0"/>
+          <a:ext cx="0" cy="0"/>
+          <a:chOff x="0" y="0"/>
+          <a:chExt cx="0" cy="0"/>
+        </a:xfrm>
+      </p:grpSpPr>
+      <p:sp>
+        <p:nvSpPr>
+          <p:cNvPr id="123" name="Google Shape;123;p22"/>
+          <p:cNvSpPr txBox="1">
+            <a:spLocks noGrp="1"/>
+          </p:cNvSpPr>
+          <p:nvPr>
+            <p:ph type="title"/>
+          </p:nvPr>
+        </p:nvSpPr>
+        <p:spPr>
+          <a:xfrm>
+            <a:off x="415600" y="593367"/>
+            <a:ext cx="11360800" cy="763600"/>
+          </a:xfrm>
+          <a:prstGeom prst="rect">
+            <a:avLst/>
+          </a:prstGeom>
+        </p:spPr>
+        <p:txBody>
+          <a:bodyPr spcFirstLastPara="1" wrap="square" lIns="121900" tIns="121900" rIns="121900" bIns="121900" anchor="t" anchorCtr="0">
+            <a:noAutofit/>
+          </a:bodyPr>
+          <a:lstStyle/>
+          <a:p>
+            <a:r>
+              <a:rPr lang="en"/>
+              <a:t>Optimistic Data Visualization</a:t>
+            </a:r>
+            <a:endParaRPr/>
+          </a:p>
+        </p:txBody>
+      </p:sp>
+      <p:sp>
+        <p:nvSpPr>
+          <p:cNvPr id="124" name="Google Shape;124;p22"/>
+          <p:cNvSpPr txBox="1">
+            <a:spLocks noGrp="1"/>
+          </p:cNvSpPr>
+          <p:nvPr>
+            <p:ph type="body" idx="1"/>
+          </p:nvPr>
+        </p:nvSpPr>
+        <p:spPr>
+          <a:xfrm>
+            <a:off x="415600" y="1536633"/>
+            <a:ext cx="11360800" cy="4555200"/>
+          </a:xfrm>
+          <a:prstGeom prst="rect">
+            <a:avLst/>
+          </a:prstGeom>
+        </p:spPr>
+        <p:txBody>
+          <a:bodyPr spcFirstLastPara="1" wrap="square" lIns="121900" tIns="121900" rIns="121900" bIns="121900" anchor="t" anchorCtr="0">
+            <a:noAutofit/>
+          </a:bodyPr>
+          <a:lstStyle/>
+          <a:p>
+            <a:pPr marL="0" indent="0">
+              <a:lnSpc>
+                <a:spcPct val="100000"/>
+              </a:lnSpc>
+              <a:buNone/>
+            </a:pPr>
+            <a:r>
+              <a:rPr lang="en" sz="3733">
+                <a:solidFill>
+                  <a:schemeClr val="dk1"/>
+                </a:solidFill>
+              </a:rPr>
+              <a:t>Trust: Assume that approximation is right in most of the cases.</a:t>
+            </a:r>
+            <a:endParaRPr sz="3733">
+              <a:solidFill>
+                <a:schemeClr val="dk1"/>
+              </a:solidFill>
+            </a:endParaRPr>
+          </a:p>
+          <a:p>
+            <a:pPr marL="0" indent="0">
+              <a:lnSpc>
+                <a:spcPct val="100000"/>
+              </a:lnSpc>
+              <a:buNone/>
+            </a:pPr>
+            <a:endParaRPr sz="3733">
+              <a:solidFill>
+                <a:schemeClr val="dk1"/>
+              </a:solidFill>
+            </a:endParaRPr>
+          </a:p>
+          <a:p>
+            <a:pPr marL="0" indent="0">
+              <a:lnSpc>
+                <a:spcPct val="100000"/>
+              </a:lnSpc>
+              <a:buNone/>
+            </a:pPr>
+            <a:r>
+              <a:rPr lang="en" sz="3733">
+                <a:solidFill>
+                  <a:schemeClr val="dk1"/>
+                </a:solidFill>
+              </a:rPr>
               <a:t>Verify: Run the query in the background </a:t>
             </a:r>
             <a:endParaRPr sz="3733">
@@ -10841,7 +11724,7 @@
 </p:sld>
 </file>
 
-<file path=ppt/slides/slide11.xml><?xml version="1.0" encoding="utf-8"?>
+<file path=ppt/slides/slide14.xml><?xml version="1.0" encoding="utf-8"?>
 <p:sld xmlns:a="http://schemas.openxmlformats.org/drawingml/2006/main" xmlns:r="http://schemas.openxmlformats.org/officeDocument/2006/relationships" xmlns:p="http://schemas.openxmlformats.org/presentationml/2006/main">
   <p:cSld>
     <p:spTree>
@@ -11019,7 +11902,7 @@
 </p:sld>
 </file>
 
-<file path=ppt/slides/slide12.xml><?xml version="1.0" encoding="utf-8"?>
+<file path=ppt/slides/slide15.xml><?xml version="1.0" encoding="utf-8"?>
 <p:sld xmlns:a="http://schemas.openxmlformats.org/drawingml/2006/main" xmlns:r="http://schemas.openxmlformats.org/officeDocument/2006/relationships" xmlns:p="http://schemas.openxmlformats.org/presentationml/2006/main">
   <p:cSld>
     <p:spTree>
@@ -11151,7 +12034,7 @@
 </p:sld>
 </file>
 
-<file path=ppt/slides/slide13.xml><?xml version="1.0" encoding="utf-8"?>
+<file path=ppt/slides/slide16.xml><?xml version="1.0" encoding="utf-8"?>
 <p:sld xmlns:a="http://schemas.openxmlformats.org/drawingml/2006/main" xmlns:r="http://schemas.openxmlformats.org/officeDocument/2006/relationships" xmlns:p="http://schemas.openxmlformats.org/presentationml/2006/main">
   <p:cSld>
     <p:spTree>
@@ -11283,7 +12166,7 @@
 </p:sld>
 </file>
 
-<file path=ppt/slides/slide14.xml><?xml version="1.0" encoding="utf-8"?>
+<file path=ppt/slides/slide17.xml><?xml version="1.0" encoding="utf-8"?>
 <p:sld xmlns:a="http://schemas.openxmlformats.org/drawingml/2006/main" xmlns:r="http://schemas.openxmlformats.org/officeDocument/2006/relationships" xmlns:p="http://schemas.openxmlformats.org/presentationml/2006/main">
   <p:cSld>
     <p:spTree>
@@ -11381,7 +12264,7 @@
 </p:sld>
 </file>
 
-<file path=ppt/slides/slide15.xml><?xml version="1.0" encoding="utf-8"?>
+<file path=ppt/slides/slide18.xml><?xml version="1.0" encoding="utf-8"?>
 <p:sld xmlns:a="http://schemas.openxmlformats.org/drawingml/2006/main" xmlns:r="http://schemas.openxmlformats.org/officeDocument/2006/relationships" xmlns:p="http://schemas.openxmlformats.org/presentationml/2006/main">
   <p:cSld>
     <p:spTree>
@@ -11400,6 +12283,2749 @@
       </p:grpSpPr>
       <p:sp>
         <p:nvSpPr>
+          <p:cNvPr id="2" name="Title 1"/>
+          <p:cNvSpPr>
+            <a:spLocks noGrp="1"/>
+          </p:cNvSpPr>
+          <p:nvPr>
+            <p:ph type="title"/>
+          </p:nvPr>
+        </p:nvSpPr>
+        <p:spPr/>
+        <p:txBody>
+          <a:bodyPr/>
+          <a:lstStyle/>
+          <a:p>
+            <a:r>
+              <a:rPr lang="en-US" dirty="0" err="1"/>
+              <a:t>Sample+Seek</a:t>
+            </a:r>
+            <a:endParaRPr lang="en-US" dirty="0"/>
+          </a:p>
+        </p:txBody>
+      </p:sp>
+      <p:sp>
+        <p:nvSpPr>
+          <p:cNvPr id="5" name="Content Placeholder 4"/>
+          <p:cNvSpPr>
+            <a:spLocks noGrp="1"/>
+          </p:cNvSpPr>
+          <p:nvPr>
+            <p:ph idx="1"/>
+          </p:nvPr>
+        </p:nvSpPr>
+        <p:spPr>
+          <a:xfrm>
+            <a:off x="2152650" y="1693546"/>
+            <a:ext cx="8251190" cy="845694"/>
+          </a:xfrm>
+        </p:spPr>
+        <p:txBody>
+          <a:bodyPr>
+            <a:normAutofit fontScale="92500"/>
+          </a:bodyPr>
+          <a:lstStyle/>
+          <a:p>
+            <a:pPr marL="0" indent="0">
+              <a:buNone/>
+            </a:pPr>
+            <a:r>
+              <a:rPr lang="en-US" sz="2400" dirty="0"/>
+              <a:t>Measure-biased samples for </a:t>
+            </a:r>
+            <a:r>
+              <a:rPr lang="en-US" sz="2400" dirty="0">
+                <a:latin typeface="Consolas" charset="0"/>
+                <a:ea typeface="Consolas" charset="0"/>
+                <a:cs typeface="Consolas" charset="0"/>
+              </a:rPr>
+              <a:t>SUM</a:t>
+            </a:r>
+            <a:r>
+              <a:rPr lang="en-US" sz="2400" b="1" dirty="0">
+                <a:latin typeface="Consolas" charset="0"/>
+                <a:ea typeface="Consolas" charset="0"/>
+                <a:cs typeface="Consolas" charset="0"/>
+              </a:rPr>
+              <a:t>(</a:t>
+            </a:r>
+            <a:r>
+              <a:rPr lang="en-US" sz="2400" b="1" dirty="0" err="1">
+                <a:latin typeface="Consolas" charset="0"/>
+                <a:ea typeface="Consolas" charset="0"/>
+                <a:cs typeface="Consolas" charset="0"/>
+              </a:rPr>
+              <a:t>val</a:t>
+            </a:r>
+            <a:r>
+              <a:rPr lang="en-US" sz="2400" b="1" dirty="0">
+                <a:latin typeface="Consolas" charset="0"/>
+                <a:ea typeface="Consolas" charset="0"/>
+                <a:cs typeface="Consolas" charset="0"/>
+              </a:rPr>
+              <a:t>): </a:t>
+            </a:r>
+            <a:r>
+              <a:rPr lang="en-US" sz="2400" dirty="0"/>
+              <a:t>proportional to </a:t>
+            </a:r>
+            <a:r>
+              <a:rPr lang="en-US" sz="2400" b="1" dirty="0" err="1">
+                <a:latin typeface="Consolas" charset="0"/>
+                <a:ea typeface="Consolas" charset="0"/>
+                <a:cs typeface="Consolas" charset="0"/>
+              </a:rPr>
+              <a:t>val</a:t>
+            </a:r>
+            <a:r>
+              <a:rPr lang="en-US" sz="2400" b="1" dirty="0">
+                <a:latin typeface="Consolas" charset="0"/>
+                <a:ea typeface="Consolas" charset="0"/>
+                <a:cs typeface="Consolas" charset="0"/>
+              </a:rPr>
+              <a:t> </a:t>
+            </a:r>
+          </a:p>
+          <a:p>
+            <a:pPr marL="0" indent="0">
+              <a:buNone/>
+            </a:pPr>
+            <a:r>
+              <a:rPr lang="en-US" sz="2400" dirty="0"/>
+              <a:t>100 rows</a:t>
+            </a:r>
+          </a:p>
+        </p:txBody>
+      </p:sp>
+      <p:sp>
+        <p:nvSpPr>
+          <p:cNvPr id="11" name="TextBox 10"/>
+          <p:cNvSpPr txBox="1"/>
+          <p:nvPr/>
+        </p:nvSpPr>
+        <p:spPr>
+          <a:xfrm>
+            <a:off x="3192461" y="2778322"/>
+            <a:ext cx="694421" cy="1938992"/>
+          </a:xfrm>
+          <a:prstGeom prst="rect">
+            <a:avLst/>
+          </a:prstGeom>
+          <a:noFill/>
+        </p:spPr>
+        <p:txBody>
+          <a:bodyPr wrap="none" rtlCol="0">
+            <a:spAutoFit/>
+          </a:bodyPr>
+          <a:lstStyle/>
+          <a:p>
+            <a:pPr algn="ctr"/>
+            <a:r>
+              <a:rPr lang="en-US" sz="2400" dirty="0" err="1">
+                <a:latin typeface="Consolas" charset="0"/>
+                <a:ea typeface="Consolas" charset="0"/>
+                <a:cs typeface="Consolas" charset="0"/>
+              </a:rPr>
+              <a:t>val</a:t>
+            </a:r>
+            <a:endParaRPr lang="en-US" sz="2400" dirty="0">
+              <a:latin typeface="Consolas" charset="0"/>
+              <a:ea typeface="Consolas" charset="0"/>
+              <a:cs typeface="Consolas" charset="0"/>
+            </a:endParaRPr>
+          </a:p>
+          <a:p>
+            <a:pPr algn="r"/>
+            <a:r>
+              <a:rPr lang="en-US" sz="2400" dirty="0">
+                <a:solidFill>
+                  <a:schemeClr val="bg1">
+                    <a:lumMod val="50000"/>
+                  </a:schemeClr>
+                </a:solidFill>
+                <a:latin typeface="Consolas" charset="0"/>
+                <a:ea typeface="Consolas" charset="0"/>
+                <a:cs typeface="Consolas" charset="0"/>
+              </a:rPr>
+              <a:t>1</a:t>
+            </a:r>
+          </a:p>
+          <a:p>
+            <a:pPr algn="r"/>
+            <a:r>
+              <a:rPr lang="en-US" sz="2400" dirty="0">
+                <a:solidFill>
+                  <a:schemeClr val="bg1">
+                    <a:lumMod val="50000"/>
+                  </a:schemeClr>
+                </a:solidFill>
+                <a:latin typeface="Consolas" charset="0"/>
+                <a:ea typeface="Consolas" charset="0"/>
+                <a:cs typeface="Consolas" charset="0"/>
+              </a:rPr>
+              <a:t>..</a:t>
+            </a:r>
+          </a:p>
+          <a:p>
+            <a:pPr algn="r"/>
+            <a:r>
+              <a:rPr lang="en-US" sz="2400" dirty="0">
+                <a:solidFill>
+                  <a:schemeClr val="bg1">
+                    <a:lumMod val="50000"/>
+                  </a:schemeClr>
+                </a:solidFill>
+                <a:latin typeface="Consolas" charset="0"/>
+                <a:ea typeface="Consolas" charset="0"/>
+                <a:cs typeface="Consolas" charset="0"/>
+              </a:rPr>
+              <a:t>1</a:t>
+            </a:r>
+          </a:p>
+          <a:p>
+            <a:pPr algn="r"/>
+            <a:r>
+              <a:rPr lang="en-US" sz="2400" b="1" dirty="0">
+                <a:solidFill>
+                  <a:srgbClr val="0070C0"/>
+                </a:solidFill>
+                <a:latin typeface="Consolas" charset="0"/>
+                <a:ea typeface="Consolas" charset="0"/>
+                <a:cs typeface="Consolas" charset="0"/>
+              </a:rPr>
+              <a:t>100</a:t>
+            </a:r>
+          </a:p>
+        </p:txBody>
+      </p:sp>
+      <p:sp>
+        <p:nvSpPr>
+          <p:cNvPr id="15" name="TextBox 14"/>
+          <p:cNvSpPr txBox="1"/>
+          <p:nvPr/>
+        </p:nvSpPr>
+        <p:spPr>
+          <a:xfrm>
+            <a:off x="4586197" y="2778322"/>
+            <a:ext cx="1034257" cy="1938992"/>
+          </a:xfrm>
+          <a:prstGeom prst="rect">
+            <a:avLst/>
+          </a:prstGeom>
+          <a:noFill/>
+        </p:spPr>
+        <p:txBody>
+          <a:bodyPr wrap="none" rtlCol="0">
+            <a:spAutoFit/>
+          </a:bodyPr>
+          <a:lstStyle/>
+          <a:p>
+            <a:pPr algn="ctr"/>
+            <a:r>
+              <a:rPr lang="en-US" sz="2400" dirty="0" err="1">
+                <a:latin typeface="Consolas" charset="0"/>
+                <a:ea typeface="Consolas" charset="0"/>
+                <a:cs typeface="Consolas" charset="0"/>
+              </a:rPr>
+              <a:t>p</a:t>
+            </a:r>
+            <a:r>
+              <a:rPr lang="en-US" sz="2400" baseline="-25000" dirty="0" err="1">
+                <a:latin typeface="Consolas" charset="0"/>
+                <a:ea typeface="Consolas" charset="0"/>
+                <a:cs typeface="Consolas" charset="0"/>
+              </a:rPr>
+              <a:t>naive</a:t>
+            </a:r>
+            <a:endParaRPr lang="en-US" sz="2400" dirty="0">
+              <a:latin typeface="Consolas" charset="0"/>
+              <a:ea typeface="Consolas" charset="0"/>
+              <a:cs typeface="Consolas" charset="0"/>
+            </a:endParaRPr>
+          </a:p>
+          <a:p>
+            <a:pPr algn="r"/>
+            <a:r>
+              <a:rPr lang="en-US" sz="2400" dirty="0">
+                <a:solidFill>
+                  <a:schemeClr val="bg1">
+                    <a:lumMod val="50000"/>
+                  </a:schemeClr>
+                </a:solidFill>
+                <a:latin typeface="Consolas" charset="0"/>
+                <a:ea typeface="Consolas" charset="0"/>
+                <a:cs typeface="Consolas" charset="0"/>
+              </a:rPr>
+              <a:t>1/100</a:t>
+            </a:r>
+          </a:p>
+          <a:p>
+            <a:pPr algn="r"/>
+            <a:r>
+              <a:rPr lang="en-US" sz="2400" dirty="0">
+                <a:solidFill>
+                  <a:schemeClr val="bg1">
+                    <a:lumMod val="50000"/>
+                  </a:schemeClr>
+                </a:solidFill>
+                <a:latin typeface="Consolas" charset="0"/>
+                <a:ea typeface="Consolas" charset="0"/>
+                <a:cs typeface="Consolas" charset="0"/>
+              </a:rPr>
+              <a:t>..</a:t>
+            </a:r>
+          </a:p>
+          <a:p>
+            <a:pPr algn="r"/>
+            <a:r>
+              <a:rPr lang="en-US" sz="2400" dirty="0">
+                <a:solidFill>
+                  <a:schemeClr val="bg1">
+                    <a:lumMod val="50000"/>
+                  </a:schemeClr>
+                </a:solidFill>
+                <a:latin typeface="Consolas" charset="0"/>
+                <a:ea typeface="Consolas" charset="0"/>
+                <a:cs typeface="Consolas" charset="0"/>
+              </a:rPr>
+              <a:t>1/100</a:t>
+            </a:r>
+          </a:p>
+          <a:p>
+            <a:pPr algn="r"/>
+            <a:r>
+              <a:rPr lang="en-US" sz="2400" b="1" dirty="0">
+                <a:solidFill>
+                  <a:srgbClr val="FF0000"/>
+                </a:solidFill>
+                <a:latin typeface="Consolas" charset="0"/>
+                <a:ea typeface="Consolas" charset="0"/>
+                <a:cs typeface="Consolas" charset="0"/>
+              </a:rPr>
+              <a:t>1/100</a:t>
+            </a:r>
+          </a:p>
+        </p:txBody>
+      </p:sp>
+      <p:sp>
+        <p:nvSpPr>
+          <p:cNvPr id="16" name="TextBox 15"/>
+          <p:cNvSpPr txBox="1"/>
+          <p:nvPr/>
+        </p:nvSpPr>
+        <p:spPr>
+          <a:xfrm>
+            <a:off x="6816113" y="2778322"/>
+            <a:ext cx="1374094" cy="1938992"/>
+          </a:xfrm>
+          <a:prstGeom prst="rect">
+            <a:avLst/>
+          </a:prstGeom>
+          <a:noFill/>
+        </p:spPr>
+        <p:txBody>
+          <a:bodyPr wrap="none" rtlCol="0">
+            <a:spAutoFit/>
+          </a:bodyPr>
+          <a:lstStyle/>
+          <a:p>
+            <a:pPr algn="ctr"/>
+            <a:r>
+              <a:rPr lang="en-US" sz="2400" dirty="0" err="1">
+                <a:latin typeface="Consolas" charset="0"/>
+                <a:ea typeface="Consolas" charset="0"/>
+                <a:cs typeface="Consolas" charset="0"/>
+              </a:rPr>
+              <a:t>p</a:t>
+            </a:r>
+            <a:r>
+              <a:rPr lang="en-US" sz="2400" baseline="-25000" dirty="0" err="1">
+                <a:latin typeface="Consolas" charset="0"/>
+                <a:ea typeface="Consolas" charset="0"/>
+                <a:cs typeface="Consolas" charset="0"/>
+              </a:rPr>
+              <a:t>s+s</a:t>
+            </a:r>
+            <a:endParaRPr lang="en-US" sz="2400" dirty="0">
+              <a:latin typeface="Consolas" charset="0"/>
+              <a:ea typeface="Consolas" charset="0"/>
+              <a:cs typeface="Consolas" charset="0"/>
+            </a:endParaRPr>
+          </a:p>
+          <a:p>
+            <a:pPr algn="r"/>
+            <a:r>
+              <a:rPr lang="en-US" sz="2400" dirty="0">
+                <a:solidFill>
+                  <a:schemeClr val="bg1">
+                    <a:lumMod val="50000"/>
+                  </a:schemeClr>
+                </a:solidFill>
+                <a:latin typeface="Consolas" charset="0"/>
+                <a:ea typeface="Consolas" charset="0"/>
+                <a:cs typeface="Consolas" charset="0"/>
+              </a:rPr>
+              <a:t>1/199</a:t>
+            </a:r>
+          </a:p>
+          <a:p>
+            <a:pPr algn="r"/>
+            <a:r>
+              <a:rPr lang="en-US" sz="2400" dirty="0">
+                <a:solidFill>
+                  <a:schemeClr val="bg1">
+                    <a:lumMod val="50000"/>
+                  </a:schemeClr>
+                </a:solidFill>
+                <a:latin typeface="Consolas" charset="0"/>
+                <a:ea typeface="Consolas" charset="0"/>
+                <a:cs typeface="Consolas" charset="0"/>
+              </a:rPr>
+              <a:t>..</a:t>
+            </a:r>
+          </a:p>
+          <a:p>
+            <a:pPr algn="r"/>
+            <a:r>
+              <a:rPr lang="en-US" sz="2400" dirty="0">
+                <a:solidFill>
+                  <a:schemeClr val="bg1">
+                    <a:lumMod val="50000"/>
+                  </a:schemeClr>
+                </a:solidFill>
+                <a:latin typeface="Consolas" charset="0"/>
+                <a:ea typeface="Consolas" charset="0"/>
+                <a:cs typeface="Consolas" charset="0"/>
+              </a:rPr>
+              <a:t>1/199</a:t>
+            </a:r>
+          </a:p>
+          <a:p>
+            <a:pPr algn="r"/>
+            <a:r>
+              <a:rPr lang="en-US" sz="2400" b="1" dirty="0">
+                <a:solidFill>
+                  <a:srgbClr val="FF0000"/>
+                </a:solidFill>
+                <a:latin typeface="Consolas" charset="0"/>
+                <a:ea typeface="Consolas" charset="0"/>
+                <a:cs typeface="Consolas" charset="0"/>
+              </a:rPr>
+              <a:t>100/199</a:t>
+            </a:r>
+          </a:p>
+        </p:txBody>
+      </p:sp>
+      <p:sp>
+        <p:nvSpPr>
+          <p:cNvPr id="10" name="Content Placeholder 4"/>
+          <p:cNvSpPr txBox="1">
+            <a:spLocks/>
+          </p:cNvSpPr>
+          <p:nvPr/>
+        </p:nvSpPr>
+        <p:spPr>
+          <a:xfrm>
+            <a:off x="2152650" y="6003433"/>
+            <a:ext cx="7886700" cy="622758"/>
+          </a:xfrm>
+          <a:prstGeom prst="rect">
+            <a:avLst/>
+          </a:prstGeom>
+        </p:spPr>
+        <p:txBody>
+          <a:bodyPr vert="horz" lIns="91440" tIns="45720" rIns="91440" bIns="45720" rtlCol="0">
+            <a:normAutofit/>
+          </a:bodyPr>
+          <a:lstStyle>
+            <a:lvl1pPr marL="228600" indent="-228600" algn="l" defTabSz="914400" rtl="0" eaLnBrk="1" latinLnBrk="0" hangingPunct="1">
+              <a:lnSpc>
+                <a:spcPct val="90000"/>
+              </a:lnSpc>
+              <a:spcBef>
+                <a:spcPts val="1000"/>
+              </a:spcBef>
+              <a:buFont typeface="Arial" panose="020B0604020202020204" pitchFamily="34" charset="0"/>
+              <a:buChar char="•"/>
+              <a:defRPr sz="2800" kern="1200">
+                <a:solidFill>
+                  <a:schemeClr val="tx1"/>
+                </a:solidFill>
+                <a:latin typeface="Arial" charset="0"/>
+                <a:ea typeface="Arial" charset="0"/>
+                <a:cs typeface="Arial" charset="0"/>
+              </a:defRPr>
+            </a:lvl1pPr>
+            <a:lvl2pPr marL="685800" indent="-228600" algn="l" defTabSz="914400" rtl="0" eaLnBrk="1" latinLnBrk="0" hangingPunct="1">
+              <a:lnSpc>
+                <a:spcPct val="90000"/>
+              </a:lnSpc>
+              <a:spcBef>
+                <a:spcPts val="500"/>
+              </a:spcBef>
+              <a:buFont typeface="Arial" panose="020B0604020202020204" pitchFamily="34" charset="0"/>
+              <a:buChar char="•"/>
+              <a:defRPr sz="2400" kern="1200">
+                <a:solidFill>
+                  <a:schemeClr val="tx1"/>
+                </a:solidFill>
+                <a:latin typeface="Arial" charset="0"/>
+                <a:ea typeface="Arial" charset="0"/>
+                <a:cs typeface="Arial" charset="0"/>
+              </a:defRPr>
+            </a:lvl2pPr>
+            <a:lvl3pPr marL="1143000" indent="-228600" algn="l" defTabSz="914400" rtl="0" eaLnBrk="1" latinLnBrk="0" hangingPunct="1">
+              <a:lnSpc>
+                <a:spcPct val="90000"/>
+              </a:lnSpc>
+              <a:spcBef>
+                <a:spcPts val="500"/>
+              </a:spcBef>
+              <a:buFont typeface="Arial" panose="020B0604020202020204" pitchFamily="34" charset="0"/>
+              <a:buChar char="•"/>
+              <a:defRPr sz="2000" kern="1200">
+                <a:solidFill>
+                  <a:schemeClr val="tx1"/>
+                </a:solidFill>
+                <a:latin typeface="Arial" charset="0"/>
+                <a:ea typeface="Arial" charset="0"/>
+                <a:cs typeface="Arial" charset="0"/>
+              </a:defRPr>
+            </a:lvl3pPr>
+            <a:lvl4pPr marL="1600200" indent="-228600" algn="l" defTabSz="914400" rtl="0" eaLnBrk="1" latinLnBrk="0" hangingPunct="1">
+              <a:lnSpc>
+                <a:spcPct val="90000"/>
+              </a:lnSpc>
+              <a:spcBef>
+                <a:spcPts val="500"/>
+              </a:spcBef>
+              <a:buFont typeface="Arial" panose="020B0604020202020204" pitchFamily="34" charset="0"/>
+              <a:buChar char="•"/>
+              <a:defRPr sz="1800" kern="1200">
+                <a:solidFill>
+                  <a:schemeClr val="tx1"/>
+                </a:solidFill>
+                <a:latin typeface="Arial" charset="0"/>
+                <a:ea typeface="Arial" charset="0"/>
+                <a:cs typeface="Arial" charset="0"/>
+              </a:defRPr>
+            </a:lvl4pPr>
+            <a:lvl5pPr marL="2057400" indent="-228600" algn="l" defTabSz="914400" rtl="0" eaLnBrk="1" latinLnBrk="0" hangingPunct="1">
+              <a:lnSpc>
+                <a:spcPct val="90000"/>
+              </a:lnSpc>
+              <a:spcBef>
+                <a:spcPts val="500"/>
+              </a:spcBef>
+              <a:buFont typeface="Arial" panose="020B0604020202020204" pitchFamily="34" charset="0"/>
+              <a:buChar char="•"/>
+              <a:defRPr sz="1800" kern="1200">
+                <a:solidFill>
+                  <a:schemeClr val="tx1"/>
+                </a:solidFill>
+                <a:latin typeface="Arial" charset="0"/>
+                <a:ea typeface="Arial" charset="0"/>
+                <a:cs typeface="Arial" charset="0"/>
+              </a:defRPr>
+            </a:lvl5pPr>
+            <a:lvl6pPr marL="2514600" indent="-228600" algn="l" defTabSz="914400" rtl="0" eaLnBrk="1" latinLnBrk="0" hangingPunct="1">
+              <a:lnSpc>
+                <a:spcPct val="90000"/>
+              </a:lnSpc>
+              <a:spcBef>
+                <a:spcPts val="500"/>
+              </a:spcBef>
+              <a:buFont typeface="Arial" panose="020B0604020202020204" pitchFamily="34" charset="0"/>
+              <a:buChar char="•"/>
+              <a:defRPr sz="1800" kern="1200">
+                <a:solidFill>
+                  <a:schemeClr val="tx1"/>
+                </a:solidFill>
+                <a:latin typeface="+mn-lt"/>
+                <a:ea typeface="+mn-ea"/>
+                <a:cs typeface="+mn-cs"/>
+              </a:defRPr>
+            </a:lvl6pPr>
+            <a:lvl7pPr marL="2971800" indent="-228600" algn="l" defTabSz="914400" rtl="0" eaLnBrk="1" latinLnBrk="0" hangingPunct="1">
+              <a:lnSpc>
+                <a:spcPct val="90000"/>
+              </a:lnSpc>
+              <a:spcBef>
+                <a:spcPts val="500"/>
+              </a:spcBef>
+              <a:buFont typeface="Arial" panose="020B0604020202020204" pitchFamily="34" charset="0"/>
+              <a:buChar char="•"/>
+              <a:defRPr sz="1800" kern="1200">
+                <a:solidFill>
+                  <a:schemeClr val="tx1"/>
+                </a:solidFill>
+                <a:latin typeface="+mn-lt"/>
+                <a:ea typeface="+mn-ea"/>
+                <a:cs typeface="+mn-cs"/>
+              </a:defRPr>
+            </a:lvl7pPr>
+            <a:lvl8pPr marL="3429000" indent="-228600" algn="l" defTabSz="914400" rtl="0" eaLnBrk="1" latinLnBrk="0" hangingPunct="1">
+              <a:lnSpc>
+                <a:spcPct val="90000"/>
+              </a:lnSpc>
+              <a:spcBef>
+                <a:spcPts val="500"/>
+              </a:spcBef>
+              <a:buFont typeface="Arial" panose="020B0604020202020204" pitchFamily="34" charset="0"/>
+              <a:buChar char="•"/>
+              <a:defRPr sz="1800" kern="1200">
+                <a:solidFill>
+                  <a:schemeClr val="tx1"/>
+                </a:solidFill>
+                <a:latin typeface="+mn-lt"/>
+                <a:ea typeface="+mn-ea"/>
+                <a:cs typeface="+mn-cs"/>
+              </a:defRPr>
+            </a:lvl8pPr>
+            <a:lvl9pPr marL="3886200" indent="-228600" algn="l" defTabSz="914400" rtl="0" eaLnBrk="1" latinLnBrk="0" hangingPunct="1">
+              <a:lnSpc>
+                <a:spcPct val="90000"/>
+              </a:lnSpc>
+              <a:spcBef>
+                <a:spcPts val="500"/>
+              </a:spcBef>
+              <a:buFont typeface="Arial" panose="020B0604020202020204" pitchFamily="34" charset="0"/>
+              <a:buChar char="•"/>
+              <a:defRPr sz="1800" kern="1200">
+                <a:solidFill>
+                  <a:schemeClr val="tx1"/>
+                </a:solidFill>
+                <a:latin typeface="+mn-lt"/>
+                <a:ea typeface="+mn-ea"/>
+                <a:cs typeface="+mn-cs"/>
+              </a:defRPr>
+            </a:lvl9pPr>
+          </a:lstStyle>
+          <a:p>
+            <a:pPr marL="0" indent="0">
+              <a:buNone/>
+            </a:pPr>
+            <a:r>
+              <a:rPr lang="en-US" sz="2400" dirty="0"/>
+              <a:t>Addresses err bound’s </a:t>
+            </a:r>
+            <a:r>
+              <a:rPr lang="en-US" sz="2400" i="1" dirty="0"/>
+              <a:t>Data Dependency</a:t>
+            </a:r>
+          </a:p>
+        </p:txBody>
+      </p:sp>
+      <p:sp>
+        <p:nvSpPr>
+          <p:cNvPr id="3" name="TextBox 2"/>
+          <p:cNvSpPr txBox="1"/>
+          <p:nvPr/>
+        </p:nvSpPr>
+        <p:spPr>
+          <a:xfrm>
+            <a:off x="4223115" y="4840044"/>
+            <a:ext cx="1760418" cy="830997"/>
+          </a:xfrm>
+          <a:prstGeom prst="rect">
+            <a:avLst/>
+          </a:prstGeom>
+          <a:noFill/>
+        </p:spPr>
+        <p:txBody>
+          <a:bodyPr wrap="none" rtlCol="0">
+            <a:spAutoFit/>
+          </a:bodyPr>
+          <a:lstStyle/>
+          <a:p>
+            <a:pPr algn="r"/>
+            <a:r>
+              <a:rPr lang="en-US" sz="2400" dirty="0">
+                <a:solidFill>
+                  <a:srgbClr val="0070C0"/>
+                </a:solidFill>
+                <a:latin typeface="Arial" charset="0"/>
+                <a:ea typeface="Arial" charset="0"/>
+                <a:cs typeface="Arial" charset="0"/>
+              </a:rPr>
+              <a:t>100</a:t>
+            </a:r>
+            <a:r>
+              <a:rPr lang="en-US" sz="2400" dirty="0">
+                <a:solidFill>
+                  <a:schemeClr val="bg1">
+                    <a:lumMod val="50000"/>
+                  </a:schemeClr>
+                </a:solidFill>
+                <a:latin typeface="Arial" charset="0"/>
+                <a:ea typeface="Arial" charset="0"/>
+                <a:cs typeface="Arial" charset="0"/>
+              </a:rPr>
+              <a:t>/(</a:t>
+            </a:r>
+            <a:r>
+              <a:rPr lang="en-US" sz="2400" dirty="0">
+                <a:solidFill>
+                  <a:srgbClr val="FF0000"/>
+                </a:solidFill>
+                <a:latin typeface="Arial" charset="0"/>
+                <a:ea typeface="Arial" charset="0"/>
+                <a:cs typeface="Arial" charset="0"/>
+              </a:rPr>
+              <a:t>1/100</a:t>
+            </a:r>
+            <a:r>
+              <a:rPr lang="en-US" sz="2400" dirty="0">
+                <a:solidFill>
+                  <a:schemeClr val="bg1">
+                    <a:lumMod val="50000"/>
+                  </a:schemeClr>
+                </a:solidFill>
+                <a:latin typeface="Arial" charset="0"/>
+                <a:ea typeface="Arial" charset="0"/>
+                <a:cs typeface="Arial" charset="0"/>
+              </a:rPr>
+              <a:t>)</a:t>
+            </a:r>
+          </a:p>
+          <a:p>
+            <a:pPr algn="r"/>
+            <a:r>
+              <a:rPr lang="en-US" sz="2400" dirty="0">
+                <a:latin typeface="Arial" charset="0"/>
+                <a:ea typeface="Arial" charset="0"/>
+                <a:cs typeface="Arial" charset="0"/>
+              </a:rPr>
+              <a:t>= 10,000</a:t>
+            </a:r>
+          </a:p>
+        </p:txBody>
+      </p:sp>
+      <p:sp>
+        <p:nvSpPr>
+          <p:cNvPr id="7" name="TextBox 6"/>
+          <p:cNvSpPr txBox="1"/>
+          <p:nvPr/>
+        </p:nvSpPr>
+        <p:spPr>
+          <a:xfrm>
+            <a:off x="6390640" y="4840044"/>
+            <a:ext cx="2225040" cy="830997"/>
+          </a:xfrm>
+          <a:prstGeom prst="rect">
+            <a:avLst/>
+          </a:prstGeom>
+          <a:noFill/>
+        </p:spPr>
+        <p:txBody>
+          <a:bodyPr wrap="square" rtlCol="0">
+            <a:spAutoFit/>
+          </a:bodyPr>
+          <a:lstStyle/>
+          <a:p>
+            <a:pPr algn="r"/>
+            <a:r>
+              <a:rPr lang="en-US" sz="2400" dirty="0">
+                <a:solidFill>
+                  <a:srgbClr val="0070C0"/>
+                </a:solidFill>
+                <a:latin typeface="Arial" charset="0"/>
+                <a:ea typeface="Arial" charset="0"/>
+                <a:cs typeface="Arial" charset="0"/>
+              </a:rPr>
+              <a:t>100</a:t>
+            </a:r>
+            <a:r>
+              <a:rPr lang="en-US" sz="2400" dirty="0">
+                <a:solidFill>
+                  <a:schemeClr val="bg1">
+                    <a:lumMod val="50000"/>
+                  </a:schemeClr>
+                </a:solidFill>
+                <a:latin typeface="Arial" charset="0"/>
+                <a:ea typeface="Arial" charset="0"/>
+                <a:cs typeface="Arial" charset="0"/>
+              </a:rPr>
+              <a:t>/(</a:t>
+            </a:r>
+            <a:r>
+              <a:rPr lang="en-US" sz="2400" dirty="0">
+                <a:solidFill>
+                  <a:srgbClr val="FF0000"/>
+                </a:solidFill>
+                <a:latin typeface="Arial" charset="0"/>
+                <a:ea typeface="Arial" charset="0"/>
+                <a:cs typeface="Arial" charset="0"/>
+              </a:rPr>
+              <a:t>100/199</a:t>
+            </a:r>
+            <a:r>
+              <a:rPr lang="en-US" sz="2400" dirty="0">
+                <a:solidFill>
+                  <a:schemeClr val="bg1">
+                    <a:lumMod val="50000"/>
+                  </a:schemeClr>
+                </a:solidFill>
+                <a:latin typeface="Arial" charset="0"/>
+                <a:ea typeface="Arial" charset="0"/>
+                <a:cs typeface="Arial" charset="0"/>
+              </a:rPr>
+              <a:t>)</a:t>
+            </a:r>
+          </a:p>
+          <a:p>
+            <a:pPr algn="r"/>
+            <a:r>
+              <a:rPr lang="en-US" sz="2400" dirty="0">
+                <a:latin typeface="Arial" charset="0"/>
+                <a:ea typeface="Arial" charset="0"/>
+                <a:cs typeface="Arial" charset="0"/>
+              </a:rPr>
+              <a:t>= 199</a:t>
+            </a:r>
+          </a:p>
+        </p:txBody>
+      </p:sp>
+      <p:sp>
+        <p:nvSpPr>
+          <p:cNvPr id="8" name="TextBox 7"/>
+          <p:cNvSpPr txBox="1"/>
+          <p:nvPr/>
+        </p:nvSpPr>
+        <p:spPr>
+          <a:xfrm>
+            <a:off x="2504773" y="5024710"/>
+            <a:ext cx="1382109" cy="461665"/>
+          </a:xfrm>
+          <a:prstGeom prst="rect">
+            <a:avLst/>
+          </a:prstGeom>
+          <a:noFill/>
+        </p:spPr>
+        <p:txBody>
+          <a:bodyPr wrap="none" rtlCol="0">
+            <a:spAutoFit/>
+          </a:bodyPr>
+          <a:lstStyle/>
+          <a:p>
+            <a:pPr algn="r"/>
+            <a:r>
+              <a:rPr lang="en-US" sz="2400" dirty="0">
+                <a:latin typeface="Arial" charset="0"/>
+                <a:ea typeface="Arial" charset="0"/>
+                <a:cs typeface="Arial" charset="0"/>
+              </a:rPr>
+              <a:t>Estimate</a:t>
+            </a:r>
+          </a:p>
+        </p:txBody>
+      </p:sp>
+      <p:sp>
+        <p:nvSpPr>
+          <p:cNvPr id="9" name="TextBox 8"/>
+          <p:cNvSpPr txBox="1"/>
+          <p:nvPr/>
+        </p:nvSpPr>
+        <p:spPr>
+          <a:xfrm>
+            <a:off x="1524001" y="3712778"/>
+            <a:ext cx="1691489" cy="430887"/>
+          </a:xfrm>
+          <a:prstGeom prst="rect">
+            <a:avLst/>
+          </a:prstGeom>
+          <a:noFill/>
+        </p:spPr>
+        <p:txBody>
+          <a:bodyPr wrap="none" rtlCol="0">
+            <a:spAutoFit/>
+          </a:bodyPr>
+          <a:lstStyle/>
+          <a:p>
+            <a:r>
+              <a:rPr lang="en-US" sz="2200" dirty="0">
+                <a:latin typeface="Arial" charset="0"/>
+                <a:ea typeface="Arial" charset="0"/>
+                <a:cs typeface="Arial" charset="0"/>
+              </a:rPr>
+              <a:t>sampled </a:t>
+            </a:r>
+            <a:r>
+              <a:rPr lang="en-US" sz="2200" dirty="0" err="1">
+                <a:latin typeface="Arial" charset="0"/>
+                <a:ea typeface="Arial" charset="0"/>
+                <a:cs typeface="Arial" charset="0"/>
+              </a:rPr>
+              <a:t>val</a:t>
+            </a:r>
+            <a:endParaRPr lang="en-US" sz="2200" dirty="0">
+              <a:latin typeface="Arial" charset="0"/>
+              <a:ea typeface="Arial" charset="0"/>
+              <a:cs typeface="Arial" charset="0"/>
+            </a:endParaRPr>
+          </a:p>
+        </p:txBody>
+      </p:sp>
+      <p:cxnSp>
+        <p:nvCxnSpPr>
+          <p:cNvPr id="13" name="Curved Connector 12"/>
+          <p:cNvCxnSpPr>
+            <a:stCxn id="9" idx="2"/>
+          </p:cNvCxnSpPr>
+          <p:nvPr/>
+        </p:nvCxnSpPr>
+        <p:spPr>
+          <a:xfrm rot="16200000" flipH="1">
+            <a:off x="2562932" y="3950478"/>
+            <a:ext cx="332393" cy="718764"/>
+          </a:xfrm>
+          <a:prstGeom prst="curvedConnector2">
+            <a:avLst/>
+          </a:prstGeom>
+          <a:ln w="28575">
+            <a:solidFill>
+              <a:schemeClr val="bg1">
+                <a:lumMod val="50000"/>
+              </a:schemeClr>
+            </a:solidFill>
+            <a:tailEnd type="triangle"/>
+          </a:ln>
+        </p:spPr>
+        <p:style>
+          <a:lnRef idx="1">
+            <a:schemeClr val="accent1"/>
+          </a:lnRef>
+          <a:fillRef idx="0">
+            <a:schemeClr val="accent1"/>
+          </a:fillRef>
+          <a:effectRef idx="0">
+            <a:schemeClr val="accent1"/>
+          </a:effectRef>
+          <a:fontRef idx="minor">
+            <a:schemeClr val="tx1"/>
+          </a:fontRef>
+        </p:style>
+      </p:cxnSp>
+    </p:spTree>
+    <p:extLst>
+      <p:ext uri="{BB962C8B-B14F-4D97-AF65-F5344CB8AC3E}">
+        <p14:creationId xmlns:p14="http://schemas.microsoft.com/office/powerpoint/2010/main" val="3970312639"/>
+      </p:ext>
+    </p:extLst>
+  </p:cSld>
+  <p:clrMapOvr>
+    <a:masterClrMapping/>
+  </p:clrMapOvr>
+  <p:timing>
+    <p:tnLst>
+      <p:par>
+        <p:cTn id="1" dur="indefinite" restart="never" nodeType="tmRoot">
+          <p:childTnLst>
+            <p:seq concurrent="1" nextAc="seek">
+              <p:cTn id="2" dur="indefinite" nodeType="mainSeq">
+                <p:childTnLst>
+                  <p:par>
+                    <p:cTn id="3" fill="hold">
+                      <p:stCondLst>
+                        <p:cond delay="indefinite"/>
+                      </p:stCondLst>
+                      <p:childTnLst>
+                        <p:par>
+                          <p:cTn id="4" fill="hold">
+                            <p:stCondLst>
+                              <p:cond delay="0"/>
+                            </p:stCondLst>
+                            <p:childTnLst>
+                              <p:par>
+                                <p:cTn id="5" presetID="1" presetClass="entr" presetSubtype="0" fill="hold" grpId="0" nodeType="clickEffect">
+                                  <p:stCondLst>
+                                    <p:cond delay="0"/>
+                                  </p:stCondLst>
+                                  <p:childTnLst>
+                                    <p:set>
+                                      <p:cBhvr>
+                                        <p:cTn id="6" dur="1" fill="hold">
+                                          <p:stCondLst>
+                                            <p:cond delay="0"/>
+                                          </p:stCondLst>
+                                        </p:cTn>
+                                        <p:tgtEl>
+                                          <p:spTgt spid="15"/>
+                                        </p:tgtEl>
+                                        <p:attrNameLst>
+                                          <p:attrName>style.visibility</p:attrName>
+                                        </p:attrNameLst>
+                                      </p:cBhvr>
+                                      <p:to>
+                                        <p:strVal val="visible"/>
+                                      </p:to>
+                                    </p:set>
+                                  </p:childTnLst>
+                                </p:cTn>
+                              </p:par>
+                            </p:childTnLst>
+                          </p:cTn>
+                        </p:par>
+                      </p:childTnLst>
+                    </p:cTn>
+                  </p:par>
+                  <p:par>
+                    <p:cTn id="7" fill="hold">
+                      <p:stCondLst>
+                        <p:cond delay="indefinite"/>
+                      </p:stCondLst>
+                      <p:childTnLst>
+                        <p:par>
+                          <p:cTn id="8" fill="hold">
+                            <p:stCondLst>
+                              <p:cond delay="0"/>
+                            </p:stCondLst>
+                            <p:childTnLst>
+                              <p:par>
+                                <p:cTn id="9" presetID="1" presetClass="entr" presetSubtype="0" fill="hold" grpId="0" nodeType="clickEffect">
+                                  <p:stCondLst>
+                                    <p:cond delay="0"/>
+                                  </p:stCondLst>
+                                  <p:childTnLst>
+                                    <p:set>
+                                      <p:cBhvr>
+                                        <p:cTn id="10" dur="1" fill="hold">
+                                          <p:stCondLst>
+                                            <p:cond delay="0"/>
+                                          </p:stCondLst>
+                                        </p:cTn>
+                                        <p:tgtEl>
+                                          <p:spTgt spid="8"/>
+                                        </p:tgtEl>
+                                        <p:attrNameLst>
+                                          <p:attrName>style.visibility</p:attrName>
+                                        </p:attrNameLst>
+                                      </p:cBhvr>
+                                      <p:to>
+                                        <p:strVal val="visible"/>
+                                      </p:to>
+                                    </p:set>
+                                  </p:childTnLst>
+                                </p:cTn>
+                              </p:par>
+                            </p:childTnLst>
+                          </p:cTn>
+                        </p:par>
+                      </p:childTnLst>
+                    </p:cTn>
+                  </p:par>
+                  <p:par>
+                    <p:cTn id="11" fill="hold">
+                      <p:stCondLst>
+                        <p:cond delay="indefinite"/>
+                      </p:stCondLst>
+                      <p:childTnLst>
+                        <p:par>
+                          <p:cTn id="12" fill="hold">
+                            <p:stCondLst>
+                              <p:cond delay="0"/>
+                            </p:stCondLst>
+                            <p:childTnLst>
+                              <p:par>
+                                <p:cTn id="13" presetID="1" presetClass="entr" presetSubtype="0" fill="hold" grpId="0" nodeType="clickEffect">
+                                  <p:stCondLst>
+                                    <p:cond delay="0"/>
+                                  </p:stCondLst>
+                                  <p:childTnLst>
+                                    <p:set>
+                                      <p:cBhvr>
+                                        <p:cTn id="14" dur="1" fill="hold">
+                                          <p:stCondLst>
+                                            <p:cond delay="0"/>
+                                          </p:stCondLst>
+                                        </p:cTn>
+                                        <p:tgtEl>
+                                          <p:spTgt spid="3"/>
+                                        </p:tgtEl>
+                                        <p:attrNameLst>
+                                          <p:attrName>style.visibility</p:attrName>
+                                        </p:attrNameLst>
+                                      </p:cBhvr>
+                                      <p:to>
+                                        <p:strVal val="visible"/>
+                                      </p:to>
+                                    </p:set>
+                                  </p:childTnLst>
+                                </p:cTn>
+                              </p:par>
+                            </p:childTnLst>
+                          </p:cTn>
+                        </p:par>
+                      </p:childTnLst>
+                    </p:cTn>
+                  </p:par>
+                  <p:par>
+                    <p:cTn id="15" fill="hold">
+                      <p:stCondLst>
+                        <p:cond delay="indefinite"/>
+                      </p:stCondLst>
+                      <p:childTnLst>
+                        <p:par>
+                          <p:cTn id="16" fill="hold">
+                            <p:stCondLst>
+                              <p:cond delay="0"/>
+                            </p:stCondLst>
+                            <p:childTnLst>
+                              <p:par>
+                                <p:cTn id="17" presetID="1" presetClass="entr" presetSubtype="0" fill="hold" grpId="0" nodeType="clickEffect">
+                                  <p:stCondLst>
+                                    <p:cond delay="0"/>
+                                  </p:stCondLst>
+                                  <p:childTnLst>
+                                    <p:set>
+                                      <p:cBhvr>
+                                        <p:cTn id="18" dur="1" fill="hold">
+                                          <p:stCondLst>
+                                            <p:cond delay="0"/>
+                                          </p:stCondLst>
+                                        </p:cTn>
+                                        <p:tgtEl>
+                                          <p:spTgt spid="16"/>
+                                        </p:tgtEl>
+                                        <p:attrNameLst>
+                                          <p:attrName>style.visibility</p:attrName>
+                                        </p:attrNameLst>
+                                      </p:cBhvr>
+                                      <p:to>
+                                        <p:strVal val="visible"/>
+                                      </p:to>
+                                    </p:set>
+                                  </p:childTnLst>
+                                </p:cTn>
+                              </p:par>
+                            </p:childTnLst>
+                          </p:cTn>
+                        </p:par>
+                      </p:childTnLst>
+                    </p:cTn>
+                  </p:par>
+                  <p:par>
+                    <p:cTn id="19" fill="hold">
+                      <p:stCondLst>
+                        <p:cond delay="indefinite"/>
+                      </p:stCondLst>
+                      <p:childTnLst>
+                        <p:par>
+                          <p:cTn id="20" fill="hold">
+                            <p:stCondLst>
+                              <p:cond delay="0"/>
+                            </p:stCondLst>
+                            <p:childTnLst>
+                              <p:par>
+                                <p:cTn id="21" presetID="1" presetClass="entr" presetSubtype="0" fill="hold" grpId="0" nodeType="clickEffect">
+                                  <p:stCondLst>
+                                    <p:cond delay="0"/>
+                                  </p:stCondLst>
+                                  <p:childTnLst>
+                                    <p:set>
+                                      <p:cBhvr>
+                                        <p:cTn id="22" dur="1" fill="hold">
+                                          <p:stCondLst>
+                                            <p:cond delay="0"/>
+                                          </p:stCondLst>
+                                        </p:cTn>
+                                        <p:tgtEl>
+                                          <p:spTgt spid="7"/>
+                                        </p:tgtEl>
+                                        <p:attrNameLst>
+                                          <p:attrName>style.visibility</p:attrName>
+                                        </p:attrNameLst>
+                                      </p:cBhvr>
+                                      <p:to>
+                                        <p:strVal val="visible"/>
+                                      </p:to>
+                                    </p:set>
+                                  </p:childTnLst>
+                                </p:cTn>
+                              </p:par>
+                            </p:childTnLst>
+                          </p:cTn>
+                        </p:par>
+                      </p:childTnLst>
+                    </p:cTn>
+                  </p:par>
+                </p:childTnLst>
+              </p:cTn>
+              <p:prevCondLst>
+                <p:cond evt="onPrev" delay="0">
+                  <p:tgtEl>
+                    <p:sldTgt/>
+                  </p:tgtEl>
+                </p:cond>
+              </p:prevCondLst>
+              <p:nextCondLst>
+                <p:cond evt="onNext" delay="0">
+                  <p:tgtEl>
+                    <p:sldTgt/>
+                  </p:tgtEl>
+                </p:cond>
+              </p:nextCondLst>
+            </p:seq>
+          </p:childTnLst>
+        </p:cTn>
+      </p:par>
+    </p:tnLst>
+    <p:bldLst>
+      <p:bldP spid="15" grpId="0"/>
+      <p:bldP spid="16" grpId="0"/>
+      <p:bldP spid="3" grpId="0"/>
+      <p:bldP spid="7" grpId="0"/>
+      <p:bldP spid="8" grpId="0"/>
+    </p:bldLst>
+  </p:timing>
+</p:sld>
+</file>
+
+<file path=ppt/slides/slide19.xml><?xml version="1.0" encoding="utf-8"?>
+<p:sld xmlns:a="http://schemas.openxmlformats.org/drawingml/2006/main" xmlns:r="http://schemas.openxmlformats.org/officeDocument/2006/relationships" xmlns:p="http://schemas.openxmlformats.org/presentationml/2006/main">
+  <p:cSld>
+    <p:spTree>
+      <p:nvGrpSpPr>
+        <p:cNvPr id="1" name=""/>
+        <p:cNvGrpSpPr/>
+        <p:nvPr/>
+      </p:nvGrpSpPr>
+      <p:grpSpPr>
+        <a:xfrm>
+          <a:off x="0" y="0"/>
+          <a:ext cx="0" cy="0"/>
+          <a:chOff x="0" y="0"/>
+          <a:chExt cx="0" cy="0"/>
+        </a:xfrm>
+      </p:grpSpPr>
+      <p:sp>
+        <p:nvSpPr>
+          <p:cNvPr id="2" name="Title 1"/>
+          <p:cNvSpPr>
+            <a:spLocks noGrp="1"/>
+          </p:cNvSpPr>
+          <p:nvPr>
+            <p:ph type="title"/>
+          </p:nvPr>
+        </p:nvSpPr>
+        <p:spPr/>
+        <p:txBody>
+          <a:bodyPr/>
+          <a:lstStyle/>
+          <a:p>
+            <a:r>
+              <a:rPr lang="en-US" dirty="0" err="1"/>
+              <a:t>Sample+Seek</a:t>
+            </a:r>
+            <a:endParaRPr lang="en-US" dirty="0"/>
+          </a:p>
+        </p:txBody>
+      </p:sp>
+      <p:sp>
+        <p:nvSpPr>
+          <p:cNvPr id="5" name="Content Placeholder 4"/>
+          <p:cNvSpPr>
+            <a:spLocks noGrp="1"/>
+          </p:cNvSpPr>
+          <p:nvPr>
+            <p:ph idx="1"/>
+          </p:nvPr>
+        </p:nvSpPr>
+        <p:spPr/>
+        <p:txBody>
+          <a:bodyPr>
+            <a:normAutofit lnSpcReduction="10000"/>
+          </a:bodyPr>
+          <a:lstStyle/>
+          <a:p>
+            <a:pPr marL="0" indent="0">
+              <a:buNone/>
+            </a:pPr>
+            <a:r>
+              <a:rPr lang="en-US" sz="2400" dirty="0"/>
+              <a:t>Sample probability based on value</a:t>
+            </a:r>
+          </a:p>
+          <a:p>
+            <a:pPr marL="0" indent="0">
+              <a:buNone/>
+            </a:pPr>
+            <a:endParaRPr lang="en-US" sz="2400" dirty="0"/>
+          </a:p>
+          <a:p>
+            <a:pPr marL="0" indent="0">
+              <a:buNone/>
+            </a:pPr>
+            <a:endParaRPr lang="en-US" sz="2400" dirty="0"/>
+          </a:p>
+          <a:p>
+            <a:pPr marL="0" indent="0">
+              <a:buNone/>
+            </a:pPr>
+            <a:endParaRPr lang="en-US" sz="2000" dirty="0">
+              <a:solidFill>
+                <a:srgbClr val="0070C0"/>
+              </a:solidFill>
+              <a:latin typeface="Consolas" charset="0"/>
+              <a:ea typeface="Consolas" charset="0"/>
+              <a:cs typeface="Consolas" charset="0"/>
+            </a:endParaRPr>
+          </a:p>
+          <a:p>
+            <a:pPr marL="0" indent="0">
+              <a:buNone/>
+            </a:pPr>
+            <a:r>
+              <a:rPr lang="en-US" sz="2000" dirty="0">
+                <a:solidFill>
+                  <a:srgbClr val="0070C0"/>
+                </a:solidFill>
+                <a:latin typeface="Consolas" charset="0"/>
+                <a:ea typeface="Consolas" charset="0"/>
+                <a:cs typeface="Consolas" charset="0"/>
+              </a:rPr>
+              <a:t>result = Q(in-memory sample)</a:t>
+            </a:r>
+          </a:p>
+          <a:p>
+            <a:pPr marL="0" indent="0">
+              <a:buNone/>
+            </a:pPr>
+            <a:r>
+              <a:rPr lang="en-US" sz="2000" dirty="0">
+                <a:latin typeface="Consolas" charset="0"/>
+                <a:ea typeface="Consolas" charset="0"/>
+                <a:cs typeface="Consolas" charset="0"/>
+              </a:rPr>
+              <a:t>if enough samples:  return result</a:t>
+            </a:r>
+          </a:p>
+          <a:p>
+            <a:pPr marL="0" indent="0">
+              <a:buNone/>
+            </a:pPr>
+            <a:r>
+              <a:rPr lang="en-US" sz="2000" dirty="0">
+                <a:latin typeface="Consolas" charset="0"/>
+                <a:ea typeface="Consolas" charset="0"/>
+                <a:cs typeface="Consolas" charset="0"/>
+              </a:rPr>
+              <a:t>if </a:t>
+            </a:r>
+            <a:r>
+              <a:rPr lang="en-US" sz="2000" i="1" dirty="0">
+                <a:latin typeface="Consolas" charset="0"/>
+                <a:ea typeface="Consolas" charset="0"/>
+                <a:cs typeface="Consolas" charset="0"/>
+              </a:rPr>
+              <a:t>very</a:t>
+            </a:r>
+            <a:r>
+              <a:rPr lang="en-US" sz="2000" dirty="0">
+                <a:latin typeface="Consolas" charset="0"/>
+                <a:ea typeface="Consolas" charset="0"/>
+                <a:cs typeface="Consolas" charset="0"/>
+              </a:rPr>
+              <a:t> low selectivity:</a:t>
+            </a:r>
+          </a:p>
+          <a:p>
+            <a:pPr marL="0" indent="0">
+              <a:buNone/>
+            </a:pPr>
+            <a:r>
+              <a:rPr lang="en-US" sz="2000" dirty="0">
+                <a:solidFill>
+                  <a:srgbClr val="FF0000"/>
+                </a:solidFill>
+                <a:latin typeface="Consolas" charset="0"/>
+                <a:ea typeface="Consolas" charset="0"/>
+                <a:cs typeface="Consolas" charset="0"/>
+              </a:rPr>
+              <a:t>  lookup rows directly</a:t>
+            </a:r>
+          </a:p>
+          <a:p>
+            <a:pPr marL="0" indent="0">
+              <a:buNone/>
+            </a:pPr>
+            <a:r>
+              <a:rPr lang="en-US" sz="2000" dirty="0">
+                <a:latin typeface="Consolas" charset="0"/>
+                <a:ea typeface="Consolas" charset="0"/>
+                <a:cs typeface="Consolas" charset="0"/>
+              </a:rPr>
+              <a:t>else:</a:t>
+            </a:r>
+          </a:p>
+          <a:p>
+            <a:pPr marL="0" indent="0">
+              <a:buNone/>
+            </a:pPr>
+            <a:r>
+              <a:rPr lang="en-US" sz="2000" dirty="0">
+                <a:latin typeface="Consolas" charset="0"/>
+                <a:ea typeface="Consolas" charset="0"/>
+                <a:cs typeface="Consolas" charset="0"/>
+              </a:rPr>
+              <a:t>  </a:t>
+            </a:r>
+            <a:r>
+              <a:rPr lang="en-US" sz="2000" dirty="0">
+                <a:solidFill>
+                  <a:srgbClr val="FC31FF"/>
+                </a:solidFill>
+                <a:latin typeface="Consolas" charset="0"/>
+                <a:ea typeface="Consolas" charset="0"/>
+                <a:cs typeface="Consolas" charset="0"/>
+              </a:rPr>
+              <a:t>use measure-augmented index to</a:t>
+            </a:r>
+          </a:p>
+          <a:p>
+            <a:pPr marL="0" indent="0">
+              <a:buNone/>
+            </a:pPr>
+            <a:r>
+              <a:rPr lang="en-US" sz="2000" dirty="0">
+                <a:solidFill>
+                  <a:srgbClr val="FC31FF"/>
+                </a:solidFill>
+                <a:latin typeface="Consolas" charset="0"/>
+                <a:ea typeface="Consolas" charset="0"/>
+                <a:cs typeface="Consolas" charset="0"/>
+              </a:rPr>
+              <a:t>  draw sample biased by b</a:t>
+            </a:r>
+          </a:p>
+        </p:txBody>
+      </p:sp>
+      <p:sp>
+        <p:nvSpPr>
+          <p:cNvPr id="3" name="Rectangle 2"/>
+          <p:cNvSpPr/>
+          <p:nvPr/>
+        </p:nvSpPr>
+        <p:spPr>
+          <a:xfrm>
+            <a:off x="8097520" y="2844800"/>
+            <a:ext cx="1789430" cy="721360"/>
+          </a:xfrm>
+          <a:prstGeom prst="rect">
+            <a:avLst/>
+          </a:prstGeom>
+          <a:noFill/>
+          <a:ln w="28575">
+            <a:solidFill>
+              <a:srgbClr val="0070C0"/>
+            </a:solidFill>
+          </a:ln>
+        </p:spPr>
+        <p:style>
+          <a:lnRef idx="2">
+            <a:schemeClr val="accent1">
+              <a:shade val="50000"/>
+            </a:schemeClr>
+          </a:lnRef>
+          <a:fillRef idx="1">
+            <a:schemeClr val="accent1"/>
+          </a:fillRef>
+          <a:effectRef idx="0">
+            <a:schemeClr val="accent1"/>
+          </a:effectRef>
+          <a:fontRef idx="minor">
+            <a:schemeClr val="lt1"/>
+          </a:fontRef>
+        </p:style>
+        <p:txBody>
+          <a:bodyPr rtlCol="0" anchor="ctr"/>
+          <a:lstStyle/>
+          <a:p>
+            <a:pPr algn="ctr"/>
+            <a:r>
+              <a:rPr lang="en-US" dirty="0">
+                <a:solidFill>
+                  <a:srgbClr val="0070C0"/>
+                </a:solidFill>
+                <a:latin typeface="Arial" charset="0"/>
+                <a:ea typeface="Arial" charset="0"/>
+                <a:cs typeface="Arial" charset="0"/>
+              </a:rPr>
+              <a:t>In-mem</a:t>
+            </a:r>
+          </a:p>
+          <a:p>
+            <a:pPr algn="ctr"/>
+            <a:r>
+              <a:rPr lang="en-US" dirty="0">
+                <a:solidFill>
+                  <a:srgbClr val="0070C0"/>
+                </a:solidFill>
+                <a:latin typeface="Arial" charset="0"/>
+                <a:ea typeface="Arial" charset="0"/>
+                <a:cs typeface="Arial" charset="0"/>
+              </a:rPr>
+              <a:t>Samples</a:t>
+            </a:r>
+          </a:p>
+        </p:txBody>
+      </p:sp>
+      <p:grpSp>
+        <p:nvGrpSpPr>
+          <p:cNvPr id="9" name="Group 8"/>
+          <p:cNvGrpSpPr/>
+          <p:nvPr/>
+        </p:nvGrpSpPr>
+        <p:grpSpPr>
+          <a:xfrm>
+            <a:off x="8361364" y="4295319"/>
+            <a:ext cx="1261745" cy="478701"/>
+            <a:chOff x="7051040" y="4894758"/>
+            <a:chExt cx="1261745" cy="478701"/>
+          </a:xfrm>
+        </p:grpSpPr>
+        <p:sp>
+          <p:nvSpPr>
+            <p:cNvPr id="7" name="Triangle 6"/>
+            <p:cNvSpPr/>
+            <p:nvPr/>
+          </p:nvSpPr>
+          <p:spPr>
+            <a:xfrm>
+              <a:off x="7051040" y="4895939"/>
+              <a:ext cx="529590" cy="477520"/>
+            </a:xfrm>
+            <a:prstGeom prst="triangle">
+              <a:avLst/>
+            </a:prstGeom>
+            <a:solidFill>
+              <a:schemeClr val="bg1"/>
+            </a:solidFill>
+            <a:ln w="28575">
+              <a:solidFill>
+                <a:srgbClr val="FF0000"/>
+              </a:solidFill>
+            </a:ln>
+          </p:spPr>
+          <p:style>
+            <a:lnRef idx="2">
+              <a:schemeClr val="accent1">
+                <a:shade val="50000"/>
+              </a:schemeClr>
+            </a:lnRef>
+            <a:fillRef idx="1">
+              <a:schemeClr val="accent1"/>
+            </a:fillRef>
+            <a:effectRef idx="0">
+              <a:schemeClr val="accent1"/>
+            </a:effectRef>
+            <a:fontRef idx="minor">
+              <a:schemeClr val="lt1"/>
+            </a:fontRef>
+          </p:style>
+          <p:txBody>
+            <a:bodyPr rtlCol="0" anchor="ctr"/>
+            <a:lstStyle/>
+            <a:p>
+              <a:pPr algn="ctr"/>
+              <a:endParaRPr lang="en-US">
+                <a:solidFill>
+                  <a:schemeClr val="bg1">
+                    <a:lumMod val="50000"/>
+                  </a:schemeClr>
+                </a:solidFill>
+                <a:latin typeface="Arial" charset="0"/>
+                <a:ea typeface="Arial" charset="0"/>
+                <a:cs typeface="Arial" charset="0"/>
+              </a:endParaRPr>
+            </a:p>
+          </p:txBody>
+        </p:sp>
+        <p:sp>
+          <p:nvSpPr>
+            <p:cNvPr id="21" name="Triangle 20"/>
+            <p:cNvSpPr/>
+            <p:nvPr/>
+          </p:nvSpPr>
+          <p:spPr>
+            <a:xfrm>
+              <a:off x="7783195" y="4894758"/>
+              <a:ext cx="529590" cy="477520"/>
+            </a:xfrm>
+            <a:prstGeom prst="triangle">
+              <a:avLst/>
+            </a:prstGeom>
+            <a:solidFill>
+              <a:schemeClr val="bg1"/>
+            </a:solidFill>
+            <a:ln w="28575">
+              <a:solidFill>
+                <a:srgbClr val="FC31FF"/>
+              </a:solidFill>
+            </a:ln>
+          </p:spPr>
+          <p:style>
+            <a:lnRef idx="2">
+              <a:schemeClr val="accent1">
+                <a:shade val="50000"/>
+              </a:schemeClr>
+            </a:lnRef>
+            <a:fillRef idx="1">
+              <a:schemeClr val="accent1"/>
+            </a:fillRef>
+            <a:effectRef idx="0">
+              <a:schemeClr val="accent1"/>
+            </a:effectRef>
+            <a:fontRef idx="minor">
+              <a:schemeClr val="lt1"/>
+            </a:fontRef>
+          </p:style>
+          <p:txBody>
+            <a:bodyPr rtlCol="0" anchor="ctr"/>
+            <a:lstStyle/>
+            <a:p>
+              <a:pPr algn="ctr"/>
+              <a:endParaRPr lang="en-US">
+                <a:solidFill>
+                  <a:schemeClr val="bg1">
+                    <a:lumMod val="50000"/>
+                  </a:schemeClr>
+                </a:solidFill>
+                <a:latin typeface="Arial" charset="0"/>
+                <a:ea typeface="Arial" charset="0"/>
+                <a:cs typeface="Arial" charset="0"/>
+              </a:endParaRPr>
+            </a:p>
+          </p:txBody>
+        </p:sp>
+      </p:grpSp>
+      <p:sp>
+        <p:nvSpPr>
+          <p:cNvPr id="8" name="Can 7"/>
+          <p:cNvSpPr/>
+          <p:nvPr/>
+        </p:nvSpPr>
+        <p:spPr>
+          <a:xfrm>
+            <a:off x="8097520" y="3798412"/>
+            <a:ext cx="1789430" cy="1230788"/>
+          </a:xfrm>
+          <a:prstGeom prst="can">
+            <a:avLst/>
+          </a:prstGeom>
+          <a:noFill/>
+          <a:ln w="28575">
+            <a:solidFill>
+              <a:schemeClr val="bg1">
+                <a:lumMod val="50000"/>
+              </a:schemeClr>
+            </a:solidFill>
+          </a:ln>
+        </p:spPr>
+        <p:style>
+          <a:lnRef idx="2">
+            <a:schemeClr val="accent1">
+              <a:shade val="50000"/>
+            </a:schemeClr>
+          </a:lnRef>
+          <a:fillRef idx="1">
+            <a:schemeClr val="accent1"/>
+          </a:fillRef>
+          <a:effectRef idx="0">
+            <a:schemeClr val="accent1"/>
+          </a:effectRef>
+          <a:fontRef idx="minor">
+            <a:schemeClr val="lt1"/>
+          </a:fontRef>
+        </p:style>
+        <p:txBody>
+          <a:bodyPr rtlCol="0" anchor="ctr"/>
+          <a:lstStyle/>
+          <a:p>
+            <a:pPr algn="ctr"/>
+            <a:endParaRPr lang="en-US">
+              <a:solidFill>
+                <a:schemeClr val="bg1">
+                  <a:lumMod val="50000"/>
+                </a:schemeClr>
+              </a:solidFill>
+              <a:latin typeface="Arial" charset="0"/>
+              <a:ea typeface="Arial" charset="0"/>
+              <a:cs typeface="Arial" charset="0"/>
+            </a:endParaRPr>
+          </a:p>
+        </p:txBody>
+      </p:sp>
+      <p:sp>
+        <p:nvSpPr>
+          <p:cNvPr id="10" name="TextBox 9"/>
+          <p:cNvSpPr txBox="1"/>
+          <p:nvPr/>
+        </p:nvSpPr>
+        <p:spPr>
+          <a:xfrm>
+            <a:off x="2444933" y="2317364"/>
+            <a:ext cx="3147015" cy="1015663"/>
+          </a:xfrm>
+          <a:prstGeom prst="rect">
+            <a:avLst/>
+          </a:prstGeom>
+          <a:noFill/>
+        </p:spPr>
+        <p:txBody>
+          <a:bodyPr wrap="none" rtlCol="0">
+            <a:spAutoFit/>
+          </a:bodyPr>
+          <a:lstStyle/>
+          <a:p>
+            <a:r>
+              <a:rPr lang="en-US" sz="2000" dirty="0">
+                <a:latin typeface="Consolas" charset="0"/>
+                <a:ea typeface="Consolas" charset="0"/>
+                <a:cs typeface="Consolas" charset="0"/>
+              </a:rPr>
+              <a:t>Q = SELECT  a, SUM(b)</a:t>
+            </a:r>
+          </a:p>
+          <a:p>
+            <a:r>
+              <a:rPr lang="en-US" sz="2000" dirty="0">
+                <a:latin typeface="Consolas" charset="0"/>
+                <a:ea typeface="Consolas" charset="0"/>
+                <a:cs typeface="Consolas" charset="0"/>
+              </a:rPr>
+              <a:t>    WHERE   c=1 ...</a:t>
+            </a:r>
+          </a:p>
+          <a:p>
+            <a:r>
+              <a:rPr lang="en-US" sz="2000" dirty="0">
+                <a:latin typeface="Consolas" charset="0"/>
+                <a:ea typeface="Consolas" charset="0"/>
+                <a:cs typeface="Consolas" charset="0"/>
+              </a:rPr>
+              <a:t>    GROUPBY b</a:t>
+            </a:r>
+          </a:p>
+        </p:txBody>
+      </p:sp>
+    </p:spTree>
+    <p:extLst>
+      <p:ext uri="{BB962C8B-B14F-4D97-AF65-F5344CB8AC3E}">
+        <p14:creationId xmlns:p14="http://schemas.microsoft.com/office/powerpoint/2010/main" val="2435537279"/>
+      </p:ext>
+    </p:extLst>
+  </p:cSld>
+  <p:clrMapOvr>
+    <a:masterClrMapping/>
+  </p:clrMapOvr>
+  <p:timing>
+    <p:tnLst>
+      <p:par>
+        <p:cTn id="1" dur="indefinite" restart="never" nodeType="tmRoot">
+          <p:childTnLst>
+            <p:seq concurrent="1" nextAc="seek">
+              <p:cTn id="2" dur="indefinite" nodeType="mainSeq">
+                <p:childTnLst>
+                  <p:par>
+                    <p:cTn id="3" fill="hold">
+                      <p:stCondLst>
+                        <p:cond delay="indefinite"/>
+                      </p:stCondLst>
+                      <p:childTnLst>
+                        <p:par>
+                          <p:cTn id="4" fill="hold">
+                            <p:stCondLst>
+                              <p:cond delay="0"/>
+                            </p:stCondLst>
+                            <p:childTnLst>
+                              <p:par>
+                                <p:cTn id="5" presetID="1" presetClass="entr" presetSubtype="0" fill="hold" nodeType="clickEffect">
+                                  <p:stCondLst>
+                                    <p:cond delay="0"/>
+                                  </p:stCondLst>
+                                  <p:childTnLst>
+                                    <p:set>
+                                      <p:cBhvr>
+                                        <p:cTn id="6" dur="1" fill="hold">
+                                          <p:stCondLst>
+                                            <p:cond delay="0"/>
+                                          </p:stCondLst>
+                                        </p:cTn>
+                                        <p:tgtEl>
+                                          <p:spTgt spid="5">
+                                            <p:txEl>
+                                              <p:pRg st="4" end="4"/>
+                                            </p:txEl>
+                                          </p:spTgt>
+                                        </p:tgtEl>
+                                        <p:attrNameLst>
+                                          <p:attrName>style.visibility</p:attrName>
+                                        </p:attrNameLst>
+                                      </p:cBhvr>
+                                      <p:to>
+                                        <p:strVal val="visible"/>
+                                      </p:to>
+                                    </p:set>
+                                  </p:childTnLst>
+                                </p:cTn>
+                              </p:par>
+                              <p:par>
+                                <p:cTn id="7" presetID="1" presetClass="entr" presetSubtype="0" fill="hold" nodeType="withEffect">
+                                  <p:stCondLst>
+                                    <p:cond delay="0"/>
+                                  </p:stCondLst>
+                                  <p:childTnLst>
+                                    <p:set>
+                                      <p:cBhvr>
+                                        <p:cTn id="8" dur="1" fill="hold">
+                                          <p:stCondLst>
+                                            <p:cond delay="0"/>
+                                          </p:stCondLst>
+                                        </p:cTn>
+                                        <p:tgtEl>
+                                          <p:spTgt spid="5">
+                                            <p:txEl>
+                                              <p:pRg st="5" end="5"/>
+                                            </p:txEl>
+                                          </p:spTgt>
+                                        </p:tgtEl>
+                                        <p:attrNameLst>
+                                          <p:attrName>style.visibility</p:attrName>
+                                        </p:attrNameLst>
+                                      </p:cBhvr>
+                                      <p:to>
+                                        <p:strVal val="visible"/>
+                                      </p:to>
+                                    </p:set>
+                                  </p:childTnLst>
+                                </p:cTn>
+                              </p:par>
+                            </p:childTnLst>
+                          </p:cTn>
+                        </p:par>
+                      </p:childTnLst>
+                    </p:cTn>
+                  </p:par>
+                  <p:par>
+                    <p:cTn id="9" fill="hold">
+                      <p:stCondLst>
+                        <p:cond delay="indefinite"/>
+                      </p:stCondLst>
+                      <p:childTnLst>
+                        <p:par>
+                          <p:cTn id="10" fill="hold">
+                            <p:stCondLst>
+                              <p:cond delay="0"/>
+                            </p:stCondLst>
+                            <p:childTnLst>
+                              <p:par>
+                                <p:cTn id="11" presetID="1" presetClass="entr" presetSubtype="0" fill="hold" nodeType="clickEffect">
+                                  <p:stCondLst>
+                                    <p:cond delay="0"/>
+                                  </p:stCondLst>
+                                  <p:childTnLst>
+                                    <p:set>
+                                      <p:cBhvr>
+                                        <p:cTn id="12" dur="1" fill="hold">
+                                          <p:stCondLst>
+                                            <p:cond delay="0"/>
+                                          </p:stCondLst>
+                                        </p:cTn>
+                                        <p:tgtEl>
+                                          <p:spTgt spid="5">
+                                            <p:txEl>
+                                              <p:pRg st="6" end="6"/>
+                                            </p:txEl>
+                                          </p:spTgt>
+                                        </p:tgtEl>
+                                        <p:attrNameLst>
+                                          <p:attrName>style.visibility</p:attrName>
+                                        </p:attrNameLst>
+                                      </p:cBhvr>
+                                      <p:to>
+                                        <p:strVal val="visible"/>
+                                      </p:to>
+                                    </p:set>
+                                  </p:childTnLst>
+                                </p:cTn>
+                              </p:par>
+                              <p:par>
+                                <p:cTn id="13" presetID="1" presetClass="entr" presetSubtype="0" fill="hold" nodeType="withEffect">
+                                  <p:stCondLst>
+                                    <p:cond delay="0"/>
+                                  </p:stCondLst>
+                                  <p:childTnLst>
+                                    <p:set>
+                                      <p:cBhvr>
+                                        <p:cTn id="14" dur="1" fill="hold">
+                                          <p:stCondLst>
+                                            <p:cond delay="0"/>
+                                          </p:stCondLst>
+                                        </p:cTn>
+                                        <p:tgtEl>
+                                          <p:spTgt spid="5">
+                                            <p:txEl>
+                                              <p:pRg st="7" end="7"/>
+                                            </p:txEl>
+                                          </p:spTgt>
+                                        </p:tgtEl>
+                                        <p:attrNameLst>
+                                          <p:attrName>style.visibility</p:attrName>
+                                        </p:attrNameLst>
+                                      </p:cBhvr>
+                                      <p:to>
+                                        <p:strVal val="visible"/>
+                                      </p:to>
+                                    </p:set>
+                                  </p:childTnLst>
+                                </p:cTn>
+                              </p:par>
+                            </p:childTnLst>
+                          </p:cTn>
+                        </p:par>
+                      </p:childTnLst>
+                    </p:cTn>
+                  </p:par>
+                  <p:par>
+                    <p:cTn id="15" fill="hold">
+                      <p:stCondLst>
+                        <p:cond delay="indefinite"/>
+                      </p:stCondLst>
+                      <p:childTnLst>
+                        <p:par>
+                          <p:cTn id="16" fill="hold">
+                            <p:stCondLst>
+                              <p:cond delay="0"/>
+                            </p:stCondLst>
+                            <p:childTnLst>
+                              <p:par>
+                                <p:cTn id="17" presetID="1" presetClass="entr" presetSubtype="0" fill="hold" nodeType="clickEffect">
+                                  <p:stCondLst>
+                                    <p:cond delay="0"/>
+                                  </p:stCondLst>
+                                  <p:childTnLst>
+                                    <p:set>
+                                      <p:cBhvr>
+                                        <p:cTn id="18" dur="1" fill="hold">
+                                          <p:stCondLst>
+                                            <p:cond delay="0"/>
+                                          </p:stCondLst>
+                                        </p:cTn>
+                                        <p:tgtEl>
+                                          <p:spTgt spid="5">
+                                            <p:txEl>
+                                              <p:pRg st="8" end="8"/>
+                                            </p:txEl>
+                                          </p:spTgt>
+                                        </p:tgtEl>
+                                        <p:attrNameLst>
+                                          <p:attrName>style.visibility</p:attrName>
+                                        </p:attrNameLst>
+                                      </p:cBhvr>
+                                      <p:to>
+                                        <p:strVal val="visible"/>
+                                      </p:to>
+                                    </p:set>
+                                  </p:childTnLst>
+                                </p:cTn>
+                              </p:par>
+                              <p:par>
+                                <p:cTn id="19" presetID="1" presetClass="entr" presetSubtype="0" fill="hold" nodeType="withEffect">
+                                  <p:stCondLst>
+                                    <p:cond delay="0"/>
+                                  </p:stCondLst>
+                                  <p:childTnLst>
+                                    <p:set>
+                                      <p:cBhvr>
+                                        <p:cTn id="20" dur="1" fill="hold">
+                                          <p:stCondLst>
+                                            <p:cond delay="0"/>
+                                          </p:stCondLst>
+                                        </p:cTn>
+                                        <p:tgtEl>
+                                          <p:spTgt spid="5">
+                                            <p:txEl>
+                                              <p:pRg st="9" end="9"/>
+                                            </p:txEl>
+                                          </p:spTgt>
+                                        </p:tgtEl>
+                                        <p:attrNameLst>
+                                          <p:attrName>style.visibility</p:attrName>
+                                        </p:attrNameLst>
+                                      </p:cBhvr>
+                                      <p:to>
+                                        <p:strVal val="visible"/>
+                                      </p:to>
+                                    </p:set>
+                                  </p:childTnLst>
+                                </p:cTn>
+                              </p:par>
+                              <p:par>
+                                <p:cTn id="21" presetID="1" presetClass="entr" presetSubtype="0" fill="hold" nodeType="withEffect">
+                                  <p:stCondLst>
+                                    <p:cond delay="0"/>
+                                  </p:stCondLst>
+                                  <p:childTnLst>
+                                    <p:set>
+                                      <p:cBhvr>
+                                        <p:cTn id="22" dur="1" fill="hold">
+                                          <p:stCondLst>
+                                            <p:cond delay="0"/>
+                                          </p:stCondLst>
+                                        </p:cTn>
+                                        <p:tgtEl>
+                                          <p:spTgt spid="5">
+                                            <p:txEl>
+                                              <p:pRg st="10" end="10"/>
+                                            </p:txEl>
+                                          </p:spTgt>
+                                        </p:tgtEl>
+                                        <p:attrNameLst>
+                                          <p:attrName>style.visibility</p:attrName>
+                                        </p:attrNameLst>
+                                      </p:cBhvr>
+                                      <p:to>
+                                        <p:strVal val="visible"/>
+                                      </p:to>
+                                    </p:set>
+                                  </p:childTnLst>
+                                </p:cTn>
+                              </p:par>
+                            </p:childTnLst>
+                          </p:cTn>
+                        </p:par>
+                      </p:childTnLst>
+                    </p:cTn>
+                  </p:par>
+                </p:childTnLst>
+              </p:cTn>
+              <p:prevCondLst>
+                <p:cond evt="onPrev" delay="0">
+                  <p:tgtEl>
+                    <p:sldTgt/>
+                  </p:tgtEl>
+                </p:cond>
+              </p:prevCondLst>
+              <p:nextCondLst>
+                <p:cond evt="onNext" delay="0">
+                  <p:tgtEl>
+                    <p:sldTgt/>
+                  </p:tgtEl>
+                </p:cond>
+              </p:nextCondLst>
+            </p:seq>
+          </p:childTnLst>
+        </p:cTn>
+      </p:par>
+    </p:tnLst>
+  </p:timing>
+</p:sld>
+</file>
+
+<file path=ppt/slides/slide2.xml><?xml version="1.0" encoding="utf-8"?>
+<p:sld xmlns:a="http://schemas.openxmlformats.org/drawingml/2006/main" xmlns:r="http://schemas.openxmlformats.org/officeDocument/2006/relationships" xmlns:p="http://schemas.openxmlformats.org/presentationml/2006/main">
+  <p:cSld>
+    <p:spTree>
+      <p:nvGrpSpPr>
+        <p:cNvPr id="1" name=""/>
+        <p:cNvGrpSpPr/>
+        <p:nvPr/>
+      </p:nvGrpSpPr>
+      <p:grpSpPr>
+        <a:xfrm>
+          <a:off x="0" y="0"/>
+          <a:ext cx="0" cy="0"/>
+          <a:chOff x="0" y="0"/>
+          <a:chExt cx="0" cy="0"/>
+        </a:xfrm>
+      </p:grpSpPr>
+      <p:sp>
+        <p:nvSpPr>
+          <p:cNvPr id="2" name="Title 1">
+            <a:extLst>
+              <a:ext uri="{FF2B5EF4-FFF2-40B4-BE49-F238E27FC236}">
+                <a16:creationId xmlns:a16="http://schemas.microsoft.com/office/drawing/2014/main" id="{F6B6397D-8B20-E64F-A4BB-65C62115D760}"/>
+              </a:ext>
+            </a:extLst>
+          </p:cNvPr>
+          <p:cNvSpPr>
+            <a:spLocks noGrp="1"/>
+          </p:cNvSpPr>
+          <p:nvPr>
+            <p:ph type="title"/>
+          </p:nvPr>
+        </p:nvSpPr>
+        <p:spPr/>
+        <p:txBody>
+          <a:bodyPr/>
+          <a:lstStyle/>
+          <a:p>
+            <a:r>
+              <a:rPr lang="en-US" dirty="0"/>
+              <a:t>Administrivia</a:t>
+            </a:r>
+          </a:p>
+        </p:txBody>
+      </p:sp>
+      <p:sp>
+        <p:nvSpPr>
+          <p:cNvPr id="3" name="Content Placeholder 2">
+            <a:extLst>
+              <a:ext uri="{FF2B5EF4-FFF2-40B4-BE49-F238E27FC236}">
+                <a16:creationId xmlns:a16="http://schemas.microsoft.com/office/drawing/2014/main" id="{6BC10047-3147-584E-8E32-542272399CC5}"/>
+              </a:ext>
+            </a:extLst>
+          </p:cNvPr>
+          <p:cNvSpPr>
+            <a:spLocks noGrp="1"/>
+          </p:cNvSpPr>
+          <p:nvPr>
+            <p:ph idx="1"/>
+          </p:nvPr>
+        </p:nvSpPr>
+        <p:spPr/>
+        <p:txBody>
+          <a:bodyPr/>
+          <a:lstStyle/>
+          <a:p>
+            <a:pPr marL="0" indent="0">
+              <a:buNone/>
+            </a:pPr>
+            <a:r>
+              <a:rPr lang="en-US" dirty="0"/>
+              <a:t>Related Works due today midnight</a:t>
+            </a:r>
+          </a:p>
+          <a:p>
+            <a:pPr marL="0" indent="0">
+              <a:buNone/>
+            </a:pPr>
+            <a:r>
+              <a:rPr lang="en-US" dirty="0"/>
+              <a:t>	extended to Friday midnight</a:t>
+            </a:r>
+          </a:p>
+        </p:txBody>
+      </p:sp>
+    </p:spTree>
+    <p:extLst>
+      <p:ext uri="{BB962C8B-B14F-4D97-AF65-F5344CB8AC3E}">
+        <p14:creationId xmlns:p14="http://schemas.microsoft.com/office/powerpoint/2010/main" val="2591031612"/>
+      </p:ext>
+    </p:extLst>
+  </p:cSld>
+  <p:clrMapOvr>
+    <a:masterClrMapping/>
+  </p:clrMapOvr>
+</p:sld>
+</file>
+
+<file path=ppt/slides/slide20.xml><?xml version="1.0" encoding="utf-8"?>
+<p:sld xmlns:a="http://schemas.openxmlformats.org/drawingml/2006/main" xmlns:r="http://schemas.openxmlformats.org/officeDocument/2006/relationships" xmlns:p="http://schemas.openxmlformats.org/presentationml/2006/main">
+  <p:cSld>
+    <p:spTree>
+      <p:nvGrpSpPr>
+        <p:cNvPr id="1" name=""/>
+        <p:cNvGrpSpPr/>
+        <p:nvPr/>
+      </p:nvGrpSpPr>
+      <p:grpSpPr>
+        <a:xfrm>
+          <a:off x="0" y="0"/>
+          <a:ext cx="0" cy="0"/>
+          <a:chOff x="0" y="0"/>
+          <a:chExt cx="0" cy="0"/>
+        </a:xfrm>
+      </p:grpSpPr>
+      <p:sp>
+        <p:nvSpPr>
+          <p:cNvPr id="2" name="Title 1">
+            <a:extLst>
+              <a:ext uri="{FF2B5EF4-FFF2-40B4-BE49-F238E27FC236}">
+                <a16:creationId xmlns:a16="http://schemas.microsoft.com/office/drawing/2014/main" id="{F6B6397D-8B20-E64F-A4BB-65C62115D760}"/>
+              </a:ext>
+            </a:extLst>
+          </p:cNvPr>
+          <p:cNvSpPr>
+            <a:spLocks noGrp="1"/>
+          </p:cNvSpPr>
+          <p:nvPr>
+            <p:ph type="title"/>
+          </p:nvPr>
+        </p:nvSpPr>
+        <p:spPr/>
+        <p:txBody>
+          <a:bodyPr/>
+          <a:lstStyle/>
+          <a:p>
+            <a:r>
+              <a:rPr lang="en-US" dirty="0"/>
+              <a:t>Discussion</a:t>
+            </a:r>
+          </a:p>
+        </p:txBody>
+      </p:sp>
+      <p:sp>
+        <p:nvSpPr>
+          <p:cNvPr id="3" name="Content Placeholder 2">
+            <a:extLst>
+              <a:ext uri="{FF2B5EF4-FFF2-40B4-BE49-F238E27FC236}">
+                <a16:creationId xmlns:a16="http://schemas.microsoft.com/office/drawing/2014/main" id="{6BC10047-3147-584E-8E32-542272399CC5}"/>
+              </a:ext>
+            </a:extLst>
+          </p:cNvPr>
+          <p:cNvSpPr>
+            <a:spLocks noGrp="1"/>
+          </p:cNvSpPr>
+          <p:nvPr>
+            <p:ph idx="1"/>
+          </p:nvPr>
+        </p:nvSpPr>
+        <p:spPr>
+          <a:xfrm>
+            <a:off x="838200" y="1825625"/>
+            <a:ext cx="10934700" cy="4351338"/>
+          </a:xfrm>
+        </p:spPr>
+        <p:txBody>
+          <a:bodyPr/>
+          <a:lstStyle/>
+          <a:p>
+            <a:pPr marL="0" indent="0">
+              <a:buNone/>
+            </a:pPr>
+            <a:r>
+              <a:rPr lang="en-US" dirty="0"/>
+              <a:t>Pangloss limits the types of analysis to make the research tractable.  </a:t>
+            </a:r>
+          </a:p>
+          <a:p>
+            <a:r>
+              <a:rPr lang="en-US" dirty="0"/>
+              <a:t>How feasible to extend for ”full-featured” analysis?</a:t>
+            </a:r>
+          </a:p>
+          <a:p>
+            <a:r>
+              <a:rPr lang="en-US" dirty="0"/>
+              <a:t>How to support other visualizations?</a:t>
+            </a:r>
+          </a:p>
+          <a:p>
+            <a:endParaRPr lang="en-US" dirty="0"/>
+          </a:p>
+          <a:p>
+            <a:endParaRPr lang="en-US" dirty="0"/>
+          </a:p>
+          <a:p>
+            <a:endParaRPr lang="en-US" dirty="0"/>
+          </a:p>
+        </p:txBody>
+      </p:sp>
+    </p:spTree>
+    <p:extLst>
+      <p:ext uri="{BB962C8B-B14F-4D97-AF65-F5344CB8AC3E}">
+        <p14:creationId xmlns:p14="http://schemas.microsoft.com/office/powerpoint/2010/main" val="4284776765"/>
+      </p:ext>
+    </p:extLst>
+  </p:cSld>
+  <p:clrMapOvr>
+    <a:masterClrMapping/>
+  </p:clrMapOvr>
+</p:sld>
+</file>
+
+<file path=ppt/slides/slide21.xml><?xml version="1.0" encoding="utf-8"?>
+<p:sld xmlns:a="http://schemas.openxmlformats.org/drawingml/2006/main" xmlns:r="http://schemas.openxmlformats.org/officeDocument/2006/relationships" xmlns:p="http://schemas.openxmlformats.org/presentationml/2006/main">
+  <p:cSld>
+    <p:spTree>
+      <p:nvGrpSpPr>
+        <p:cNvPr id="1" name=""/>
+        <p:cNvGrpSpPr/>
+        <p:nvPr/>
+      </p:nvGrpSpPr>
+      <p:grpSpPr>
+        <a:xfrm>
+          <a:off x="0" y="0"/>
+          <a:ext cx="0" cy="0"/>
+          <a:chOff x="0" y="0"/>
+          <a:chExt cx="0" cy="0"/>
+        </a:xfrm>
+      </p:grpSpPr>
+      <p:sp>
+        <p:nvSpPr>
+          <p:cNvPr id="2" name="Title 1">
+            <a:extLst>
+              <a:ext uri="{FF2B5EF4-FFF2-40B4-BE49-F238E27FC236}">
+                <a16:creationId xmlns:a16="http://schemas.microsoft.com/office/drawing/2014/main" id="{6C448730-2501-B942-B874-25CD9798A224}"/>
+              </a:ext>
+            </a:extLst>
+          </p:cNvPr>
+          <p:cNvSpPr>
+            <a:spLocks noGrp="1"/>
+          </p:cNvSpPr>
+          <p:nvPr>
+            <p:ph type="title"/>
+          </p:nvPr>
+        </p:nvSpPr>
+        <p:spPr/>
+        <p:txBody>
+          <a:bodyPr/>
+          <a:lstStyle/>
+          <a:p>
+            <a:r>
+              <a:rPr lang="en-US" dirty="0"/>
+              <a:t>Discussion</a:t>
+            </a:r>
+          </a:p>
+        </p:txBody>
+      </p:sp>
+      <p:sp>
+        <p:nvSpPr>
+          <p:cNvPr id="3" name="Content Placeholder 2">
+            <a:extLst>
+              <a:ext uri="{FF2B5EF4-FFF2-40B4-BE49-F238E27FC236}">
+                <a16:creationId xmlns:a16="http://schemas.microsoft.com/office/drawing/2014/main" id="{3DA91D44-10DE-2E4A-A062-01E4141875D5}"/>
+              </a:ext>
+            </a:extLst>
+          </p:cNvPr>
+          <p:cNvSpPr>
+            <a:spLocks noGrp="1"/>
+          </p:cNvSpPr>
+          <p:nvPr>
+            <p:ph idx="1"/>
+          </p:nvPr>
+        </p:nvSpPr>
+        <p:spPr/>
+        <p:txBody>
+          <a:bodyPr/>
+          <a:lstStyle/>
+          <a:p>
+            <a:pPr marL="0" indent="0">
+              <a:buNone/>
+            </a:pPr>
+            <a:r>
+              <a:rPr lang="en-US" dirty="0"/>
+              <a:t>How do you think approximation is used in analyses today?</a:t>
+            </a:r>
+          </a:p>
+          <a:p>
+            <a:pPr marL="0" indent="0">
+              <a:buNone/>
+            </a:pPr>
+            <a:r>
+              <a:rPr lang="en-US" dirty="0"/>
+              <a:t>How </a:t>
+            </a:r>
+            <a:r>
+              <a:rPr lang="en-US" b="1" dirty="0"/>
+              <a:t>should</a:t>
+            </a:r>
+            <a:r>
+              <a:rPr lang="en-US" dirty="0"/>
+              <a:t> approximation be integrated into analysis flows?</a:t>
+            </a:r>
+          </a:p>
+          <a:p>
+            <a:endParaRPr lang="en-US" dirty="0"/>
+          </a:p>
+        </p:txBody>
+      </p:sp>
+    </p:spTree>
+    <p:extLst>
+      <p:ext uri="{BB962C8B-B14F-4D97-AF65-F5344CB8AC3E}">
+        <p14:creationId xmlns:p14="http://schemas.microsoft.com/office/powerpoint/2010/main" val="2572520116"/>
+      </p:ext>
+    </p:extLst>
+  </p:cSld>
+  <p:clrMapOvr>
+    <a:masterClrMapping/>
+  </p:clrMapOvr>
+</p:sld>
+</file>
+
+<file path=ppt/slides/slide22.xml><?xml version="1.0" encoding="utf-8"?>
+<p:sld xmlns:a="http://schemas.openxmlformats.org/drawingml/2006/main" xmlns:r="http://schemas.openxmlformats.org/officeDocument/2006/relationships" xmlns:p="http://schemas.openxmlformats.org/presentationml/2006/main">
+  <p:cSld>
+    <p:spTree>
+      <p:nvGrpSpPr>
+        <p:cNvPr id="1" name=""/>
+        <p:cNvGrpSpPr/>
+        <p:nvPr/>
+      </p:nvGrpSpPr>
+      <p:grpSpPr>
+        <a:xfrm>
+          <a:off x="0" y="0"/>
+          <a:ext cx="0" cy="0"/>
+          <a:chOff x="0" y="0"/>
+          <a:chExt cx="0" cy="0"/>
+        </a:xfrm>
+      </p:grpSpPr>
+      <p:sp>
+        <p:nvSpPr>
+          <p:cNvPr id="2" name="Title 1">
+            <a:extLst>
+              <a:ext uri="{FF2B5EF4-FFF2-40B4-BE49-F238E27FC236}">
+                <a16:creationId xmlns:a16="http://schemas.microsoft.com/office/drawing/2014/main" id="{82D0B3ED-8241-C849-B7B2-522098855128}"/>
+              </a:ext>
+            </a:extLst>
+          </p:cNvPr>
+          <p:cNvSpPr>
+            <a:spLocks noGrp="1"/>
+          </p:cNvSpPr>
+          <p:nvPr>
+            <p:ph type="title"/>
+          </p:nvPr>
+        </p:nvSpPr>
+        <p:spPr/>
+        <p:txBody>
+          <a:bodyPr/>
+          <a:lstStyle/>
+          <a:p>
+            <a:r>
+              <a:rPr lang="en-US" dirty="0"/>
+              <a:t>Discussion</a:t>
+            </a:r>
+          </a:p>
+        </p:txBody>
+      </p:sp>
+      <p:sp>
+        <p:nvSpPr>
+          <p:cNvPr id="3" name="Content Placeholder 2">
+            <a:extLst>
+              <a:ext uri="{FF2B5EF4-FFF2-40B4-BE49-F238E27FC236}">
+                <a16:creationId xmlns:a16="http://schemas.microsoft.com/office/drawing/2014/main" id="{1FCF8131-456E-694B-BE70-C8467D29B098}"/>
+              </a:ext>
+            </a:extLst>
+          </p:cNvPr>
+          <p:cNvSpPr>
+            <a:spLocks noGrp="1"/>
+          </p:cNvSpPr>
+          <p:nvPr>
+            <p:ph idx="1"/>
+          </p:nvPr>
+        </p:nvSpPr>
+        <p:spPr/>
+        <p:txBody>
+          <a:bodyPr/>
+          <a:lstStyle/>
+          <a:p>
+            <a:pPr marL="0" indent="0">
+              <a:buNone/>
+            </a:pPr>
+            <a:r>
+              <a:rPr lang="en-US" dirty="0"/>
+              <a:t>Users need to manually validate “remembered” charts</a:t>
+            </a:r>
+          </a:p>
+          <a:p>
+            <a:r>
+              <a:rPr lang="en-US" dirty="0"/>
+              <a:t>Do you think users are fundamentally needed to validate?</a:t>
+            </a:r>
+          </a:p>
+          <a:p>
+            <a:r>
+              <a:rPr lang="en-US" dirty="0"/>
+              <a:t>How to extract observations/insights?</a:t>
+            </a:r>
+          </a:p>
+        </p:txBody>
+      </p:sp>
+    </p:spTree>
+    <p:extLst>
+      <p:ext uri="{BB962C8B-B14F-4D97-AF65-F5344CB8AC3E}">
+        <p14:creationId xmlns:p14="http://schemas.microsoft.com/office/powerpoint/2010/main" val="2474356970"/>
+      </p:ext>
+    </p:extLst>
+  </p:cSld>
+  <p:clrMapOvr>
+    <a:masterClrMapping/>
+  </p:clrMapOvr>
+</p:sld>
+</file>
+
+<file path=ppt/slides/slide23.xml><?xml version="1.0" encoding="utf-8"?>
+<p:sld xmlns:a="http://schemas.openxmlformats.org/drawingml/2006/main" xmlns:r="http://schemas.openxmlformats.org/officeDocument/2006/relationships" xmlns:p="http://schemas.openxmlformats.org/presentationml/2006/main">
+  <p:cSld>
+    <p:spTree>
+      <p:nvGrpSpPr>
+        <p:cNvPr id="1" name=""/>
+        <p:cNvGrpSpPr/>
+        <p:nvPr/>
+      </p:nvGrpSpPr>
+      <p:grpSpPr>
+        <a:xfrm>
+          <a:off x="0" y="0"/>
+          <a:ext cx="0" cy="0"/>
+          <a:chOff x="0" y="0"/>
+          <a:chExt cx="0" cy="0"/>
+        </a:xfrm>
+      </p:grpSpPr>
+      <p:sp>
+        <p:nvSpPr>
+          <p:cNvPr id="2" name="Title 1">
+            <a:extLst>
+              <a:ext uri="{FF2B5EF4-FFF2-40B4-BE49-F238E27FC236}">
+                <a16:creationId xmlns:a16="http://schemas.microsoft.com/office/drawing/2014/main" id="{976A96C5-D7A7-C24D-B203-B7A46755D092}"/>
+              </a:ext>
+            </a:extLst>
+          </p:cNvPr>
+          <p:cNvSpPr>
+            <a:spLocks noGrp="1"/>
+          </p:cNvSpPr>
+          <p:nvPr>
+            <p:ph type="title"/>
+          </p:nvPr>
+        </p:nvSpPr>
+        <p:spPr/>
+        <p:txBody>
+          <a:bodyPr/>
+          <a:lstStyle/>
+          <a:p>
+            <a:endParaRPr lang="en-US"/>
+          </a:p>
+        </p:txBody>
+      </p:sp>
+      <p:sp>
+        <p:nvSpPr>
+          <p:cNvPr id="3" name="Content Placeholder 2">
+            <a:extLst>
+              <a:ext uri="{FF2B5EF4-FFF2-40B4-BE49-F238E27FC236}">
+                <a16:creationId xmlns:a16="http://schemas.microsoft.com/office/drawing/2014/main" id="{4AC12DF9-234D-ED4C-BDC9-C81B30FA945B}"/>
+              </a:ext>
+            </a:extLst>
+          </p:cNvPr>
+          <p:cNvSpPr>
+            <a:spLocks noGrp="1"/>
+          </p:cNvSpPr>
+          <p:nvPr>
+            <p:ph idx="1"/>
+          </p:nvPr>
+        </p:nvSpPr>
+        <p:spPr/>
+        <p:txBody>
+          <a:bodyPr/>
+          <a:lstStyle/>
+          <a:p>
+            <a:endParaRPr lang="en-US"/>
+          </a:p>
+        </p:txBody>
+      </p:sp>
+      <p:pic>
+        <p:nvPicPr>
+          <p:cNvPr id="4" name="Screen Shot 2014-10-07 at 11.09.45 PM.png" descr="Screen Shot 2014-10-07 at 11.09.45 PM.png">
+            <a:extLst>
+              <a:ext uri="{FF2B5EF4-FFF2-40B4-BE49-F238E27FC236}">
+                <a16:creationId xmlns:a16="http://schemas.microsoft.com/office/drawing/2014/main" id="{07E31B09-0B8E-C745-8C8F-91BBC23AE6CF}"/>
+              </a:ext>
+            </a:extLst>
+          </p:cNvPr>
+          <p:cNvPicPr>
+            <a:picLocks noChangeAspect="1"/>
+          </p:cNvPicPr>
+          <p:nvPr/>
+        </p:nvPicPr>
+        <p:blipFill>
+          <a:blip r:embed="rId2"/>
+          <a:stretch>
+            <a:fillRect/>
+          </a:stretch>
+        </p:blipFill>
+        <p:spPr>
+          <a:xfrm>
+            <a:off x="1975757" y="0"/>
+            <a:ext cx="8661400" cy="5969001"/>
+          </a:xfrm>
+          <a:prstGeom prst="rect">
+            <a:avLst/>
+          </a:prstGeom>
+          <a:ln w="12700">
+            <a:miter lim="400000"/>
+          </a:ln>
+        </p:spPr>
+      </p:pic>
+      <p:sp>
+        <p:nvSpPr>
+          <p:cNvPr id="5" name="TextBox 4">
+            <a:extLst>
+              <a:ext uri="{FF2B5EF4-FFF2-40B4-BE49-F238E27FC236}">
+                <a16:creationId xmlns:a16="http://schemas.microsoft.com/office/drawing/2014/main" id="{DA87245F-5DDE-1C43-90A4-9F51B76C88E3}"/>
+              </a:ext>
+            </a:extLst>
+          </p:cNvPr>
+          <p:cNvSpPr txBox="1"/>
+          <p:nvPr/>
+        </p:nvSpPr>
+        <p:spPr>
+          <a:xfrm>
+            <a:off x="0" y="6488668"/>
+            <a:ext cx="4650697" cy="369332"/>
+          </a:xfrm>
+          <a:prstGeom prst="rect">
+            <a:avLst/>
+          </a:prstGeom>
+          <a:noFill/>
+        </p:spPr>
+        <p:txBody>
+          <a:bodyPr wrap="none" rtlCol="0">
+            <a:spAutoFit/>
+          </a:bodyPr>
+          <a:lstStyle/>
+          <a:p>
+            <a:r>
+              <a:rPr lang="en-US" dirty="0"/>
+              <a:t>Hellerstein et al Online Aggregation SIGMOD 97</a:t>
+            </a:r>
+          </a:p>
+        </p:txBody>
+      </p:sp>
+    </p:spTree>
+    <p:extLst>
+      <p:ext uri="{BB962C8B-B14F-4D97-AF65-F5344CB8AC3E}">
+        <p14:creationId xmlns:p14="http://schemas.microsoft.com/office/powerpoint/2010/main" val="3930690818"/>
+      </p:ext>
+    </p:extLst>
+  </p:cSld>
+  <p:clrMapOvr>
+    <a:masterClrMapping/>
+  </p:clrMapOvr>
+</p:sld>
+</file>
+
+<file path=ppt/slides/slide24.xml><?xml version="1.0" encoding="utf-8"?>
+<p:sld xmlns:a="http://schemas.openxmlformats.org/drawingml/2006/main" xmlns:r="http://schemas.openxmlformats.org/officeDocument/2006/relationships" xmlns:p="http://schemas.openxmlformats.org/presentationml/2006/main">
+  <p:cSld>
+    <p:spTree>
+      <p:nvGrpSpPr>
+        <p:cNvPr id="1" name=""/>
+        <p:cNvGrpSpPr/>
+        <p:nvPr/>
+      </p:nvGrpSpPr>
+      <p:grpSpPr>
+        <a:xfrm>
+          <a:off x="0" y="0"/>
+          <a:ext cx="0" cy="0"/>
+          <a:chOff x="0" y="0"/>
+          <a:chExt cx="0" cy="0"/>
+        </a:xfrm>
+      </p:grpSpPr>
+      <p:sp>
+        <p:nvSpPr>
+          <p:cNvPr id="2" name="Title 1">
+            <a:extLst>
+              <a:ext uri="{FF2B5EF4-FFF2-40B4-BE49-F238E27FC236}">
+                <a16:creationId xmlns:a16="http://schemas.microsoft.com/office/drawing/2014/main" id="{93AAAC90-0D88-DB4B-8174-415ACA4F6122}"/>
+              </a:ext>
+            </a:extLst>
+          </p:cNvPr>
+          <p:cNvSpPr>
+            <a:spLocks noGrp="1"/>
+          </p:cNvSpPr>
+          <p:nvPr>
+            <p:ph type="title"/>
+          </p:nvPr>
+        </p:nvSpPr>
+        <p:spPr/>
+        <p:txBody>
+          <a:bodyPr/>
+          <a:lstStyle/>
+          <a:p>
+            <a:endParaRPr lang="en-US"/>
+          </a:p>
+        </p:txBody>
+      </p:sp>
+      <p:sp>
+        <p:nvSpPr>
+          <p:cNvPr id="3" name="Content Placeholder 2">
+            <a:extLst>
+              <a:ext uri="{FF2B5EF4-FFF2-40B4-BE49-F238E27FC236}">
+                <a16:creationId xmlns:a16="http://schemas.microsoft.com/office/drawing/2014/main" id="{4696B3C6-C633-9648-B660-F389A46997BF}"/>
+              </a:ext>
+            </a:extLst>
+          </p:cNvPr>
+          <p:cNvSpPr>
+            <a:spLocks noGrp="1"/>
+          </p:cNvSpPr>
+          <p:nvPr>
+            <p:ph idx="1"/>
+          </p:nvPr>
+        </p:nvSpPr>
+        <p:spPr/>
+        <p:txBody>
+          <a:bodyPr/>
+          <a:lstStyle/>
+          <a:p>
+            <a:endParaRPr lang="en-US"/>
+          </a:p>
+        </p:txBody>
+      </p:sp>
+      <p:pic>
+        <p:nvPicPr>
+          <p:cNvPr id="4" name="Screen Shot 2014-10-05 at 10.33.32 PM.png" descr="Screen Shot 2014-10-05 at 10.33.32 PM.png">
+            <a:extLst>
+              <a:ext uri="{FF2B5EF4-FFF2-40B4-BE49-F238E27FC236}">
+                <a16:creationId xmlns:a16="http://schemas.microsoft.com/office/drawing/2014/main" id="{D9326786-A2DD-8049-A600-2173264B905C}"/>
+              </a:ext>
+            </a:extLst>
+          </p:cNvPr>
+          <p:cNvPicPr>
+            <a:picLocks noChangeAspect="1"/>
+          </p:cNvPicPr>
+          <p:nvPr/>
+        </p:nvPicPr>
+        <p:blipFill>
+          <a:blip r:embed="rId2"/>
+          <a:stretch>
+            <a:fillRect/>
+          </a:stretch>
+        </p:blipFill>
+        <p:spPr>
+          <a:xfrm>
+            <a:off x="1957197" y="1027906"/>
+            <a:ext cx="8277606" cy="5135495"/>
+          </a:xfrm>
+          <a:prstGeom prst="rect">
+            <a:avLst/>
+          </a:prstGeom>
+          <a:ln w="12700">
+            <a:miter lim="400000"/>
+          </a:ln>
+        </p:spPr>
+      </p:pic>
+    </p:spTree>
+    <p:extLst>
+      <p:ext uri="{BB962C8B-B14F-4D97-AF65-F5344CB8AC3E}">
+        <p14:creationId xmlns:p14="http://schemas.microsoft.com/office/powerpoint/2010/main" val="2884642446"/>
+      </p:ext>
+    </p:extLst>
+  </p:cSld>
+  <p:clrMapOvr>
+    <a:masterClrMapping/>
+  </p:clrMapOvr>
+</p:sld>
+</file>
+
+<file path=ppt/slides/slide25.xml><?xml version="1.0" encoding="utf-8"?>
+<p:sld xmlns:a="http://schemas.openxmlformats.org/drawingml/2006/main" xmlns:r="http://schemas.openxmlformats.org/officeDocument/2006/relationships" xmlns:p="http://schemas.openxmlformats.org/presentationml/2006/main">
+  <p:cSld>
+    <p:spTree>
+      <p:nvGrpSpPr>
+        <p:cNvPr id="1" name=""/>
+        <p:cNvGrpSpPr/>
+        <p:nvPr/>
+      </p:nvGrpSpPr>
+      <p:grpSpPr>
+        <a:xfrm>
+          <a:off x="0" y="0"/>
+          <a:ext cx="0" cy="0"/>
+          <a:chOff x="0" y="0"/>
+          <a:chExt cx="0" cy="0"/>
+        </a:xfrm>
+      </p:grpSpPr>
+      <p:sp>
+        <p:nvSpPr>
           <p:cNvPr id="2" name="Title 1">
             <a:extLst>
               <a:ext uri="{FF2B5EF4-FFF2-40B4-BE49-F238E27FC236}">
@@ -11479,7 +15105,7 @@
 </p:sld>
 </file>
 
-<file path=ppt/slides/slide16.xml><?xml version="1.0" encoding="utf-8"?>
+<file path=ppt/slides/slide26.xml><?xml version="1.0" encoding="utf-8"?>
 <p:sld xmlns:a="http://schemas.openxmlformats.org/drawingml/2006/main" xmlns:r="http://schemas.openxmlformats.org/officeDocument/2006/relationships" xmlns:p="http://schemas.openxmlformats.org/presentationml/2006/main">
   <p:cSld>
     <p:spTree>
@@ -12353,7 +15979,7 @@
 </p:sld>
 </file>
 
-<file path=ppt/slides/slide17.xml><?xml version="1.0" encoding="utf-8"?>
+<file path=ppt/slides/slide27.xml><?xml version="1.0" encoding="utf-8"?>
 <p:sld xmlns:a="http://schemas.openxmlformats.org/drawingml/2006/main" xmlns:r="http://schemas.openxmlformats.org/officeDocument/2006/relationships" xmlns:p="http://schemas.openxmlformats.org/presentationml/2006/main">
   <p:cSld>
     <p:spTree>
@@ -13372,7 +16998,7 @@
 </p:sld>
 </file>
 
-<file path=ppt/slides/slide18.xml><?xml version="1.0" encoding="utf-8"?>
+<file path=ppt/slides/slide28.xml><?xml version="1.0" encoding="utf-8"?>
 <p:sld xmlns:a="http://schemas.openxmlformats.org/drawingml/2006/main" xmlns:r="http://schemas.openxmlformats.org/officeDocument/2006/relationships" xmlns:p="http://schemas.openxmlformats.org/presentationml/2006/main">
   <p:cSld>
     <p:spTree>
@@ -14512,7 +18138,7 @@
 </p:sld>
 </file>
 
-<file path=ppt/slides/slide19.xml><?xml version="1.0" encoding="utf-8"?>
+<file path=ppt/slides/slide29.xml><?xml version="1.0" encoding="utf-8"?>
 <p:sld xmlns:a="http://schemas.openxmlformats.org/drawingml/2006/main" xmlns:r="http://schemas.openxmlformats.org/officeDocument/2006/relationships" xmlns:p="http://schemas.openxmlformats.org/presentationml/2006/main">
   <p:cSld>
     <p:spTree>
@@ -16075,12 +19701,12 @@
 </p:sld>
 </file>
 
-<file path=ppt/slides/slide2.xml><?xml version="1.0" encoding="utf-8"?>
+<file path=ppt/slides/slide3.xml><?xml version="1.0" encoding="utf-8"?>
 <p:sld xmlns:a="http://schemas.openxmlformats.org/drawingml/2006/main" xmlns:r="http://schemas.openxmlformats.org/officeDocument/2006/relationships" xmlns:p="http://schemas.openxmlformats.org/presentationml/2006/main">
   <p:cSld>
     <p:spTree>
       <p:nvGrpSpPr>
-        <p:cNvPr id="1" name="Shape 59"/>
+        <p:cNvPr id="1" name=""/>
         <p:cNvGrpSpPr/>
         <p:nvPr/>
       </p:nvGrpSpPr>
@@ -16094,739 +19720,140 @@
       </p:grpSpPr>
       <p:sp>
         <p:nvSpPr>
-          <p:cNvPr id="60" name="Google Shape;60;p14"/>
-          <p:cNvSpPr txBox="1">
+          <p:cNvPr id="2" name="Title 1">
+            <a:extLst>
+              <a:ext uri="{FF2B5EF4-FFF2-40B4-BE49-F238E27FC236}">
+                <a16:creationId xmlns:a16="http://schemas.microsoft.com/office/drawing/2014/main" id="{537A4ABE-6B16-3C4B-B773-07DF3BAC73C2}"/>
+              </a:ext>
+            </a:extLst>
+          </p:cNvPr>
+          <p:cNvSpPr>
             <a:spLocks noGrp="1"/>
           </p:cNvSpPr>
           <p:nvPr>
             <p:ph type="title"/>
           </p:nvPr>
         </p:nvSpPr>
-        <p:spPr>
-          <a:xfrm>
-            <a:off x="415600" y="593367"/>
-            <a:ext cx="11360800" cy="763600"/>
-          </a:xfrm>
-          <a:prstGeom prst="rect">
-            <a:avLst/>
-          </a:prstGeom>
-        </p:spPr>
-        <p:txBody>
-          <a:bodyPr spcFirstLastPara="1" wrap="square" lIns="121900" tIns="121900" rIns="121900" bIns="121900" anchor="t" anchorCtr="0">
-            <a:noAutofit/>
-          </a:bodyPr>
+        <p:spPr/>
+        <p:txBody>
+          <a:bodyPr/>
           <a:lstStyle/>
           <a:p>
             <a:r>
-              <a:rPr lang="en"/>
-              <a:t>Big Data Visualization</a:t>
+              <a:rPr lang="en-US" dirty="0"/>
+              <a:t>Today’s topic</a:t>
             </a:r>
-            <a:endParaRPr/>
-          </a:p>
-        </p:txBody>
-      </p:sp>
-      <p:sp>
-        <p:nvSpPr>
-          <p:cNvPr id="61" name="Google Shape;61;p14"/>
-          <p:cNvSpPr txBox="1">
+          </a:p>
+        </p:txBody>
+      </p:sp>
+      <p:sp>
+        <p:nvSpPr>
+          <p:cNvPr id="3" name="Content Placeholder 2">
+            <a:extLst>
+              <a:ext uri="{FF2B5EF4-FFF2-40B4-BE49-F238E27FC236}">
+                <a16:creationId xmlns:a16="http://schemas.microsoft.com/office/drawing/2014/main" id="{C663883C-10B4-B547-BB30-8884982C0D1E}"/>
+              </a:ext>
+            </a:extLst>
+          </p:cNvPr>
+          <p:cNvSpPr>
             <a:spLocks noGrp="1"/>
           </p:cNvSpPr>
           <p:nvPr>
-            <p:ph type="body" idx="1"/>
+            <p:ph idx="1"/>
           </p:nvPr>
         </p:nvSpPr>
-        <p:spPr>
-          <a:xfrm>
-            <a:off x="415600" y="1536633"/>
-            <a:ext cx="11360800" cy="4555200"/>
-          </a:xfrm>
-          <a:prstGeom prst="rect">
-            <a:avLst/>
-          </a:prstGeom>
-        </p:spPr>
-        <p:txBody>
-          <a:bodyPr spcFirstLastPara="1" wrap="square" lIns="121900" tIns="121900" rIns="121900" bIns="121900" anchor="t" anchorCtr="0">
-            <a:noAutofit/>
-          </a:bodyPr>
+        <p:spPr/>
+        <p:txBody>
+          <a:bodyPr/>
           <a:lstStyle/>
           <a:p>
             <a:pPr marL="0" indent="0">
-              <a:spcAft>
-                <a:spcPts val="2133"/>
-              </a:spcAft>
               <a:buNone/>
             </a:pPr>
-            <a:endParaRPr/>
-          </a:p>
-        </p:txBody>
-      </p:sp>
-      <p:graphicFrame>
-        <p:nvGraphicFramePr>
-          <p:cNvPr id="62" name="Google Shape;62;p14"/>
-          <p:cNvGraphicFramePr/>
-          <p:nvPr/>
-        </p:nvGraphicFramePr>
-        <p:xfrm>
-          <a:off x="415600" y="1536600"/>
-          <a:ext cx="4000000" cy="4000000"/>
-        </p:xfrm>
-        <a:graphic>
-          <a:graphicData uri="http://schemas.openxmlformats.org/drawingml/2006/table">
-            <a:tbl>
-              <a:tblPr>
-                <a:noFill/>
-              </a:tblPr>
-              <a:tblGrid>
-                <a:gridCol w="3786933">
-                  <a:extLst>
-                    <a:ext uri="{9D8B030D-6E8A-4147-A177-3AD203B41FA5}">
-                      <a16:colId xmlns:a16="http://schemas.microsoft.com/office/drawing/2014/main" val="20000"/>
-                    </a:ext>
-                  </a:extLst>
-                </a:gridCol>
-                <a:gridCol w="3786933">
-                  <a:extLst>
-                    <a:ext uri="{9D8B030D-6E8A-4147-A177-3AD203B41FA5}">
-                      <a16:colId xmlns:a16="http://schemas.microsoft.com/office/drawing/2014/main" val="20001"/>
-                    </a:ext>
-                  </a:extLst>
-                </a:gridCol>
-                <a:gridCol w="3786933">
-                  <a:extLst>
-                    <a:ext uri="{9D8B030D-6E8A-4147-A177-3AD203B41FA5}">
-                      <a16:colId xmlns:a16="http://schemas.microsoft.com/office/drawing/2014/main" val="20002"/>
-                    </a:ext>
-                  </a:extLst>
-                </a:gridCol>
-              </a:tblGrid>
-              <a:tr h="1138800">
-                <a:tc>
-                  <a:txBody>
-                    <a:bodyPr/>
-                    <a:lstStyle/>
-                    <a:p>
-                      <a:pPr marL="0" lvl="0" indent="0" algn="l" rtl="0">
-                        <a:spcBef>
-                          <a:spcPts val="0"/>
-                        </a:spcBef>
-                        <a:spcAft>
-                          <a:spcPts val="0"/>
-                        </a:spcAft>
-                        <a:buNone/>
-                      </a:pPr>
-                      <a:endParaRPr sz="2500"/>
-                    </a:p>
-                  </a:txBody>
-                  <a:tcPr marL="121900" marR="121900" marT="121900" marB="121900">
-                    <a:lnB w="9525" cap="flat" cmpd="sng">
-                      <a:solidFill>
-                        <a:srgbClr val="FFFFFF"/>
-                      </a:solidFill>
-                      <a:prstDash val="solid"/>
-                      <a:round/>
-                      <a:headEnd type="none" w="sm" len="sm"/>
-                      <a:tailEnd type="none" w="sm" len="sm"/>
-                    </a:lnB>
-                  </a:tcPr>
-                </a:tc>
-                <a:tc>
-                  <a:txBody>
-                    <a:bodyPr/>
-                    <a:lstStyle/>
-                    <a:p>
-                      <a:pPr marL="0" marR="0" lvl="0" indent="0" algn="l" rtl="0">
-                        <a:lnSpc>
-                          <a:spcPct val="100000"/>
-                        </a:lnSpc>
-                        <a:spcBef>
-                          <a:spcPts val="0"/>
-                        </a:spcBef>
-                        <a:spcAft>
-                          <a:spcPts val="0"/>
-                        </a:spcAft>
-                        <a:buNone/>
-                      </a:pPr>
-                      <a:r>
-                        <a:rPr lang="en" sz="3200" b="1">
-                          <a:solidFill>
-                            <a:srgbClr val="FFFFFF"/>
-                          </a:solidFill>
-                        </a:rPr>
-                        <a:t>Pros</a:t>
-                      </a:r>
-                      <a:endParaRPr sz="3200" b="1">
-                        <a:solidFill>
-                          <a:srgbClr val="FFFFFF"/>
-                        </a:solidFill>
-                      </a:endParaRPr>
-                    </a:p>
-                  </a:txBody>
-                  <a:tcPr marL="121900" marR="121900" marT="121900" marB="121900"/>
-                </a:tc>
-                <a:tc>
-                  <a:txBody>
-                    <a:bodyPr/>
-                    <a:lstStyle/>
-                    <a:p>
-                      <a:pPr marL="0" marR="0" lvl="0" indent="0" algn="l" rtl="0">
-                        <a:lnSpc>
-                          <a:spcPct val="100000"/>
-                        </a:lnSpc>
-                        <a:spcBef>
-                          <a:spcPts val="0"/>
-                        </a:spcBef>
-                        <a:spcAft>
-                          <a:spcPts val="0"/>
-                        </a:spcAft>
-                        <a:buNone/>
-                      </a:pPr>
-                      <a:r>
-                        <a:rPr lang="en" sz="3200" b="1">
-                          <a:solidFill>
-                            <a:srgbClr val="FFFFFF"/>
-                          </a:solidFill>
-                        </a:rPr>
-                        <a:t>Cons</a:t>
-                      </a:r>
-                      <a:endParaRPr sz="3200" b="1">
-                        <a:solidFill>
-                          <a:srgbClr val="FFFFFF"/>
-                        </a:solidFill>
-                      </a:endParaRPr>
-                    </a:p>
-                  </a:txBody>
-                  <a:tcPr marL="121900" marR="121900" marT="121900" marB="121900"/>
-                </a:tc>
-                <a:extLst>
-                  <a:ext uri="{0D108BD9-81ED-4DB2-BD59-A6C34878D82A}">
-                    <a16:rowId xmlns:a16="http://schemas.microsoft.com/office/drawing/2014/main" val="10000"/>
-                  </a:ext>
-                </a:extLst>
-              </a:tr>
-              <a:tr h="1219160">
-                <a:tc>
-                  <a:txBody>
-                    <a:bodyPr/>
-                    <a:lstStyle/>
-                    <a:p>
-                      <a:pPr marL="0" lvl="0" indent="0" algn="l" rtl="0">
-                        <a:spcBef>
-                          <a:spcPts val="0"/>
-                        </a:spcBef>
-                        <a:spcAft>
-                          <a:spcPts val="0"/>
-                        </a:spcAft>
-                        <a:buNone/>
-                      </a:pPr>
-                      <a:r>
-                        <a:rPr lang="en" sz="3200" b="1">
-                          <a:solidFill>
-                            <a:srgbClr val="FFFFFF"/>
-                          </a:solidFill>
-                        </a:rPr>
-                        <a:t>Distributed System</a:t>
-                      </a:r>
-                      <a:endParaRPr sz="3200" b="1">
-                        <a:solidFill>
-                          <a:srgbClr val="FFFFFF"/>
-                        </a:solidFill>
-                      </a:endParaRPr>
-                    </a:p>
-                  </a:txBody>
-                  <a:tcPr marL="121900" marR="121900" marT="121900" marB="121900">
-                    <a:lnL w="9525" cap="flat" cmpd="sng">
-                      <a:solidFill>
-                        <a:srgbClr val="FFFFFF"/>
-                      </a:solidFill>
-                      <a:prstDash val="solid"/>
-                      <a:round/>
-                      <a:headEnd type="none" w="sm" len="sm"/>
-                      <a:tailEnd type="none" w="sm" len="sm"/>
-                    </a:lnL>
-                    <a:lnR w="9525" cap="flat" cmpd="sng">
-                      <a:solidFill>
-                        <a:srgbClr val="FFFFFF"/>
-                      </a:solidFill>
-                      <a:prstDash val="solid"/>
-                      <a:round/>
-                      <a:headEnd type="none" w="sm" len="sm"/>
-                      <a:tailEnd type="none" w="sm" len="sm"/>
-                    </a:lnR>
-                    <a:lnT w="9525" cap="flat" cmpd="sng">
-                      <a:solidFill>
-                        <a:srgbClr val="FFFFFF"/>
-                      </a:solidFill>
-                      <a:prstDash val="solid"/>
-                      <a:round/>
-                      <a:headEnd type="none" w="sm" len="sm"/>
-                      <a:tailEnd type="none" w="sm" len="sm"/>
-                    </a:lnT>
-                    <a:lnB w="9525" cap="flat" cmpd="sng">
-                      <a:solidFill>
-                        <a:srgbClr val="FFFFFF"/>
-                      </a:solidFill>
-                      <a:prstDash val="solid"/>
-                      <a:round/>
-                      <a:headEnd type="none" w="sm" len="sm"/>
-                      <a:tailEnd type="none" w="sm" len="sm"/>
-                    </a:lnB>
-                  </a:tcPr>
-                </a:tc>
-                <a:tc>
-                  <a:txBody>
-                    <a:bodyPr/>
-                    <a:lstStyle/>
-                    <a:p>
-                      <a:pPr marL="0" marR="0" lvl="0" indent="0" algn="l" rtl="0">
-                        <a:lnSpc>
-                          <a:spcPct val="100000"/>
-                        </a:lnSpc>
-                        <a:spcBef>
-                          <a:spcPts val="0"/>
-                        </a:spcBef>
-                        <a:spcAft>
-                          <a:spcPts val="0"/>
-                        </a:spcAft>
-                        <a:buNone/>
-                      </a:pPr>
-                      <a:r>
-                        <a:rPr lang="en" sz="3200" b="1">
-                          <a:solidFill>
-                            <a:srgbClr val="FFFFFF"/>
-                          </a:solidFill>
-                        </a:rPr>
-                        <a:t>General query</a:t>
-                      </a:r>
-                      <a:endParaRPr sz="3200" b="1">
-                        <a:solidFill>
-                          <a:srgbClr val="FFFFFF"/>
-                        </a:solidFill>
-                      </a:endParaRPr>
-                    </a:p>
-                    <a:p>
-                      <a:pPr marL="0" marR="0" lvl="0" indent="0" algn="l" rtl="0">
-                        <a:lnSpc>
-                          <a:spcPct val="100000"/>
-                        </a:lnSpc>
-                        <a:spcBef>
-                          <a:spcPts val="0"/>
-                        </a:spcBef>
-                        <a:spcAft>
-                          <a:spcPts val="0"/>
-                        </a:spcAft>
-                        <a:buNone/>
-                      </a:pPr>
-                      <a:r>
-                        <a:rPr lang="en" sz="3200" b="1">
-                          <a:solidFill>
-                            <a:srgbClr val="FFFFFF"/>
-                          </a:solidFill>
-                        </a:rPr>
-                        <a:t>Precise</a:t>
-                      </a:r>
-                      <a:endParaRPr sz="3200" b="1">
-                        <a:solidFill>
-                          <a:srgbClr val="FFFFFF"/>
-                        </a:solidFill>
-                      </a:endParaRPr>
-                    </a:p>
-                  </a:txBody>
-                  <a:tcPr marL="121900" marR="121900" marT="121900" marB="121900">
-                    <a:lnL w="9525" cap="flat" cmpd="sng">
-                      <a:solidFill>
-                        <a:srgbClr val="FFFFFF"/>
-                      </a:solidFill>
-                      <a:prstDash val="solid"/>
-                      <a:round/>
-                      <a:headEnd type="none" w="sm" len="sm"/>
-                      <a:tailEnd type="none" w="sm" len="sm"/>
-                    </a:lnL>
-                  </a:tcPr>
-                </a:tc>
-                <a:tc>
-                  <a:txBody>
-                    <a:bodyPr/>
-                    <a:lstStyle/>
-                    <a:p>
-                      <a:pPr marL="0" marR="0" lvl="0" indent="0" algn="l" rtl="0">
-                        <a:lnSpc>
-                          <a:spcPct val="100000"/>
-                        </a:lnSpc>
-                        <a:spcBef>
-                          <a:spcPts val="0"/>
-                        </a:spcBef>
-                        <a:spcAft>
-                          <a:spcPts val="0"/>
-                        </a:spcAft>
-                        <a:buNone/>
-                      </a:pPr>
-                      <a:r>
-                        <a:rPr lang="en" sz="3200" b="1">
-                          <a:solidFill>
-                            <a:srgbClr val="FFFFFF"/>
-                          </a:solidFill>
-                        </a:rPr>
-                        <a:t>Network latency</a:t>
-                      </a:r>
-                      <a:endParaRPr sz="3200" b="1">
-                        <a:solidFill>
-                          <a:srgbClr val="FFFFFF"/>
-                        </a:solidFill>
-                      </a:endParaRPr>
-                    </a:p>
-                    <a:p>
-                      <a:pPr marL="0" marR="0" lvl="0" indent="0" algn="l" rtl="0">
-                        <a:lnSpc>
-                          <a:spcPct val="100000"/>
-                        </a:lnSpc>
-                        <a:spcBef>
-                          <a:spcPts val="0"/>
-                        </a:spcBef>
-                        <a:spcAft>
-                          <a:spcPts val="0"/>
-                        </a:spcAft>
-                        <a:buNone/>
-                      </a:pPr>
-                      <a:r>
-                        <a:rPr lang="en" sz="3200" b="1">
-                          <a:solidFill>
-                            <a:srgbClr val="FFFFFF"/>
-                          </a:solidFill>
-                        </a:rPr>
-                        <a:t>Costly</a:t>
-                      </a:r>
-                      <a:endParaRPr sz="3200" b="1">
-                        <a:solidFill>
-                          <a:srgbClr val="FFFFFF"/>
-                        </a:solidFill>
-                      </a:endParaRPr>
-                    </a:p>
-                  </a:txBody>
-                  <a:tcPr marL="121900" marR="121900" marT="121900" marB="121900"/>
-                </a:tc>
-                <a:extLst>
-                  <a:ext uri="{0D108BD9-81ED-4DB2-BD59-A6C34878D82A}">
-                    <a16:rowId xmlns:a16="http://schemas.microsoft.com/office/drawing/2014/main" val="10001"/>
-                  </a:ext>
-                </a:extLst>
-              </a:tr>
-              <a:tr h="1219160">
-                <a:tc>
-                  <a:txBody>
-                    <a:bodyPr/>
-                    <a:lstStyle/>
-                    <a:p>
-                      <a:pPr marL="0" marR="0" lvl="0" indent="0" algn="l" rtl="0">
-                        <a:lnSpc>
-                          <a:spcPct val="100000"/>
-                        </a:lnSpc>
-                        <a:spcBef>
-                          <a:spcPts val="0"/>
-                        </a:spcBef>
-                        <a:spcAft>
-                          <a:spcPts val="0"/>
-                        </a:spcAft>
-                        <a:buNone/>
-                      </a:pPr>
-                      <a:r>
-                        <a:rPr lang="en" sz="3200" b="1">
-                          <a:solidFill>
-                            <a:srgbClr val="FFFFFF"/>
-                          </a:solidFill>
-                        </a:rPr>
-                        <a:t>Data Cube</a:t>
-                      </a:r>
-                      <a:endParaRPr sz="3200" b="1">
-                        <a:solidFill>
-                          <a:srgbClr val="FFFFFF"/>
-                        </a:solidFill>
-                      </a:endParaRPr>
-                    </a:p>
-                  </a:txBody>
-                  <a:tcPr marL="121900" marR="121900" marT="121900" marB="121900">
-                    <a:lnT w="9525" cap="flat" cmpd="sng">
-                      <a:solidFill>
-                        <a:srgbClr val="FFFFFF"/>
-                      </a:solidFill>
-                      <a:prstDash val="solid"/>
-                      <a:round/>
-                      <a:headEnd type="none" w="sm" len="sm"/>
-                      <a:tailEnd type="none" w="sm" len="sm"/>
-                    </a:lnT>
-                  </a:tcPr>
-                </a:tc>
-                <a:tc>
-                  <a:txBody>
-                    <a:bodyPr/>
-                    <a:lstStyle/>
-                    <a:p>
-                      <a:pPr marL="0" marR="0" lvl="0" indent="0" algn="l" rtl="0">
-                        <a:lnSpc>
-                          <a:spcPct val="100000"/>
-                        </a:lnSpc>
-                        <a:spcBef>
-                          <a:spcPts val="0"/>
-                        </a:spcBef>
-                        <a:spcAft>
-                          <a:spcPts val="0"/>
-                        </a:spcAft>
-                        <a:buNone/>
-                      </a:pPr>
-                      <a:r>
-                        <a:rPr lang="en" sz="3200" b="1">
-                          <a:solidFill>
-                            <a:srgbClr val="FFFFFF"/>
-                          </a:solidFill>
-                        </a:rPr>
-                        <a:t>Fast </a:t>
-                      </a:r>
-                      <a:endParaRPr sz="3200" b="1">
-                        <a:solidFill>
-                          <a:srgbClr val="FFFFFF"/>
-                        </a:solidFill>
-                      </a:endParaRPr>
-                    </a:p>
-                    <a:p>
-                      <a:pPr marL="0" marR="0" lvl="0" indent="0" algn="l" rtl="0">
-                        <a:lnSpc>
-                          <a:spcPct val="100000"/>
-                        </a:lnSpc>
-                        <a:spcBef>
-                          <a:spcPts val="0"/>
-                        </a:spcBef>
-                        <a:spcAft>
-                          <a:spcPts val="0"/>
-                        </a:spcAft>
-                        <a:buNone/>
-                      </a:pPr>
-                      <a:r>
-                        <a:rPr lang="en" sz="3200" b="1">
-                          <a:solidFill>
-                            <a:srgbClr val="FFFFFF"/>
-                          </a:solidFill>
-                        </a:rPr>
-                        <a:t>Precise</a:t>
-                      </a:r>
-                      <a:endParaRPr sz="3200" b="1">
-                        <a:solidFill>
-                          <a:srgbClr val="FFFFFF"/>
-                        </a:solidFill>
-                      </a:endParaRPr>
-                    </a:p>
-                  </a:txBody>
-                  <a:tcPr marL="121900" marR="121900" marT="121900" marB="121900"/>
-                </a:tc>
-                <a:tc>
-                  <a:txBody>
-                    <a:bodyPr/>
-                    <a:lstStyle/>
-                    <a:p>
-                      <a:pPr marL="0" marR="0" lvl="0" indent="0" algn="l" rtl="0">
-                        <a:lnSpc>
-                          <a:spcPct val="100000"/>
-                        </a:lnSpc>
-                        <a:spcBef>
-                          <a:spcPts val="0"/>
-                        </a:spcBef>
-                        <a:spcAft>
-                          <a:spcPts val="0"/>
-                        </a:spcAft>
-                        <a:buNone/>
-                      </a:pPr>
-                      <a:r>
-                        <a:rPr lang="en" sz="3200" b="1">
-                          <a:solidFill>
-                            <a:srgbClr val="FFFFFF"/>
-                          </a:solidFill>
-                        </a:rPr>
-                        <a:t>Precompute</a:t>
-                      </a:r>
-                      <a:endParaRPr sz="3200" b="1">
-                        <a:solidFill>
-                          <a:srgbClr val="FFFFFF"/>
-                        </a:solidFill>
-                      </a:endParaRPr>
-                    </a:p>
-                    <a:p>
-                      <a:pPr marL="0" marR="0" lvl="0" indent="0" algn="l" rtl="0">
-                        <a:lnSpc>
-                          <a:spcPct val="100000"/>
-                        </a:lnSpc>
-                        <a:spcBef>
-                          <a:spcPts val="0"/>
-                        </a:spcBef>
-                        <a:spcAft>
-                          <a:spcPts val="0"/>
-                        </a:spcAft>
-                        <a:buNone/>
-                      </a:pPr>
-                      <a:r>
-                        <a:rPr lang="en" sz="3200" b="1">
-                          <a:solidFill>
-                            <a:srgbClr val="FFFFFF"/>
-                          </a:solidFill>
-                        </a:rPr>
-                        <a:t>Limited query</a:t>
-                      </a:r>
-                      <a:endParaRPr sz="3200" b="1">
-                        <a:solidFill>
-                          <a:srgbClr val="FFFFFF"/>
-                        </a:solidFill>
-                      </a:endParaRPr>
-                    </a:p>
-                  </a:txBody>
-                  <a:tcPr marL="121900" marR="121900" marT="121900" marB="121900"/>
-                </a:tc>
-                <a:extLst>
-                  <a:ext uri="{0D108BD9-81ED-4DB2-BD59-A6C34878D82A}">
-                    <a16:rowId xmlns:a16="http://schemas.microsoft.com/office/drawing/2014/main" val="10002"/>
-                  </a:ext>
-                </a:extLst>
-              </a:tr>
-              <a:tr h="1219160">
-                <a:tc>
-                  <a:txBody>
-                    <a:bodyPr/>
-                    <a:lstStyle/>
-                    <a:p>
-                      <a:pPr marL="0" marR="0" lvl="0" indent="0" algn="l" rtl="0">
-                        <a:lnSpc>
-                          <a:spcPct val="100000"/>
-                        </a:lnSpc>
-                        <a:spcBef>
-                          <a:spcPts val="0"/>
-                        </a:spcBef>
-                        <a:spcAft>
-                          <a:spcPts val="0"/>
-                        </a:spcAft>
-                        <a:buNone/>
-                      </a:pPr>
-                      <a:r>
-                        <a:rPr lang="en" sz="3200" b="1">
-                          <a:solidFill>
-                            <a:srgbClr val="FFFFFF"/>
-                          </a:solidFill>
-                        </a:rPr>
-                        <a:t>Sampling</a:t>
-                      </a:r>
-                      <a:endParaRPr sz="3200" b="1">
-                        <a:solidFill>
-                          <a:srgbClr val="FFFFFF"/>
-                        </a:solidFill>
-                      </a:endParaRPr>
-                    </a:p>
-                  </a:txBody>
-                  <a:tcPr marL="121900" marR="121900" marT="121900" marB="121900"/>
-                </a:tc>
-                <a:tc>
-                  <a:txBody>
-                    <a:bodyPr/>
-                    <a:lstStyle/>
-                    <a:p>
-                      <a:pPr marL="0" marR="0" lvl="0" indent="0" algn="l" rtl="0">
-                        <a:lnSpc>
-                          <a:spcPct val="100000"/>
-                        </a:lnSpc>
-                        <a:spcBef>
-                          <a:spcPts val="0"/>
-                        </a:spcBef>
-                        <a:spcAft>
-                          <a:spcPts val="0"/>
-                        </a:spcAft>
-                        <a:buNone/>
-                      </a:pPr>
-                      <a:r>
-                        <a:rPr lang="en" sz="3200" b="1">
-                          <a:solidFill>
-                            <a:srgbClr val="FFFFFF"/>
-                          </a:solidFill>
-                        </a:rPr>
-                        <a:t>Fast</a:t>
-                      </a:r>
-                      <a:endParaRPr sz="3200" b="1">
-                        <a:solidFill>
-                          <a:srgbClr val="FFFFFF"/>
-                        </a:solidFill>
-                      </a:endParaRPr>
-                    </a:p>
-                    <a:p>
-                      <a:pPr marL="0" marR="0" lvl="0" indent="0" algn="l" rtl="0">
-                        <a:lnSpc>
-                          <a:spcPct val="100000"/>
-                        </a:lnSpc>
-                        <a:spcBef>
-                          <a:spcPts val="0"/>
-                        </a:spcBef>
-                        <a:spcAft>
-                          <a:spcPts val="0"/>
-                        </a:spcAft>
-                        <a:buNone/>
-                      </a:pPr>
-                      <a:r>
-                        <a:rPr lang="en" sz="3200" b="1">
-                          <a:solidFill>
-                            <a:srgbClr val="FFFFFF"/>
-                          </a:solidFill>
-                        </a:rPr>
-                        <a:t>General query</a:t>
-                      </a:r>
-                      <a:endParaRPr sz="3200" b="1">
-                        <a:solidFill>
-                          <a:srgbClr val="FFFFFF"/>
-                        </a:solidFill>
-                      </a:endParaRPr>
-                    </a:p>
-                  </a:txBody>
-                  <a:tcPr marL="121900" marR="121900" marT="121900" marB="121900"/>
-                </a:tc>
-                <a:tc>
-                  <a:txBody>
-                    <a:bodyPr/>
-                    <a:lstStyle/>
-                    <a:p>
-                      <a:pPr marL="0" marR="0" lvl="0" indent="0" algn="l" rtl="0">
-                        <a:lnSpc>
-                          <a:spcPct val="100000"/>
-                        </a:lnSpc>
-                        <a:spcBef>
-                          <a:spcPts val="0"/>
-                        </a:spcBef>
-                        <a:spcAft>
-                          <a:spcPts val="0"/>
-                        </a:spcAft>
-                        <a:buNone/>
-                      </a:pPr>
-                      <a:r>
-                        <a:rPr lang="en" sz="3200" b="1">
-                          <a:solidFill>
-                            <a:srgbClr val="FFFFFF"/>
-                          </a:solidFill>
-                        </a:rPr>
-                        <a:t>Not precise</a:t>
-                      </a:r>
-                      <a:endParaRPr sz="3200" b="1">
-                        <a:solidFill>
-                          <a:srgbClr val="FFFFFF"/>
-                        </a:solidFill>
-                      </a:endParaRPr>
-                    </a:p>
-                  </a:txBody>
-                  <a:tcPr marL="121900" marR="121900" marT="121900" marB="121900"/>
-                </a:tc>
-                <a:extLst>
-                  <a:ext uri="{0D108BD9-81ED-4DB2-BD59-A6C34878D82A}">
-                    <a16:rowId xmlns:a16="http://schemas.microsoft.com/office/drawing/2014/main" val="10003"/>
-                  </a:ext>
-                </a:extLst>
-              </a:tr>
-            </a:tbl>
-          </a:graphicData>
-        </a:graphic>
-      </p:graphicFrame>
+            <a:r>
+              <a:rPr lang="en-US" dirty="0"/>
+              <a:t>Pangloss: Zachary Huang</a:t>
+            </a:r>
+          </a:p>
+          <a:p>
+            <a:pPr marL="0" indent="0">
+              <a:buNone/>
+            </a:pPr>
+            <a:r>
+              <a:rPr lang="en-US" dirty="0">
+                <a:solidFill>
+                  <a:schemeClr val="bg1">
+                    <a:lumMod val="50000"/>
+                  </a:schemeClr>
+                </a:solidFill>
+              </a:rPr>
+              <a:t>Scribe: </a:t>
+            </a:r>
+            <a:r>
+              <a:rPr lang="en-US" dirty="0" err="1">
+                <a:solidFill>
+                  <a:schemeClr val="bg1">
+                    <a:lumMod val="50000"/>
+                  </a:schemeClr>
+                </a:solidFill>
+              </a:rPr>
+              <a:t>Xupeng</a:t>
+            </a:r>
+            <a:r>
+              <a:rPr lang="en-US" dirty="0">
+                <a:solidFill>
+                  <a:schemeClr val="bg1">
+                    <a:lumMod val="50000"/>
+                  </a:schemeClr>
+                </a:solidFill>
+              </a:rPr>
+              <a:t> Li</a:t>
+            </a:r>
+          </a:p>
+          <a:p>
+            <a:pPr marL="0" indent="0">
+              <a:buNone/>
+            </a:pPr>
+            <a:endParaRPr lang="en-US" dirty="0"/>
+          </a:p>
+          <a:p>
+            <a:pPr marL="0" indent="0">
+              <a:buNone/>
+            </a:pPr>
+            <a:r>
+              <a:rPr lang="en-US" dirty="0"/>
+              <a:t>Wander join: </a:t>
+            </a:r>
+            <a:r>
+              <a:rPr lang="en-US" dirty="0" err="1"/>
+              <a:t>Xupeng</a:t>
+            </a:r>
+            <a:r>
+              <a:rPr lang="en-US" dirty="0"/>
+              <a:t> Li</a:t>
+            </a:r>
+          </a:p>
+          <a:p>
+            <a:pPr marL="0" indent="0">
+              <a:buNone/>
+            </a:pPr>
+            <a:r>
+              <a:rPr lang="en-US" dirty="0">
+                <a:solidFill>
+                  <a:schemeClr val="bg1">
+                    <a:lumMod val="50000"/>
+                  </a:schemeClr>
+                </a:solidFill>
+              </a:rPr>
+              <a:t>Scribe: Zachary Huang</a:t>
+            </a:r>
+          </a:p>
+        </p:txBody>
+      </p:sp>
     </p:spTree>
     <p:extLst>
       <p:ext uri="{BB962C8B-B14F-4D97-AF65-F5344CB8AC3E}">
-        <p14:creationId xmlns:p14="http://schemas.microsoft.com/office/powerpoint/2010/main" val="1964864497"/>
+        <p14:creationId xmlns:p14="http://schemas.microsoft.com/office/powerpoint/2010/main" val="2723154579"/>
       </p:ext>
     </p:extLst>
   </p:cSld>
@@ -16836,7 +19863,7 @@
 </p:sld>
 </file>
 
-<file path=ppt/slides/slide20.xml><?xml version="1.0" encoding="utf-8"?>
+<file path=ppt/slides/slide30.xml><?xml version="1.0" encoding="utf-8"?>
 <p:sld xmlns:a="http://schemas.openxmlformats.org/drawingml/2006/main" xmlns:r="http://schemas.openxmlformats.org/officeDocument/2006/relationships" xmlns:p="http://schemas.openxmlformats.org/presentationml/2006/main">
   <p:cSld>
     <p:spTree>
@@ -18436,7 +21463,7 @@
 </p:sld>
 </file>
 
-<file path=ppt/slides/slide21.xml><?xml version="1.0" encoding="utf-8"?>
+<file path=ppt/slides/slide31.xml><?xml version="1.0" encoding="utf-8"?>
 <p:sld xmlns:a="http://schemas.openxmlformats.org/drawingml/2006/main" xmlns:r="http://schemas.openxmlformats.org/officeDocument/2006/relationships" xmlns:p="http://schemas.openxmlformats.org/presentationml/2006/main">
   <p:cSld>
     <p:spTree>
@@ -20067,7 +23094,7 @@
 </p:sld>
 </file>
 
-<file path=ppt/slides/slide22.xml><?xml version="1.0" encoding="utf-8"?>
+<file path=ppt/slides/slide32.xml><?xml version="1.0" encoding="utf-8"?>
 <p:sld xmlns:a="http://schemas.openxmlformats.org/drawingml/2006/main" xmlns:r="http://schemas.openxmlformats.org/officeDocument/2006/relationships" xmlns:p="http://schemas.openxmlformats.org/presentationml/2006/main">
   <p:cSld>
     <p:spTree>
@@ -20165,7 +23192,7 @@
 </p:sld>
 </file>
 
-<file path=ppt/slides/slide23.xml><?xml version="1.0" encoding="utf-8"?>
+<file path=ppt/slides/slide33.xml><?xml version="1.0" encoding="utf-8"?>
 <p:sld xmlns:a="http://schemas.openxmlformats.org/drawingml/2006/main" xmlns:r="http://schemas.openxmlformats.org/officeDocument/2006/relationships" xmlns:p="http://schemas.openxmlformats.org/presentationml/2006/main">
   <p:cSld>
     <p:spTree>
@@ -20711,7 +23738,7 @@
 </p:sld>
 </file>
 
-<file path=ppt/slides/slide24.xml><?xml version="1.0" encoding="utf-8"?>
+<file path=ppt/slides/slide34.xml><?xml version="1.0" encoding="utf-8"?>
 <p:sld xmlns:a="http://schemas.openxmlformats.org/drawingml/2006/main" xmlns:r="http://schemas.openxmlformats.org/officeDocument/2006/relationships" xmlns:p="http://schemas.openxmlformats.org/presentationml/2006/main">
   <p:cSld>
     <p:spTree>
@@ -21357,7 +24384,7 @@
 </p:sld>
 </file>
 
-<file path=ppt/slides/slide25.xml><?xml version="1.0" encoding="utf-8"?>
+<file path=ppt/slides/slide35.xml><?xml version="1.0" encoding="utf-8"?>
 <p:sld xmlns:a="http://schemas.openxmlformats.org/drawingml/2006/main" xmlns:r="http://schemas.openxmlformats.org/officeDocument/2006/relationships" xmlns:p="http://schemas.openxmlformats.org/presentationml/2006/main">
   <p:cSld>
     <p:spTree>
@@ -22107,7 +25134,7 @@
 </p:sld>
 </file>
 
-<file path=ppt/slides/slide26.xml><?xml version="1.0" encoding="utf-8"?>
+<file path=ppt/slides/slide36.xml><?xml version="1.0" encoding="utf-8"?>
 <p:sld xmlns:a="http://schemas.openxmlformats.org/drawingml/2006/main" xmlns:r="http://schemas.openxmlformats.org/officeDocument/2006/relationships" xmlns:p="http://schemas.openxmlformats.org/presentationml/2006/main">
   <p:cSld>
     <p:spTree>
@@ -22957,7 +25984,7 @@
 </p:sld>
 </file>
 
-<file path=ppt/slides/slide27.xml><?xml version="1.0" encoding="utf-8"?>
+<file path=ppt/slides/slide37.xml><?xml version="1.0" encoding="utf-8"?>
 <p:sld xmlns:a="http://schemas.openxmlformats.org/drawingml/2006/main" xmlns:r="http://schemas.openxmlformats.org/officeDocument/2006/relationships" xmlns:p="http://schemas.openxmlformats.org/presentationml/2006/main">
   <p:cSld>
     <p:spTree>
@@ -23857,7 +26884,7 @@
 </p:sld>
 </file>
 
-<file path=ppt/slides/slide28.xml><?xml version="1.0" encoding="utf-8"?>
+<file path=ppt/slides/slide38.xml><?xml version="1.0" encoding="utf-8"?>
 <p:sld xmlns:a="http://schemas.openxmlformats.org/drawingml/2006/main" xmlns:r="http://schemas.openxmlformats.org/officeDocument/2006/relationships" xmlns:p="http://schemas.openxmlformats.org/presentationml/2006/main">
   <p:cSld>
     <p:spTree>
@@ -24907,7 +27934,7 @@
 </p:sld>
 </file>
 
-<file path=ppt/slides/slide29.xml><?xml version="1.0" encoding="utf-8"?>
+<file path=ppt/slides/slide39.xml><?xml version="1.0" encoding="utf-8"?>
 <p:sld xmlns:a="http://schemas.openxmlformats.org/drawingml/2006/main" xmlns:r="http://schemas.openxmlformats.org/officeDocument/2006/relationships" xmlns:p="http://schemas.openxmlformats.org/presentationml/2006/main">
   <p:cSld>
     <p:spTree>
@@ -25972,12 +28999,12 @@
 </p:sld>
 </file>
 
-<file path=ppt/slides/slide3.xml><?xml version="1.0" encoding="utf-8"?>
+<file path=ppt/slides/slide4.xml><?xml version="1.0" encoding="utf-8"?>
 <p:sld xmlns:a="http://schemas.openxmlformats.org/drawingml/2006/main" xmlns:r="http://schemas.openxmlformats.org/officeDocument/2006/relationships" xmlns:p="http://schemas.openxmlformats.org/presentationml/2006/main">
   <p:cSld>
     <p:spTree>
       <p:nvGrpSpPr>
-        <p:cNvPr id="1" name="Shape 66"/>
+        <p:cNvPr id="1" name="Shape 53"/>
         <p:cNvGrpSpPr/>
         <p:nvPr/>
       </p:nvGrpSpPr>
@@ -25991,32 +29018,32 @@
       </p:grpSpPr>
       <p:sp>
         <p:nvSpPr>
-          <p:cNvPr id="67" name="Google Shape;67;p15"/>
+          <p:cNvPr id="54" name="Google Shape;54;p13"/>
           <p:cNvSpPr txBox="1">
             <a:spLocks noGrp="1"/>
           </p:cNvSpPr>
           <p:nvPr>
-            <p:ph type="title"/>
+            <p:ph type="ctrTitle"/>
           </p:nvPr>
         </p:nvSpPr>
         <p:spPr>
           <a:xfrm>
-            <a:off x="415600" y="593367"/>
-            <a:ext cx="11360800" cy="763600"/>
+            <a:off x="415611" y="992767"/>
+            <a:ext cx="11360800" cy="2736800"/>
           </a:xfrm>
           <a:prstGeom prst="rect">
             <a:avLst/>
           </a:prstGeom>
         </p:spPr>
         <p:txBody>
-          <a:bodyPr spcFirstLastPara="1" wrap="square" lIns="121900" tIns="121900" rIns="121900" bIns="121900" anchor="t" anchorCtr="0">
+          <a:bodyPr spcFirstLastPara="1" wrap="square" lIns="121900" tIns="121900" rIns="121900" bIns="121900" anchor="b" anchorCtr="0">
             <a:noAutofit/>
           </a:bodyPr>
           <a:lstStyle/>
           <a:p>
             <a:r>
               <a:rPr lang="en"/>
-              <a:t>Sample + Seek</a:t>
+              <a:t>Trust, but Verify</a:t>
             </a:r>
             <a:endParaRPr/>
           </a:p>
@@ -26024,18 +29051,18 @@
       </p:sp>
       <p:sp>
         <p:nvSpPr>
-          <p:cNvPr id="68" name="Google Shape;68;p15"/>
+          <p:cNvPr id="55" name="Google Shape;55;p13"/>
           <p:cNvSpPr txBox="1">
             <a:spLocks noGrp="1"/>
           </p:cNvSpPr>
           <p:nvPr>
-            <p:ph type="body" idx="1"/>
+            <p:ph type="subTitle" idx="1"/>
           </p:nvPr>
         </p:nvSpPr>
         <p:spPr>
           <a:xfrm>
-            <a:off x="415600" y="1536633"/>
-            <a:ext cx="11360800" cy="4555200"/>
+            <a:off x="415600" y="3778833"/>
+            <a:ext cx="11360800" cy="1056800"/>
           </a:xfrm>
           <a:prstGeom prst="rect">
             <a:avLst/>
@@ -26047,238 +29074,27 @@
           </a:bodyPr>
           <a:lstStyle/>
           <a:p>
-            <a:pPr marL="0" indent="0">
-              <a:lnSpc>
-                <a:spcPct val="100000"/>
-              </a:lnSpc>
-              <a:buNone/>
-            </a:pPr>
-            <a:endParaRPr sz="3733">
-              <a:solidFill>
-                <a:schemeClr val="dk1"/>
-              </a:solidFill>
-            </a:endParaRPr>
-          </a:p>
-        </p:txBody>
-      </p:sp>
-      <p:pic>
-        <p:nvPicPr>
-          <p:cNvPr id="69" name="Google Shape;69;p15"/>
-          <p:cNvPicPr preferRelativeResize="0"/>
-          <p:nvPr/>
-        </p:nvPicPr>
-        <p:blipFill>
-          <a:blip r:embed="rId3">
-            <a:alphaModFix/>
-          </a:blip>
-          <a:stretch>
-            <a:fillRect/>
-          </a:stretch>
-        </p:blipFill>
-        <p:spPr>
-          <a:xfrm>
-            <a:off x="415585" y="1536633"/>
-            <a:ext cx="4356100" cy="4800600"/>
-          </a:xfrm>
-          <a:prstGeom prst="rect">
-            <a:avLst/>
-          </a:prstGeom>
-          <a:noFill/>
-          <a:ln>
-            <a:noFill/>
-          </a:ln>
-        </p:spPr>
-      </p:pic>
-      <p:sp>
-        <p:nvSpPr>
-          <p:cNvPr id="70" name="Google Shape;70;p15"/>
-          <p:cNvSpPr txBox="1"/>
-          <p:nvPr/>
-        </p:nvSpPr>
-        <p:spPr>
-          <a:xfrm>
-            <a:off x="4771700" y="1536533"/>
-            <a:ext cx="8459600" cy="4800800"/>
-          </a:xfrm>
-          <a:prstGeom prst="rect">
-            <a:avLst/>
-          </a:prstGeom>
-          <a:noFill/>
-          <a:ln>
-            <a:noFill/>
-          </a:ln>
-        </p:spPr>
-        <p:txBody>
-          <a:bodyPr spcFirstLastPara="1" wrap="square" lIns="121900" tIns="121900" rIns="121900" bIns="121900" anchor="ctr" anchorCtr="0">
-            <a:noAutofit/>
-          </a:bodyPr>
-          <a:lstStyle/>
-          <a:p>
-            <a:pPr defTabSz="1219170">
-              <a:buClr>
-                <a:srgbClr val="000000"/>
-              </a:buClr>
-            </a:pPr>
+            <a:pPr marL="0" indent="0"/>
             <a:r>
-              <a:rPr lang="en" sz="3733" kern="0">
-                <a:solidFill>
-                  <a:srgbClr val="FFFFFF"/>
-                </a:solidFill>
-                <a:latin typeface="Arial"/>
-                <a:cs typeface="Arial"/>
-                <a:sym typeface="Arial"/>
-              </a:rPr>
-              <a:t>SELECT C1 , SUM(M) FROM T GROUP BY C1</a:t>
+              <a:rPr lang="en"/>
+              <a:t>Optimistic Visualizations of</a:t>
             </a:r>
-            <a:endParaRPr sz="3733" kern="0">
-              <a:solidFill>
-                <a:srgbClr val="FFFFFF"/>
-              </a:solidFill>
-              <a:latin typeface="Arial"/>
-              <a:cs typeface="Arial"/>
-              <a:sym typeface="Arial"/>
-            </a:endParaRPr>
-          </a:p>
-          <a:p>
-            <a:pPr defTabSz="1219170">
-              <a:buClr>
-                <a:srgbClr val="000000"/>
-              </a:buClr>
-            </a:pPr>
-            <a:endParaRPr sz="3733" kern="0">
-              <a:solidFill>
-                <a:srgbClr val="FFFFFF"/>
-              </a:solidFill>
-              <a:latin typeface="Arial"/>
-              <a:cs typeface="Arial"/>
-              <a:sym typeface="Arial"/>
-            </a:endParaRPr>
-          </a:p>
-          <a:p>
-            <a:pPr defTabSz="1219170">
-              <a:buClr>
-                <a:srgbClr val="000000"/>
-              </a:buClr>
-            </a:pPr>
+            <a:endParaRPr/>
+          </a:p>
+          <a:p>
+            <a:pPr marL="0" indent="0"/>
             <a:r>
-              <a:rPr lang="en" sz="3733" kern="0">
-                <a:solidFill>
-                  <a:srgbClr val="FFFFFF"/>
-                </a:solidFill>
-                <a:latin typeface="Arial"/>
-                <a:cs typeface="Arial"/>
-                <a:sym typeface="Arial"/>
-              </a:rPr>
-              <a:t>When C1 = 0.</a:t>
+              <a:rPr lang="en"/>
+              <a:t>Approximate Queries for Exploring Big Data</a:t>
             </a:r>
-            <a:endParaRPr sz="3733" kern="0">
-              <a:solidFill>
-                <a:srgbClr val="FFFFFF"/>
-              </a:solidFill>
-              <a:latin typeface="Arial"/>
-              <a:cs typeface="Arial"/>
-              <a:sym typeface="Arial"/>
-            </a:endParaRPr>
-          </a:p>
-          <a:p>
-            <a:pPr defTabSz="1219170">
-              <a:buClr>
-                <a:srgbClr val="000000"/>
-              </a:buClr>
-            </a:pPr>
-            <a:r>
-              <a:rPr lang="en" sz="3733" kern="0">
-                <a:solidFill>
-                  <a:srgbClr val="FFFFFF"/>
-                </a:solidFill>
-                <a:latin typeface="Arial"/>
-                <a:cs typeface="Arial"/>
-                <a:sym typeface="Arial"/>
-              </a:rPr>
-              <a:t>SUM(M) = 1*90 + 10*10 = 190</a:t>
-            </a:r>
-            <a:endParaRPr sz="3733" kern="0">
-              <a:solidFill>
-                <a:srgbClr val="FFFFFF"/>
-              </a:solidFill>
-              <a:latin typeface="Arial"/>
-              <a:cs typeface="Arial"/>
-              <a:sym typeface="Arial"/>
-            </a:endParaRPr>
-          </a:p>
-          <a:p>
-            <a:pPr defTabSz="1219170">
-              <a:buClr>
-                <a:srgbClr val="000000"/>
-              </a:buClr>
-            </a:pPr>
-            <a:endParaRPr sz="3733" kern="0">
-              <a:solidFill>
-                <a:srgbClr val="FFFFFF"/>
-              </a:solidFill>
-              <a:latin typeface="Arial"/>
-              <a:cs typeface="Arial"/>
-              <a:sym typeface="Arial"/>
-            </a:endParaRPr>
-          </a:p>
-          <a:p>
-            <a:pPr defTabSz="1219170">
-              <a:buClr>
-                <a:srgbClr val="000000"/>
-              </a:buClr>
-            </a:pPr>
-            <a:r>
-              <a:rPr lang="en" sz="3733" kern="0">
-                <a:solidFill>
-                  <a:srgbClr val="FFFFFF"/>
-                </a:solidFill>
-                <a:latin typeface="Arial"/>
-                <a:cs typeface="Arial"/>
-                <a:sym typeface="Arial"/>
-              </a:rPr>
-              <a:t>When C1 = 1</a:t>
-            </a:r>
-            <a:endParaRPr sz="3733" kern="0">
-              <a:solidFill>
-                <a:srgbClr val="FFFFFF"/>
-              </a:solidFill>
-              <a:latin typeface="Arial"/>
-              <a:cs typeface="Arial"/>
-              <a:sym typeface="Arial"/>
-            </a:endParaRPr>
-          </a:p>
-          <a:p>
-            <a:pPr defTabSz="1219170">
-              <a:buClr>
-                <a:srgbClr val="000000"/>
-              </a:buClr>
-            </a:pPr>
-            <a:r>
-              <a:rPr lang="en" sz="3733" kern="0">
-                <a:solidFill>
-                  <a:srgbClr val="FFFFFF"/>
-                </a:solidFill>
-                <a:latin typeface="Arial"/>
-                <a:cs typeface="Arial"/>
-                <a:sym typeface="Arial"/>
-              </a:rPr>
-              <a:t>SUM(M) = 1*98 + 2*100 = 298</a:t>
-            </a:r>
-            <a:endParaRPr sz="3733" kern="0">
-              <a:solidFill>
-                <a:srgbClr val="FFFFFF"/>
-              </a:solidFill>
-              <a:latin typeface="Arial"/>
-              <a:cs typeface="Arial"/>
-              <a:sym typeface="Arial"/>
-            </a:endParaRPr>
+            <a:endParaRPr/>
           </a:p>
         </p:txBody>
       </p:sp>
     </p:spTree>
     <p:extLst>
       <p:ext uri="{BB962C8B-B14F-4D97-AF65-F5344CB8AC3E}">
-        <p14:creationId xmlns:p14="http://schemas.microsoft.com/office/powerpoint/2010/main" val="3039588430"/>
+        <p14:creationId xmlns:p14="http://schemas.microsoft.com/office/powerpoint/2010/main" val="481129948"/>
       </p:ext>
     </p:extLst>
   </p:cSld>
@@ -26288,7 +29104,7 @@
 </p:sld>
 </file>
 
-<file path=ppt/slides/slide30.xml><?xml version="1.0" encoding="utf-8"?>
+<file path=ppt/slides/slide40.xml><?xml version="1.0" encoding="utf-8"?>
 <p:sld xmlns:a="http://schemas.openxmlformats.org/drawingml/2006/main" xmlns:r="http://schemas.openxmlformats.org/officeDocument/2006/relationships" xmlns:p="http://schemas.openxmlformats.org/presentationml/2006/main">
   <p:cSld>
     <p:spTree>
@@ -26401,7 +29217,7 @@
 </p:sld>
 </file>
 
-<file path=ppt/slides/slide31.xml><?xml version="1.0" encoding="utf-8"?>
+<file path=ppt/slides/slide41.xml><?xml version="1.0" encoding="utf-8"?>
 <p:sld xmlns:a="http://schemas.openxmlformats.org/drawingml/2006/main" xmlns:r="http://schemas.openxmlformats.org/officeDocument/2006/relationships" xmlns:p="http://schemas.openxmlformats.org/presentationml/2006/main">
   <p:cSld>
     <p:spTree>
@@ -28481,7 +31297,7 @@
 </p:sld>
 </file>
 
-<file path=ppt/slides/slide32.xml><?xml version="1.0" encoding="utf-8"?>
+<file path=ppt/slides/slide42.xml><?xml version="1.0" encoding="utf-8"?>
 <p:sld xmlns:a="http://schemas.openxmlformats.org/drawingml/2006/main" xmlns:r="http://schemas.openxmlformats.org/officeDocument/2006/relationships" xmlns:p="http://schemas.openxmlformats.org/presentationml/2006/main">
   <p:cSld>
     <p:spTree>
@@ -30738,7 +33554,7 @@
 </p:sld>
 </file>
 
-<file path=ppt/slides/slide33.xml><?xml version="1.0" encoding="utf-8"?>
+<file path=ppt/slides/slide43.xml><?xml version="1.0" encoding="utf-8"?>
 <p:sld xmlns:a="http://schemas.openxmlformats.org/drawingml/2006/main" xmlns:r="http://schemas.openxmlformats.org/officeDocument/2006/relationships" xmlns:p="http://schemas.openxmlformats.org/presentationml/2006/main">
   <p:cSld>
     <p:spTree>
@@ -33163,7 +35979,7 @@
 </p:sld>
 </file>
 
-<file path=ppt/slides/slide34.xml><?xml version="1.0" encoding="utf-8"?>
+<file path=ppt/slides/slide44.xml><?xml version="1.0" encoding="utf-8"?>
 <p:sld xmlns:a="http://schemas.openxmlformats.org/drawingml/2006/main" xmlns:r="http://schemas.openxmlformats.org/officeDocument/2006/relationships" xmlns:p="http://schemas.openxmlformats.org/presentationml/2006/main">
   <p:cSld>
     <p:spTree>
@@ -35756,7 +38572,7 @@
 </p:sld>
 </file>
 
-<file path=ppt/slides/slide35.xml><?xml version="1.0" encoding="utf-8"?>
+<file path=ppt/slides/slide45.xml><?xml version="1.0" encoding="utf-8"?>
 <p:sld xmlns:a="http://schemas.openxmlformats.org/drawingml/2006/main" xmlns:r="http://schemas.openxmlformats.org/officeDocument/2006/relationships" xmlns:p="http://schemas.openxmlformats.org/presentationml/2006/main">
   <p:cSld>
     <p:spTree>
@@ -38628,7 +41444,7 @@
 </p:sld>
 </file>
 
-<file path=ppt/slides/slide36.xml><?xml version="1.0" encoding="utf-8"?>
+<file path=ppt/slides/slide46.xml><?xml version="1.0" encoding="utf-8"?>
 <p:sld xmlns:a="http://schemas.openxmlformats.org/drawingml/2006/main" xmlns:r="http://schemas.openxmlformats.org/officeDocument/2006/relationships" xmlns:p="http://schemas.openxmlformats.org/presentationml/2006/main">
   <p:cSld>
     <p:spTree>
@@ -38759,7 +41575,7 @@
 </p:sld>
 </file>
 
-<file path=ppt/slides/slide37.xml><?xml version="1.0" encoding="utf-8"?>
+<file path=ppt/slides/slide47.xml><?xml version="1.0" encoding="utf-8"?>
 <p:sld xmlns:a="http://schemas.openxmlformats.org/drawingml/2006/main" xmlns:r="http://schemas.openxmlformats.org/officeDocument/2006/relationships" xmlns:p="http://schemas.openxmlformats.org/presentationml/2006/main">
   <p:cSld>
     <p:spTree>
@@ -38893,7 +41709,7 @@
 </p:sld>
 </file>
 
-<file path=ppt/slides/slide38.xml><?xml version="1.0" encoding="utf-8"?>
+<file path=ppt/slides/slide48.xml><?xml version="1.0" encoding="utf-8"?>
 <p:sld xmlns:a="http://schemas.openxmlformats.org/drawingml/2006/main" xmlns:r="http://schemas.openxmlformats.org/officeDocument/2006/relationships" xmlns:p="http://schemas.openxmlformats.org/presentationml/2006/main">
   <p:cSld>
     <p:spTree>
@@ -39036,7 +41852,7 @@
 </p:sld>
 </file>
 
-<file path=ppt/slides/slide39.xml><?xml version="1.0" encoding="utf-8"?>
+<file path=ppt/slides/slide49.xml><?xml version="1.0" encoding="utf-8"?>
 <p:sld xmlns:a="http://schemas.openxmlformats.org/drawingml/2006/main" xmlns:r="http://schemas.openxmlformats.org/officeDocument/2006/relationships" xmlns:p="http://schemas.openxmlformats.org/presentationml/2006/main">
   <p:cSld>
     <p:spTree>
@@ -39123,12 +41939,12 @@
 </p:sld>
 </file>
 
-<file path=ppt/slides/slide4.xml><?xml version="1.0" encoding="utf-8"?>
+<file path=ppt/slides/slide5.xml><?xml version="1.0" encoding="utf-8"?>
 <p:sld xmlns:a="http://schemas.openxmlformats.org/drawingml/2006/main" xmlns:r="http://schemas.openxmlformats.org/officeDocument/2006/relationships" xmlns:p="http://schemas.openxmlformats.org/presentationml/2006/main">
   <p:cSld>
     <p:spTree>
       <p:nvGrpSpPr>
-        <p:cNvPr id="1" name="Shape 74"/>
+        <p:cNvPr id="1" name="Shape 59"/>
         <p:cNvGrpSpPr/>
         <p:nvPr/>
       </p:nvGrpSpPr>
@@ -39142,7 +41958,7 @@
       </p:grpSpPr>
       <p:sp>
         <p:nvSpPr>
-          <p:cNvPr id="75" name="Google Shape;75;p16"/>
+          <p:cNvPr id="60" name="Google Shape;60;p14"/>
           <p:cNvSpPr txBox="1">
             <a:spLocks noGrp="1"/>
           </p:cNvSpPr>
@@ -39167,7 +41983,7 @@
           <a:p>
             <a:r>
               <a:rPr lang="en"/>
-              <a:t>Sample + Seek</a:t>
+              <a:t>Big Data Visualization</a:t>
             </a:r>
             <a:endParaRPr/>
           </a:p>
@@ -39175,7 +41991,7 @@
       </p:sp>
       <p:sp>
         <p:nvSpPr>
-          <p:cNvPr id="76" name="Google Shape;76;p16"/>
+          <p:cNvPr id="61" name="Google Shape;61;p14"/>
           <p:cNvSpPr txBox="1">
             <a:spLocks noGrp="1"/>
           </p:cNvSpPr>
@@ -39199,232 +42015,682 @@
           <a:lstStyle/>
           <a:p>
             <a:pPr marL="0" indent="0">
-              <a:lnSpc>
-                <a:spcPct val="100000"/>
-              </a:lnSpc>
+              <a:spcAft>
+                <a:spcPts val="2133"/>
+              </a:spcAft>
               <a:buNone/>
             </a:pPr>
-            <a:endParaRPr sz="3733">
-              <a:solidFill>
-                <a:schemeClr val="dk1"/>
-              </a:solidFill>
-            </a:endParaRPr>
-          </a:p>
-        </p:txBody>
-      </p:sp>
-      <p:pic>
-        <p:nvPicPr>
-          <p:cNvPr id="77" name="Google Shape;77;p16"/>
-          <p:cNvPicPr preferRelativeResize="0"/>
+            <a:endParaRPr/>
+          </a:p>
+        </p:txBody>
+      </p:sp>
+      <p:graphicFrame>
+        <p:nvGraphicFramePr>
+          <p:cNvPr id="62" name="Google Shape;62;p14"/>
+          <p:cNvGraphicFramePr/>
           <p:nvPr/>
-        </p:nvPicPr>
-        <p:blipFill>
-          <a:blip r:embed="rId3">
-            <a:alphaModFix/>
-          </a:blip>
-          <a:stretch>
-            <a:fillRect/>
-          </a:stretch>
-        </p:blipFill>
-        <p:spPr>
-          <a:xfrm>
-            <a:off x="415585" y="1536633"/>
-            <a:ext cx="4356100" cy="4800600"/>
-          </a:xfrm>
-          <a:prstGeom prst="rect">
-            <a:avLst/>
-          </a:prstGeom>
-          <a:noFill/>
-          <a:ln>
-            <a:noFill/>
-          </a:ln>
-        </p:spPr>
-      </p:pic>
-      <p:sp>
-        <p:nvSpPr>
-          <p:cNvPr id="78" name="Google Shape;78;p16"/>
-          <p:cNvSpPr txBox="1"/>
-          <p:nvPr/>
-        </p:nvSpPr>
-        <p:spPr>
-          <a:xfrm>
-            <a:off x="4771700" y="1536533"/>
-            <a:ext cx="8459600" cy="4800800"/>
-          </a:xfrm>
-          <a:prstGeom prst="rect">
-            <a:avLst/>
-          </a:prstGeom>
-          <a:noFill/>
-          <a:ln>
-            <a:noFill/>
-          </a:ln>
-        </p:spPr>
-        <p:txBody>
-          <a:bodyPr spcFirstLastPara="1" wrap="square" lIns="121900" tIns="121900" rIns="121900" bIns="121900" anchor="ctr" anchorCtr="0">
-            <a:noAutofit/>
-          </a:bodyPr>
-          <a:lstStyle/>
-          <a:p>
-            <a:pPr defTabSz="1219170">
-              <a:buClr>
-                <a:srgbClr val="000000"/>
-              </a:buClr>
-            </a:pPr>
-            <a:r>
-              <a:rPr lang="en" sz="3733" kern="0">
-                <a:solidFill>
-                  <a:srgbClr val="FFFFFF"/>
-                </a:solidFill>
-                <a:latin typeface="Arial"/>
-                <a:cs typeface="Arial"/>
-                <a:sym typeface="Arial"/>
-              </a:rPr>
-              <a:t>SELECT C1 , SUM(M) FROM T GROUP BY C1</a:t>
-            </a:r>
-            <a:endParaRPr sz="3733" kern="0">
-              <a:solidFill>
-                <a:srgbClr val="FFFFFF"/>
-              </a:solidFill>
-              <a:latin typeface="Arial"/>
-              <a:cs typeface="Arial"/>
-              <a:sym typeface="Arial"/>
-            </a:endParaRPr>
-          </a:p>
-          <a:p>
-            <a:pPr defTabSz="1219170">
-              <a:buClr>
-                <a:srgbClr val="000000"/>
-              </a:buClr>
-            </a:pPr>
-            <a:endParaRPr sz="3733" kern="0">
-              <a:solidFill>
-                <a:srgbClr val="FFFFFF"/>
-              </a:solidFill>
-              <a:latin typeface="Arial"/>
-              <a:cs typeface="Arial"/>
-              <a:sym typeface="Arial"/>
-            </a:endParaRPr>
-          </a:p>
-          <a:p>
-            <a:pPr defTabSz="1219170">
-              <a:buClr>
-                <a:srgbClr val="000000"/>
-              </a:buClr>
-            </a:pPr>
-            <a:r>
-              <a:rPr lang="en" sz="3733" kern="0">
-                <a:solidFill>
-                  <a:srgbClr val="FFFFFF"/>
-                </a:solidFill>
-                <a:latin typeface="Arial"/>
-                <a:cs typeface="Arial"/>
-                <a:sym typeface="Arial"/>
-              </a:rPr>
-              <a:t>&lt;190/488,298/488&gt; = &lt;0.39,0.61&gt;</a:t>
-            </a:r>
-            <a:endParaRPr sz="3733" kern="0">
-              <a:solidFill>
-                <a:srgbClr val="FFFFFF"/>
-              </a:solidFill>
-              <a:latin typeface="Arial"/>
-              <a:cs typeface="Arial"/>
-              <a:sym typeface="Arial"/>
-            </a:endParaRPr>
-          </a:p>
-          <a:p>
-            <a:pPr defTabSz="1219170">
-              <a:buClr>
-                <a:srgbClr val="000000"/>
-              </a:buClr>
-            </a:pPr>
-            <a:endParaRPr sz="3733" kern="0">
-              <a:solidFill>
-                <a:srgbClr val="FFFFFF"/>
-              </a:solidFill>
-              <a:latin typeface="Arial"/>
-              <a:cs typeface="Arial"/>
-              <a:sym typeface="Arial"/>
-            </a:endParaRPr>
-          </a:p>
-          <a:p>
-            <a:pPr defTabSz="1219170">
-              <a:buClr>
-                <a:srgbClr val="000000"/>
-              </a:buClr>
-            </a:pPr>
-            <a:endParaRPr sz="3733" kern="0">
-              <a:solidFill>
-                <a:srgbClr val="FFFFFF"/>
-              </a:solidFill>
-              <a:latin typeface="Arial"/>
-              <a:cs typeface="Arial"/>
-              <a:sym typeface="Arial"/>
-            </a:endParaRPr>
-          </a:p>
-          <a:p>
-            <a:pPr defTabSz="1219170">
-              <a:buClr>
-                <a:srgbClr val="000000"/>
-              </a:buClr>
-            </a:pPr>
-            <a:endParaRPr sz="3733" kern="0">
-              <a:solidFill>
-                <a:srgbClr val="FFFFFF"/>
-              </a:solidFill>
-              <a:latin typeface="Arial"/>
-              <a:cs typeface="Arial"/>
-              <a:sym typeface="Arial"/>
-            </a:endParaRPr>
-          </a:p>
-          <a:p>
-            <a:pPr defTabSz="1219170">
-              <a:buClr>
-                <a:srgbClr val="000000"/>
-              </a:buClr>
-            </a:pPr>
-            <a:endParaRPr sz="3733" kern="0">
-              <a:solidFill>
-                <a:srgbClr val="FFFFFF"/>
-              </a:solidFill>
-              <a:latin typeface="Arial"/>
-              <a:cs typeface="Arial"/>
-              <a:sym typeface="Arial"/>
-            </a:endParaRPr>
-          </a:p>
-        </p:txBody>
-      </p:sp>
-      <p:pic>
-        <p:nvPicPr>
-          <p:cNvPr id="79" name="Google Shape;79;p16"/>
-          <p:cNvPicPr preferRelativeResize="0"/>
-          <p:nvPr/>
-        </p:nvPicPr>
-        <p:blipFill>
-          <a:blip r:embed="rId4">
-            <a:alphaModFix/>
-          </a:blip>
-          <a:stretch>
-            <a:fillRect/>
-          </a:stretch>
-        </p:blipFill>
-        <p:spPr>
-          <a:xfrm>
-            <a:off x="6751885" y="3987818"/>
-            <a:ext cx="2578100" cy="2349500"/>
-          </a:xfrm>
-          <a:prstGeom prst="rect">
-            <a:avLst/>
-          </a:prstGeom>
-          <a:noFill/>
-          <a:ln>
-            <a:noFill/>
-          </a:ln>
-        </p:spPr>
-      </p:pic>
+        </p:nvGraphicFramePr>
+        <p:xfrm>
+          <a:off x="415600" y="1536600"/>
+          <a:ext cx="11360799" cy="4796280"/>
+        </p:xfrm>
+        <a:graphic>
+          <a:graphicData uri="http://schemas.openxmlformats.org/drawingml/2006/table">
+            <a:tbl>
+              <a:tblPr>
+                <a:noFill/>
+              </a:tblPr>
+              <a:tblGrid>
+                <a:gridCol w="3786933">
+                  <a:extLst>
+                    <a:ext uri="{9D8B030D-6E8A-4147-A177-3AD203B41FA5}">
+                      <a16:colId xmlns:a16="http://schemas.microsoft.com/office/drawing/2014/main" val="20000"/>
+                    </a:ext>
+                  </a:extLst>
+                </a:gridCol>
+                <a:gridCol w="3786933">
+                  <a:extLst>
+                    <a:ext uri="{9D8B030D-6E8A-4147-A177-3AD203B41FA5}">
+                      <a16:colId xmlns:a16="http://schemas.microsoft.com/office/drawing/2014/main" val="20001"/>
+                    </a:ext>
+                  </a:extLst>
+                </a:gridCol>
+                <a:gridCol w="3786933">
+                  <a:extLst>
+                    <a:ext uri="{9D8B030D-6E8A-4147-A177-3AD203B41FA5}">
+                      <a16:colId xmlns:a16="http://schemas.microsoft.com/office/drawing/2014/main" val="20002"/>
+                    </a:ext>
+                  </a:extLst>
+                </a:gridCol>
+              </a:tblGrid>
+              <a:tr h="1138800">
+                <a:tc>
+                  <a:txBody>
+                    <a:bodyPr/>
+                    <a:lstStyle/>
+                    <a:p>
+                      <a:pPr marL="0" lvl="0" indent="0" algn="l" rtl="0">
+                        <a:spcBef>
+                          <a:spcPts val="0"/>
+                        </a:spcBef>
+                        <a:spcAft>
+                          <a:spcPts val="0"/>
+                        </a:spcAft>
+                        <a:buNone/>
+                      </a:pPr>
+                      <a:endParaRPr sz="2500"/>
+                    </a:p>
+                  </a:txBody>
+                  <a:tcPr marL="121900" marR="121900" marT="121900" marB="121900">
+                    <a:lnB w="9525" cap="flat" cmpd="sng">
+                      <a:solidFill>
+                        <a:srgbClr val="FFFFFF"/>
+                      </a:solidFill>
+                      <a:prstDash val="solid"/>
+                      <a:round/>
+                      <a:headEnd type="none" w="sm" len="sm"/>
+                      <a:tailEnd type="none" w="sm" len="sm"/>
+                    </a:lnB>
+                  </a:tcPr>
+                </a:tc>
+                <a:tc>
+                  <a:txBody>
+                    <a:bodyPr/>
+                    <a:lstStyle/>
+                    <a:p>
+                      <a:pPr marL="0" marR="0" lvl="0" indent="0" algn="l" rtl="0">
+                        <a:lnSpc>
+                          <a:spcPct val="100000"/>
+                        </a:lnSpc>
+                        <a:spcBef>
+                          <a:spcPts val="0"/>
+                        </a:spcBef>
+                        <a:spcAft>
+                          <a:spcPts val="0"/>
+                        </a:spcAft>
+                        <a:buNone/>
+                      </a:pPr>
+                      <a:r>
+                        <a:rPr lang="en" sz="3200" b="1">
+                          <a:solidFill>
+                            <a:srgbClr val="FFFFFF"/>
+                          </a:solidFill>
+                        </a:rPr>
+                        <a:t>Pros</a:t>
+                      </a:r>
+                      <a:endParaRPr sz="3200" b="1">
+                        <a:solidFill>
+                          <a:srgbClr val="FFFFFF"/>
+                        </a:solidFill>
+                      </a:endParaRPr>
+                    </a:p>
+                  </a:txBody>
+                  <a:tcPr marL="121900" marR="121900" marT="121900" marB="121900"/>
+                </a:tc>
+                <a:tc>
+                  <a:txBody>
+                    <a:bodyPr/>
+                    <a:lstStyle/>
+                    <a:p>
+                      <a:pPr marL="0" marR="0" lvl="0" indent="0" algn="l" rtl="0">
+                        <a:lnSpc>
+                          <a:spcPct val="100000"/>
+                        </a:lnSpc>
+                        <a:spcBef>
+                          <a:spcPts val="0"/>
+                        </a:spcBef>
+                        <a:spcAft>
+                          <a:spcPts val="0"/>
+                        </a:spcAft>
+                        <a:buNone/>
+                      </a:pPr>
+                      <a:r>
+                        <a:rPr lang="en" sz="3200" b="1">
+                          <a:solidFill>
+                            <a:srgbClr val="FFFFFF"/>
+                          </a:solidFill>
+                        </a:rPr>
+                        <a:t>Cons</a:t>
+                      </a:r>
+                      <a:endParaRPr sz="3200" b="1">
+                        <a:solidFill>
+                          <a:srgbClr val="FFFFFF"/>
+                        </a:solidFill>
+                      </a:endParaRPr>
+                    </a:p>
+                  </a:txBody>
+                  <a:tcPr marL="121900" marR="121900" marT="121900" marB="121900"/>
+                </a:tc>
+                <a:extLst>
+                  <a:ext uri="{0D108BD9-81ED-4DB2-BD59-A6C34878D82A}">
+                    <a16:rowId xmlns:a16="http://schemas.microsoft.com/office/drawing/2014/main" val="10000"/>
+                  </a:ext>
+                </a:extLst>
+              </a:tr>
+              <a:tr h="1219160">
+                <a:tc>
+                  <a:txBody>
+                    <a:bodyPr/>
+                    <a:lstStyle/>
+                    <a:p>
+                      <a:pPr marL="0" lvl="0" indent="0" algn="l" rtl="0">
+                        <a:spcBef>
+                          <a:spcPts val="0"/>
+                        </a:spcBef>
+                        <a:spcAft>
+                          <a:spcPts val="0"/>
+                        </a:spcAft>
+                        <a:buNone/>
+                      </a:pPr>
+                      <a:r>
+                        <a:rPr lang="en" sz="3200" b="1">
+                          <a:solidFill>
+                            <a:srgbClr val="FFFFFF"/>
+                          </a:solidFill>
+                        </a:rPr>
+                        <a:t>Distributed System</a:t>
+                      </a:r>
+                      <a:endParaRPr sz="3200" b="1">
+                        <a:solidFill>
+                          <a:srgbClr val="FFFFFF"/>
+                        </a:solidFill>
+                      </a:endParaRPr>
+                    </a:p>
+                  </a:txBody>
+                  <a:tcPr marL="121900" marR="121900" marT="121900" marB="121900">
+                    <a:lnL w="9525" cap="flat" cmpd="sng">
+                      <a:solidFill>
+                        <a:srgbClr val="FFFFFF"/>
+                      </a:solidFill>
+                      <a:prstDash val="solid"/>
+                      <a:round/>
+                      <a:headEnd type="none" w="sm" len="sm"/>
+                      <a:tailEnd type="none" w="sm" len="sm"/>
+                    </a:lnL>
+                    <a:lnR w="9525" cap="flat" cmpd="sng">
+                      <a:solidFill>
+                        <a:srgbClr val="FFFFFF"/>
+                      </a:solidFill>
+                      <a:prstDash val="solid"/>
+                      <a:round/>
+                      <a:headEnd type="none" w="sm" len="sm"/>
+                      <a:tailEnd type="none" w="sm" len="sm"/>
+                    </a:lnR>
+                    <a:lnT w="9525" cap="flat" cmpd="sng">
+                      <a:solidFill>
+                        <a:srgbClr val="FFFFFF"/>
+                      </a:solidFill>
+                      <a:prstDash val="solid"/>
+                      <a:round/>
+                      <a:headEnd type="none" w="sm" len="sm"/>
+                      <a:tailEnd type="none" w="sm" len="sm"/>
+                    </a:lnT>
+                    <a:lnB w="9525" cap="flat" cmpd="sng">
+                      <a:solidFill>
+                        <a:srgbClr val="FFFFFF"/>
+                      </a:solidFill>
+                      <a:prstDash val="solid"/>
+                      <a:round/>
+                      <a:headEnd type="none" w="sm" len="sm"/>
+                      <a:tailEnd type="none" w="sm" len="sm"/>
+                    </a:lnB>
+                  </a:tcPr>
+                </a:tc>
+                <a:tc>
+                  <a:txBody>
+                    <a:bodyPr/>
+                    <a:lstStyle/>
+                    <a:p>
+                      <a:pPr marL="0" marR="0" lvl="0" indent="0" algn="l" rtl="0">
+                        <a:lnSpc>
+                          <a:spcPct val="100000"/>
+                        </a:lnSpc>
+                        <a:spcBef>
+                          <a:spcPts val="0"/>
+                        </a:spcBef>
+                        <a:spcAft>
+                          <a:spcPts val="0"/>
+                        </a:spcAft>
+                        <a:buNone/>
+                      </a:pPr>
+                      <a:r>
+                        <a:rPr lang="en" sz="3200" b="1">
+                          <a:solidFill>
+                            <a:srgbClr val="FFFFFF"/>
+                          </a:solidFill>
+                        </a:rPr>
+                        <a:t>General query</a:t>
+                      </a:r>
+                      <a:endParaRPr sz="3200" b="1">
+                        <a:solidFill>
+                          <a:srgbClr val="FFFFFF"/>
+                        </a:solidFill>
+                      </a:endParaRPr>
+                    </a:p>
+                    <a:p>
+                      <a:pPr marL="0" marR="0" lvl="0" indent="0" algn="l" rtl="0">
+                        <a:lnSpc>
+                          <a:spcPct val="100000"/>
+                        </a:lnSpc>
+                        <a:spcBef>
+                          <a:spcPts val="0"/>
+                        </a:spcBef>
+                        <a:spcAft>
+                          <a:spcPts val="0"/>
+                        </a:spcAft>
+                        <a:buNone/>
+                      </a:pPr>
+                      <a:r>
+                        <a:rPr lang="en" sz="3200" b="1">
+                          <a:solidFill>
+                            <a:srgbClr val="FFFFFF"/>
+                          </a:solidFill>
+                        </a:rPr>
+                        <a:t>Precise</a:t>
+                      </a:r>
+                      <a:endParaRPr sz="3200" b="1">
+                        <a:solidFill>
+                          <a:srgbClr val="FFFFFF"/>
+                        </a:solidFill>
+                      </a:endParaRPr>
+                    </a:p>
+                  </a:txBody>
+                  <a:tcPr marL="121900" marR="121900" marT="121900" marB="121900">
+                    <a:lnL w="9525" cap="flat" cmpd="sng">
+                      <a:solidFill>
+                        <a:srgbClr val="FFFFFF"/>
+                      </a:solidFill>
+                      <a:prstDash val="solid"/>
+                      <a:round/>
+                      <a:headEnd type="none" w="sm" len="sm"/>
+                      <a:tailEnd type="none" w="sm" len="sm"/>
+                    </a:lnL>
+                  </a:tcPr>
+                </a:tc>
+                <a:tc>
+                  <a:txBody>
+                    <a:bodyPr/>
+                    <a:lstStyle/>
+                    <a:p>
+                      <a:pPr marL="0" marR="0" lvl="0" indent="0" algn="l" rtl="0">
+                        <a:lnSpc>
+                          <a:spcPct val="100000"/>
+                        </a:lnSpc>
+                        <a:spcBef>
+                          <a:spcPts val="0"/>
+                        </a:spcBef>
+                        <a:spcAft>
+                          <a:spcPts val="0"/>
+                        </a:spcAft>
+                        <a:buNone/>
+                      </a:pPr>
+                      <a:r>
+                        <a:rPr lang="en" sz="3200" b="1">
+                          <a:solidFill>
+                            <a:srgbClr val="FFFFFF"/>
+                          </a:solidFill>
+                        </a:rPr>
+                        <a:t>Network latency</a:t>
+                      </a:r>
+                      <a:endParaRPr sz="3200" b="1">
+                        <a:solidFill>
+                          <a:srgbClr val="FFFFFF"/>
+                        </a:solidFill>
+                      </a:endParaRPr>
+                    </a:p>
+                    <a:p>
+                      <a:pPr marL="0" marR="0" lvl="0" indent="0" algn="l" rtl="0">
+                        <a:lnSpc>
+                          <a:spcPct val="100000"/>
+                        </a:lnSpc>
+                        <a:spcBef>
+                          <a:spcPts val="0"/>
+                        </a:spcBef>
+                        <a:spcAft>
+                          <a:spcPts val="0"/>
+                        </a:spcAft>
+                        <a:buNone/>
+                      </a:pPr>
+                      <a:r>
+                        <a:rPr lang="en" sz="3200" b="1">
+                          <a:solidFill>
+                            <a:srgbClr val="FFFFFF"/>
+                          </a:solidFill>
+                        </a:rPr>
+                        <a:t>Costly</a:t>
+                      </a:r>
+                      <a:endParaRPr sz="3200" b="1">
+                        <a:solidFill>
+                          <a:srgbClr val="FFFFFF"/>
+                        </a:solidFill>
+                      </a:endParaRPr>
+                    </a:p>
+                  </a:txBody>
+                  <a:tcPr marL="121900" marR="121900" marT="121900" marB="121900"/>
+                </a:tc>
+                <a:extLst>
+                  <a:ext uri="{0D108BD9-81ED-4DB2-BD59-A6C34878D82A}">
+                    <a16:rowId xmlns:a16="http://schemas.microsoft.com/office/drawing/2014/main" val="10001"/>
+                  </a:ext>
+                </a:extLst>
+              </a:tr>
+              <a:tr h="1219160">
+                <a:tc>
+                  <a:txBody>
+                    <a:bodyPr/>
+                    <a:lstStyle/>
+                    <a:p>
+                      <a:pPr marL="0" marR="0" lvl="0" indent="0" algn="l" rtl="0">
+                        <a:lnSpc>
+                          <a:spcPct val="100000"/>
+                        </a:lnSpc>
+                        <a:spcBef>
+                          <a:spcPts val="0"/>
+                        </a:spcBef>
+                        <a:spcAft>
+                          <a:spcPts val="0"/>
+                        </a:spcAft>
+                        <a:buNone/>
+                      </a:pPr>
+                      <a:r>
+                        <a:rPr lang="en" sz="3200" b="1">
+                          <a:solidFill>
+                            <a:srgbClr val="FFFFFF"/>
+                          </a:solidFill>
+                        </a:rPr>
+                        <a:t>Data Cube</a:t>
+                      </a:r>
+                      <a:endParaRPr sz="3200" b="1">
+                        <a:solidFill>
+                          <a:srgbClr val="FFFFFF"/>
+                        </a:solidFill>
+                      </a:endParaRPr>
+                    </a:p>
+                  </a:txBody>
+                  <a:tcPr marL="121900" marR="121900" marT="121900" marB="121900">
+                    <a:lnT w="9525" cap="flat" cmpd="sng">
+                      <a:solidFill>
+                        <a:srgbClr val="FFFFFF"/>
+                      </a:solidFill>
+                      <a:prstDash val="solid"/>
+                      <a:round/>
+                      <a:headEnd type="none" w="sm" len="sm"/>
+                      <a:tailEnd type="none" w="sm" len="sm"/>
+                    </a:lnT>
+                  </a:tcPr>
+                </a:tc>
+                <a:tc>
+                  <a:txBody>
+                    <a:bodyPr/>
+                    <a:lstStyle/>
+                    <a:p>
+                      <a:pPr marL="0" marR="0" lvl="0" indent="0" algn="l" rtl="0">
+                        <a:lnSpc>
+                          <a:spcPct val="100000"/>
+                        </a:lnSpc>
+                        <a:spcBef>
+                          <a:spcPts val="0"/>
+                        </a:spcBef>
+                        <a:spcAft>
+                          <a:spcPts val="0"/>
+                        </a:spcAft>
+                        <a:buNone/>
+                      </a:pPr>
+                      <a:r>
+                        <a:rPr lang="en" sz="3200" b="1">
+                          <a:solidFill>
+                            <a:srgbClr val="FFFFFF"/>
+                          </a:solidFill>
+                        </a:rPr>
+                        <a:t>Fast </a:t>
+                      </a:r>
+                      <a:endParaRPr sz="3200" b="1">
+                        <a:solidFill>
+                          <a:srgbClr val="FFFFFF"/>
+                        </a:solidFill>
+                      </a:endParaRPr>
+                    </a:p>
+                    <a:p>
+                      <a:pPr marL="0" marR="0" lvl="0" indent="0" algn="l" rtl="0">
+                        <a:lnSpc>
+                          <a:spcPct val="100000"/>
+                        </a:lnSpc>
+                        <a:spcBef>
+                          <a:spcPts val="0"/>
+                        </a:spcBef>
+                        <a:spcAft>
+                          <a:spcPts val="0"/>
+                        </a:spcAft>
+                        <a:buNone/>
+                      </a:pPr>
+                      <a:r>
+                        <a:rPr lang="en" sz="3200" b="1">
+                          <a:solidFill>
+                            <a:srgbClr val="FFFFFF"/>
+                          </a:solidFill>
+                        </a:rPr>
+                        <a:t>Precise</a:t>
+                      </a:r>
+                      <a:endParaRPr sz="3200" b="1">
+                        <a:solidFill>
+                          <a:srgbClr val="FFFFFF"/>
+                        </a:solidFill>
+                      </a:endParaRPr>
+                    </a:p>
+                  </a:txBody>
+                  <a:tcPr marL="121900" marR="121900" marT="121900" marB="121900"/>
+                </a:tc>
+                <a:tc>
+                  <a:txBody>
+                    <a:bodyPr/>
+                    <a:lstStyle/>
+                    <a:p>
+                      <a:pPr marL="0" marR="0" lvl="0" indent="0" algn="l" rtl="0">
+                        <a:lnSpc>
+                          <a:spcPct val="100000"/>
+                        </a:lnSpc>
+                        <a:spcBef>
+                          <a:spcPts val="0"/>
+                        </a:spcBef>
+                        <a:spcAft>
+                          <a:spcPts val="0"/>
+                        </a:spcAft>
+                        <a:buNone/>
+                      </a:pPr>
+                      <a:r>
+                        <a:rPr lang="en" sz="3200" b="1">
+                          <a:solidFill>
+                            <a:srgbClr val="FFFFFF"/>
+                          </a:solidFill>
+                        </a:rPr>
+                        <a:t>Precompute</a:t>
+                      </a:r>
+                      <a:endParaRPr sz="3200" b="1">
+                        <a:solidFill>
+                          <a:srgbClr val="FFFFFF"/>
+                        </a:solidFill>
+                      </a:endParaRPr>
+                    </a:p>
+                    <a:p>
+                      <a:pPr marL="0" marR="0" lvl="0" indent="0" algn="l" rtl="0">
+                        <a:lnSpc>
+                          <a:spcPct val="100000"/>
+                        </a:lnSpc>
+                        <a:spcBef>
+                          <a:spcPts val="0"/>
+                        </a:spcBef>
+                        <a:spcAft>
+                          <a:spcPts val="0"/>
+                        </a:spcAft>
+                        <a:buNone/>
+                      </a:pPr>
+                      <a:r>
+                        <a:rPr lang="en" sz="3200" b="1">
+                          <a:solidFill>
+                            <a:srgbClr val="FFFFFF"/>
+                          </a:solidFill>
+                        </a:rPr>
+                        <a:t>Limited query</a:t>
+                      </a:r>
+                      <a:endParaRPr sz="3200" b="1">
+                        <a:solidFill>
+                          <a:srgbClr val="FFFFFF"/>
+                        </a:solidFill>
+                      </a:endParaRPr>
+                    </a:p>
+                  </a:txBody>
+                  <a:tcPr marL="121900" marR="121900" marT="121900" marB="121900"/>
+                </a:tc>
+                <a:extLst>
+                  <a:ext uri="{0D108BD9-81ED-4DB2-BD59-A6C34878D82A}">
+                    <a16:rowId xmlns:a16="http://schemas.microsoft.com/office/drawing/2014/main" val="10002"/>
+                  </a:ext>
+                </a:extLst>
+              </a:tr>
+              <a:tr h="1219160">
+                <a:tc>
+                  <a:txBody>
+                    <a:bodyPr/>
+                    <a:lstStyle/>
+                    <a:p>
+                      <a:pPr marL="0" marR="0" lvl="0" indent="0" algn="l" rtl="0">
+                        <a:lnSpc>
+                          <a:spcPct val="100000"/>
+                        </a:lnSpc>
+                        <a:spcBef>
+                          <a:spcPts val="0"/>
+                        </a:spcBef>
+                        <a:spcAft>
+                          <a:spcPts val="0"/>
+                        </a:spcAft>
+                        <a:buNone/>
+                      </a:pPr>
+                      <a:r>
+                        <a:rPr lang="en" sz="3200" b="1">
+                          <a:solidFill>
+                            <a:srgbClr val="FFFFFF"/>
+                          </a:solidFill>
+                        </a:rPr>
+                        <a:t>Sampling</a:t>
+                      </a:r>
+                      <a:endParaRPr sz="3200" b="1">
+                        <a:solidFill>
+                          <a:srgbClr val="FFFFFF"/>
+                        </a:solidFill>
+                      </a:endParaRPr>
+                    </a:p>
+                  </a:txBody>
+                  <a:tcPr marL="121900" marR="121900" marT="121900" marB="121900"/>
+                </a:tc>
+                <a:tc>
+                  <a:txBody>
+                    <a:bodyPr/>
+                    <a:lstStyle/>
+                    <a:p>
+                      <a:pPr marL="0" marR="0" lvl="0" indent="0" algn="l" rtl="0">
+                        <a:lnSpc>
+                          <a:spcPct val="100000"/>
+                        </a:lnSpc>
+                        <a:spcBef>
+                          <a:spcPts val="0"/>
+                        </a:spcBef>
+                        <a:spcAft>
+                          <a:spcPts val="0"/>
+                        </a:spcAft>
+                        <a:buNone/>
+                      </a:pPr>
+                      <a:r>
+                        <a:rPr lang="en" sz="3200" b="1">
+                          <a:solidFill>
+                            <a:srgbClr val="FFFFFF"/>
+                          </a:solidFill>
+                        </a:rPr>
+                        <a:t>Fast</a:t>
+                      </a:r>
+                      <a:endParaRPr sz="3200" b="1">
+                        <a:solidFill>
+                          <a:srgbClr val="FFFFFF"/>
+                        </a:solidFill>
+                      </a:endParaRPr>
+                    </a:p>
+                    <a:p>
+                      <a:pPr marL="0" marR="0" lvl="0" indent="0" algn="l" rtl="0">
+                        <a:lnSpc>
+                          <a:spcPct val="100000"/>
+                        </a:lnSpc>
+                        <a:spcBef>
+                          <a:spcPts val="0"/>
+                        </a:spcBef>
+                        <a:spcAft>
+                          <a:spcPts val="0"/>
+                        </a:spcAft>
+                        <a:buNone/>
+                      </a:pPr>
+                      <a:r>
+                        <a:rPr lang="en" sz="3200" b="1">
+                          <a:solidFill>
+                            <a:srgbClr val="FFFFFF"/>
+                          </a:solidFill>
+                        </a:rPr>
+                        <a:t>General query</a:t>
+                      </a:r>
+                      <a:endParaRPr sz="3200" b="1">
+                        <a:solidFill>
+                          <a:srgbClr val="FFFFFF"/>
+                        </a:solidFill>
+                      </a:endParaRPr>
+                    </a:p>
+                  </a:txBody>
+                  <a:tcPr marL="121900" marR="121900" marT="121900" marB="121900"/>
+                </a:tc>
+                <a:tc>
+                  <a:txBody>
+                    <a:bodyPr/>
+                    <a:lstStyle/>
+                    <a:p>
+                      <a:pPr marL="0" marR="0" lvl="0" indent="0" algn="l" rtl="0">
+                        <a:lnSpc>
+                          <a:spcPct val="100000"/>
+                        </a:lnSpc>
+                        <a:spcBef>
+                          <a:spcPts val="0"/>
+                        </a:spcBef>
+                        <a:spcAft>
+                          <a:spcPts val="0"/>
+                        </a:spcAft>
+                        <a:buNone/>
+                      </a:pPr>
+                      <a:r>
+                        <a:rPr lang="en" sz="3200" b="1">
+                          <a:solidFill>
+                            <a:srgbClr val="FFFFFF"/>
+                          </a:solidFill>
+                        </a:rPr>
+                        <a:t>Not precise</a:t>
+                      </a:r>
+                      <a:endParaRPr sz="3200" b="1">
+                        <a:solidFill>
+                          <a:srgbClr val="FFFFFF"/>
+                        </a:solidFill>
+                      </a:endParaRPr>
+                    </a:p>
+                  </a:txBody>
+                  <a:tcPr marL="121900" marR="121900" marT="121900" marB="121900"/>
+                </a:tc>
+                <a:extLst>
+                  <a:ext uri="{0D108BD9-81ED-4DB2-BD59-A6C34878D82A}">
+                    <a16:rowId xmlns:a16="http://schemas.microsoft.com/office/drawing/2014/main" val="10003"/>
+                  </a:ext>
+                </a:extLst>
+              </a:tr>
+            </a:tbl>
+          </a:graphicData>
+        </a:graphic>
+      </p:graphicFrame>
     </p:spTree>
     <p:extLst>
       <p:ext uri="{BB962C8B-B14F-4D97-AF65-F5344CB8AC3E}">
-        <p14:creationId xmlns:p14="http://schemas.microsoft.com/office/powerpoint/2010/main" val="1080439914"/>
+        <p14:creationId xmlns:p14="http://schemas.microsoft.com/office/powerpoint/2010/main" val="1964864497"/>
       </p:ext>
     </p:extLst>
   </p:cSld>
@@ -39434,7 +42700,7 @@
 </p:sld>
 </file>
 
-<file path=ppt/slides/slide40.xml><?xml version="1.0" encoding="utf-8"?>
+<file path=ppt/slides/slide50.xml><?xml version="1.0" encoding="utf-8"?>
 <p:sld xmlns:a="http://schemas.openxmlformats.org/drawingml/2006/main" xmlns:r="http://schemas.openxmlformats.org/officeDocument/2006/relationships" xmlns:p="http://schemas.openxmlformats.org/presentationml/2006/main">
   <p:cSld>
     <p:spTree>
@@ -39521,7 +42787,7 @@
 </p:sld>
 </file>
 
-<file path=ppt/slides/slide41.xml><?xml version="1.0" encoding="utf-8"?>
+<file path=ppt/slides/slide51.xml><?xml version="1.0" encoding="utf-8"?>
 <p:sld xmlns:a="http://schemas.openxmlformats.org/drawingml/2006/main" xmlns:r="http://schemas.openxmlformats.org/officeDocument/2006/relationships" xmlns:p="http://schemas.openxmlformats.org/presentationml/2006/main">
   <p:cSld>
     <p:spTree>
@@ -39587,7 +42853,28 @@
           <a:bodyPr/>
           <a:lstStyle/>
           <a:p>
-            <a:endParaRPr lang="en-US"/>
+            <a:r>
+              <a:rPr lang="en-US" dirty="0"/>
+              <a:t>Writing </a:t>
+            </a:r>
+          </a:p>
+          <a:p>
+            <a:r>
+              <a:rPr lang="en-US" dirty="0"/>
+              <a:t>Presentation Style</a:t>
+            </a:r>
+          </a:p>
+          <a:p>
+            <a:r>
+              <a:rPr lang="en-US" dirty="0"/>
+              <a:t>Technical Details</a:t>
+            </a:r>
+          </a:p>
+          <a:p>
+            <a:r>
+              <a:rPr lang="en-US" dirty="0"/>
+              <a:t>Experiments?</a:t>
+            </a:r>
           </a:p>
         </p:txBody>
       </p:sp>
@@ -39604,7 +42891,1027 @@
 </p:sld>
 </file>
 
-<file path=ppt/slides/slide5.xml><?xml version="1.0" encoding="utf-8"?>
+<file path=ppt/slides/slide52.xml><?xml version="1.0" encoding="utf-8"?>
+<p:sld xmlns:a="http://schemas.openxmlformats.org/drawingml/2006/main" xmlns:r="http://schemas.openxmlformats.org/officeDocument/2006/relationships" xmlns:p="http://schemas.openxmlformats.org/presentationml/2006/main">
+  <p:cSld>
+    <p:spTree>
+      <p:nvGrpSpPr>
+        <p:cNvPr id="1" name=""/>
+        <p:cNvGrpSpPr/>
+        <p:nvPr/>
+      </p:nvGrpSpPr>
+      <p:grpSpPr>
+        <a:xfrm>
+          <a:off x="0" y="0"/>
+          <a:ext cx="0" cy="0"/>
+          <a:chOff x="0" y="0"/>
+          <a:chExt cx="0" cy="0"/>
+        </a:xfrm>
+      </p:grpSpPr>
+      <p:sp>
+        <p:nvSpPr>
+          <p:cNvPr id="2" name="Title 1">
+            <a:extLst>
+              <a:ext uri="{FF2B5EF4-FFF2-40B4-BE49-F238E27FC236}">
+                <a16:creationId xmlns:a16="http://schemas.microsoft.com/office/drawing/2014/main" id="{AC217E06-148C-184D-ABD9-BD6E05D1C6E8}"/>
+              </a:ext>
+            </a:extLst>
+          </p:cNvPr>
+          <p:cNvSpPr>
+            <a:spLocks noGrp="1"/>
+          </p:cNvSpPr>
+          <p:nvPr>
+            <p:ph type="title"/>
+          </p:nvPr>
+        </p:nvSpPr>
+        <p:spPr/>
+        <p:txBody>
+          <a:bodyPr/>
+          <a:lstStyle/>
+          <a:p>
+            <a:r>
+              <a:rPr lang="en-US" dirty="0"/>
+              <a:t>Discussion: Offline vs Online AQP</a:t>
+            </a:r>
+          </a:p>
+        </p:txBody>
+      </p:sp>
+      <p:sp>
+        <p:nvSpPr>
+          <p:cNvPr id="3" name="Content Placeholder 2">
+            <a:extLst>
+              <a:ext uri="{FF2B5EF4-FFF2-40B4-BE49-F238E27FC236}">
+                <a16:creationId xmlns:a16="http://schemas.microsoft.com/office/drawing/2014/main" id="{10CC792E-7E4B-4742-A5FF-100E596C34F7}"/>
+              </a:ext>
+            </a:extLst>
+          </p:cNvPr>
+          <p:cNvSpPr>
+            <a:spLocks noGrp="1"/>
+          </p:cNvSpPr>
+          <p:nvPr>
+            <p:ph idx="1"/>
+          </p:nvPr>
+        </p:nvSpPr>
+        <p:spPr/>
+        <p:txBody>
+          <a:bodyPr>
+            <a:normAutofit lnSpcReduction="10000"/>
+          </a:bodyPr>
+          <a:lstStyle/>
+          <a:p>
+            <a:pPr marL="0" indent="0">
+              <a:buNone/>
+            </a:pPr>
+            <a:r>
+              <a:rPr lang="en-US" dirty="0"/>
+              <a:t>What are the pros and cons of each type of method? </a:t>
+            </a:r>
+          </a:p>
+          <a:p>
+            <a:pPr marL="0" indent="0">
+              <a:buNone/>
+            </a:pPr>
+            <a:r>
+              <a:rPr lang="en-US" dirty="0"/>
+              <a:t>Are they different?</a:t>
+            </a:r>
+          </a:p>
+          <a:p>
+            <a:pPr marL="0" indent="0">
+              <a:buNone/>
+            </a:pPr>
+            <a:endParaRPr lang="en-US" dirty="0"/>
+          </a:p>
+          <a:p>
+            <a:r>
+              <a:rPr lang="en-US" dirty="0" err="1"/>
+              <a:t>Sample+Seek</a:t>
+            </a:r>
+            <a:r>
+              <a:rPr lang="en-US" dirty="0"/>
+              <a:t> is offline</a:t>
+            </a:r>
+          </a:p>
+          <a:p>
+            <a:pPr lvl="1"/>
+            <a:r>
+              <a:rPr lang="en-US" dirty="0"/>
+              <a:t>Know queries ahead of time</a:t>
+            </a:r>
+          </a:p>
+          <a:p>
+            <a:pPr lvl="1"/>
+            <a:r>
+              <a:rPr lang="en-US" dirty="0"/>
+              <a:t>Special schemes for classes of queries (S+S on joins?)</a:t>
+            </a:r>
+          </a:p>
+          <a:p>
+            <a:r>
+              <a:rPr lang="en-US" dirty="0" err="1"/>
+              <a:t>WanderJoin</a:t>
+            </a:r>
+            <a:r>
+              <a:rPr lang="en-US" dirty="0"/>
+              <a:t> is online</a:t>
+            </a:r>
+          </a:p>
+          <a:p>
+            <a:pPr lvl="1"/>
+            <a:r>
+              <a:rPr lang="en-US" dirty="0"/>
+              <a:t>Random sampling is </a:t>
+            </a:r>
+            <a:r>
+              <a:rPr lang="en-US" i="1" dirty="0"/>
+              <a:t>expensive</a:t>
+            </a:r>
+            <a:endParaRPr lang="en-US" dirty="0"/>
+          </a:p>
+          <a:p>
+            <a:pPr lvl="1"/>
+            <a:r>
+              <a:rPr lang="en-US" dirty="0"/>
+              <a:t>Disk:  20 random seeks / sec vs 300MB read / sec</a:t>
+            </a:r>
+          </a:p>
+          <a:p>
+            <a:pPr lvl="1"/>
+            <a:r>
+              <a:rPr lang="en-US" dirty="0"/>
+              <a:t>Data structures to accelerate </a:t>
+            </a:r>
+          </a:p>
+          <a:p>
+            <a:pPr marL="0" indent="0">
+              <a:buNone/>
+            </a:pPr>
+            <a:endParaRPr lang="en-US" dirty="0"/>
+          </a:p>
+        </p:txBody>
+      </p:sp>
+    </p:spTree>
+    <p:extLst>
+      <p:ext uri="{BB962C8B-B14F-4D97-AF65-F5344CB8AC3E}">
+        <p14:creationId xmlns:p14="http://schemas.microsoft.com/office/powerpoint/2010/main" val="3923396825"/>
+      </p:ext>
+    </p:extLst>
+  </p:cSld>
+  <p:clrMapOvr>
+    <a:masterClrMapping/>
+  </p:clrMapOvr>
+  <p:timing>
+    <p:tnLst>
+      <p:par>
+        <p:cTn id="1" dur="indefinite" restart="never" nodeType="tmRoot">
+          <p:childTnLst>
+            <p:seq concurrent="1" nextAc="seek">
+              <p:cTn id="2" dur="indefinite" nodeType="mainSeq">
+                <p:childTnLst>
+                  <p:par>
+                    <p:cTn id="3" fill="hold">
+                      <p:stCondLst>
+                        <p:cond delay="indefinite"/>
+                      </p:stCondLst>
+                      <p:childTnLst>
+                        <p:par>
+                          <p:cTn id="4" fill="hold">
+                            <p:stCondLst>
+                              <p:cond delay="0"/>
+                            </p:stCondLst>
+                            <p:childTnLst>
+                              <p:par>
+                                <p:cTn id="5" presetID="1" presetClass="entr" presetSubtype="0" fill="hold" nodeType="clickEffect">
+                                  <p:stCondLst>
+                                    <p:cond delay="0"/>
+                                  </p:stCondLst>
+                                  <p:childTnLst>
+                                    <p:set>
+                                      <p:cBhvr>
+                                        <p:cTn id="6" dur="1" fill="hold">
+                                          <p:stCondLst>
+                                            <p:cond delay="0"/>
+                                          </p:stCondLst>
+                                        </p:cTn>
+                                        <p:tgtEl>
+                                          <p:spTgt spid="3">
+                                            <p:txEl>
+                                              <p:pRg st="4" end="4"/>
+                                            </p:txEl>
+                                          </p:spTgt>
+                                        </p:tgtEl>
+                                        <p:attrNameLst>
+                                          <p:attrName>style.visibility</p:attrName>
+                                        </p:attrNameLst>
+                                      </p:cBhvr>
+                                      <p:to>
+                                        <p:strVal val="visible"/>
+                                      </p:to>
+                                    </p:set>
+                                  </p:childTnLst>
+                                </p:cTn>
+                              </p:par>
+                              <p:par>
+                                <p:cTn id="7" presetID="1" presetClass="entr" presetSubtype="0" fill="hold" nodeType="withEffect">
+                                  <p:stCondLst>
+                                    <p:cond delay="0"/>
+                                  </p:stCondLst>
+                                  <p:childTnLst>
+                                    <p:set>
+                                      <p:cBhvr>
+                                        <p:cTn id="8" dur="1" fill="hold">
+                                          <p:stCondLst>
+                                            <p:cond delay="0"/>
+                                          </p:stCondLst>
+                                        </p:cTn>
+                                        <p:tgtEl>
+                                          <p:spTgt spid="3">
+                                            <p:txEl>
+                                              <p:pRg st="5" end="5"/>
+                                            </p:txEl>
+                                          </p:spTgt>
+                                        </p:tgtEl>
+                                        <p:attrNameLst>
+                                          <p:attrName>style.visibility</p:attrName>
+                                        </p:attrNameLst>
+                                      </p:cBhvr>
+                                      <p:to>
+                                        <p:strVal val="visible"/>
+                                      </p:to>
+                                    </p:set>
+                                  </p:childTnLst>
+                                </p:cTn>
+                              </p:par>
+                            </p:childTnLst>
+                          </p:cTn>
+                        </p:par>
+                      </p:childTnLst>
+                    </p:cTn>
+                  </p:par>
+                  <p:par>
+                    <p:cTn id="9" fill="hold">
+                      <p:stCondLst>
+                        <p:cond delay="indefinite"/>
+                      </p:stCondLst>
+                      <p:childTnLst>
+                        <p:par>
+                          <p:cTn id="10" fill="hold">
+                            <p:stCondLst>
+                              <p:cond delay="0"/>
+                            </p:stCondLst>
+                            <p:childTnLst>
+                              <p:par>
+                                <p:cTn id="11" presetID="1" presetClass="entr" presetSubtype="0" fill="hold" nodeType="clickEffect">
+                                  <p:stCondLst>
+                                    <p:cond delay="0"/>
+                                  </p:stCondLst>
+                                  <p:childTnLst>
+                                    <p:set>
+                                      <p:cBhvr>
+                                        <p:cTn id="12" dur="1" fill="hold">
+                                          <p:stCondLst>
+                                            <p:cond delay="0"/>
+                                          </p:stCondLst>
+                                        </p:cTn>
+                                        <p:tgtEl>
+                                          <p:spTgt spid="3">
+                                            <p:txEl>
+                                              <p:pRg st="7" end="7"/>
+                                            </p:txEl>
+                                          </p:spTgt>
+                                        </p:tgtEl>
+                                        <p:attrNameLst>
+                                          <p:attrName>style.visibility</p:attrName>
+                                        </p:attrNameLst>
+                                      </p:cBhvr>
+                                      <p:to>
+                                        <p:strVal val="visible"/>
+                                      </p:to>
+                                    </p:set>
+                                  </p:childTnLst>
+                                </p:cTn>
+                              </p:par>
+                              <p:par>
+                                <p:cTn id="13" presetID="1" presetClass="entr" presetSubtype="0" fill="hold" nodeType="withEffect">
+                                  <p:stCondLst>
+                                    <p:cond delay="0"/>
+                                  </p:stCondLst>
+                                  <p:childTnLst>
+                                    <p:set>
+                                      <p:cBhvr>
+                                        <p:cTn id="14" dur="1" fill="hold">
+                                          <p:stCondLst>
+                                            <p:cond delay="0"/>
+                                          </p:stCondLst>
+                                        </p:cTn>
+                                        <p:tgtEl>
+                                          <p:spTgt spid="3">
+                                            <p:txEl>
+                                              <p:pRg st="8" end="8"/>
+                                            </p:txEl>
+                                          </p:spTgt>
+                                        </p:tgtEl>
+                                        <p:attrNameLst>
+                                          <p:attrName>style.visibility</p:attrName>
+                                        </p:attrNameLst>
+                                      </p:cBhvr>
+                                      <p:to>
+                                        <p:strVal val="visible"/>
+                                      </p:to>
+                                    </p:set>
+                                  </p:childTnLst>
+                                </p:cTn>
+                              </p:par>
+                              <p:par>
+                                <p:cTn id="15" presetID="1" presetClass="entr" presetSubtype="0" fill="hold" nodeType="withEffect">
+                                  <p:stCondLst>
+                                    <p:cond delay="0"/>
+                                  </p:stCondLst>
+                                  <p:childTnLst>
+                                    <p:set>
+                                      <p:cBhvr>
+                                        <p:cTn id="16" dur="1" fill="hold">
+                                          <p:stCondLst>
+                                            <p:cond delay="0"/>
+                                          </p:stCondLst>
+                                        </p:cTn>
+                                        <p:tgtEl>
+                                          <p:spTgt spid="3">
+                                            <p:txEl>
+                                              <p:pRg st="9" end="9"/>
+                                            </p:txEl>
+                                          </p:spTgt>
+                                        </p:tgtEl>
+                                        <p:attrNameLst>
+                                          <p:attrName>style.visibility</p:attrName>
+                                        </p:attrNameLst>
+                                      </p:cBhvr>
+                                      <p:to>
+                                        <p:strVal val="visible"/>
+                                      </p:to>
+                                    </p:set>
+                                  </p:childTnLst>
+                                </p:cTn>
+                              </p:par>
+                            </p:childTnLst>
+                          </p:cTn>
+                        </p:par>
+                      </p:childTnLst>
+                    </p:cTn>
+                  </p:par>
+                </p:childTnLst>
+              </p:cTn>
+              <p:prevCondLst>
+                <p:cond evt="onPrev" delay="0">
+                  <p:tgtEl>
+                    <p:sldTgt/>
+                  </p:tgtEl>
+                </p:cond>
+              </p:prevCondLst>
+              <p:nextCondLst>
+                <p:cond evt="onNext" delay="0">
+                  <p:tgtEl>
+                    <p:sldTgt/>
+                  </p:tgtEl>
+                </p:cond>
+              </p:nextCondLst>
+            </p:seq>
+          </p:childTnLst>
+        </p:cTn>
+      </p:par>
+    </p:tnLst>
+  </p:timing>
+</p:sld>
+</file>
+
+<file path=ppt/slides/slide6.xml><?xml version="1.0" encoding="utf-8"?>
+<p:sld xmlns:a="http://schemas.openxmlformats.org/drawingml/2006/main" xmlns:r="http://schemas.openxmlformats.org/officeDocument/2006/relationships" xmlns:p="http://schemas.openxmlformats.org/presentationml/2006/main">
+  <p:cSld>
+    <p:spTree>
+      <p:nvGrpSpPr>
+        <p:cNvPr id="1" name="Shape 66"/>
+        <p:cNvGrpSpPr/>
+        <p:nvPr/>
+      </p:nvGrpSpPr>
+      <p:grpSpPr>
+        <a:xfrm>
+          <a:off x="0" y="0"/>
+          <a:ext cx="0" cy="0"/>
+          <a:chOff x="0" y="0"/>
+          <a:chExt cx="0" cy="0"/>
+        </a:xfrm>
+      </p:grpSpPr>
+      <p:sp>
+        <p:nvSpPr>
+          <p:cNvPr id="67" name="Google Shape;67;p15"/>
+          <p:cNvSpPr txBox="1">
+            <a:spLocks noGrp="1"/>
+          </p:cNvSpPr>
+          <p:nvPr>
+            <p:ph type="title"/>
+          </p:nvPr>
+        </p:nvSpPr>
+        <p:spPr>
+          <a:xfrm>
+            <a:off x="415600" y="593367"/>
+            <a:ext cx="11360800" cy="763600"/>
+          </a:xfrm>
+          <a:prstGeom prst="rect">
+            <a:avLst/>
+          </a:prstGeom>
+        </p:spPr>
+        <p:txBody>
+          <a:bodyPr spcFirstLastPara="1" wrap="square" lIns="121900" tIns="121900" rIns="121900" bIns="121900" anchor="t" anchorCtr="0">
+            <a:noAutofit/>
+          </a:bodyPr>
+          <a:lstStyle/>
+          <a:p>
+            <a:r>
+              <a:rPr lang="en"/>
+              <a:t>Sample + Seek</a:t>
+            </a:r>
+            <a:endParaRPr/>
+          </a:p>
+        </p:txBody>
+      </p:sp>
+      <p:sp>
+        <p:nvSpPr>
+          <p:cNvPr id="68" name="Google Shape;68;p15"/>
+          <p:cNvSpPr txBox="1">
+            <a:spLocks noGrp="1"/>
+          </p:cNvSpPr>
+          <p:nvPr>
+            <p:ph type="body" idx="1"/>
+          </p:nvPr>
+        </p:nvSpPr>
+        <p:spPr>
+          <a:xfrm>
+            <a:off x="415600" y="1536633"/>
+            <a:ext cx="11360800" cy="4555200"/>
+          </a:xfrm>
+          <a:prstGeom prst="rect">
+            <a:avLst/>
+          </a:prstGeom>
+        </p:spPr>
+        <p:txBody>
+          <a:bodyPr spcFirstLastPara="1" wrap="square" lIns="121900" tIns="121900" rIns="121900" bIns="121900" anchor="t" anchorCtr="0">
+            <a:noAutofit/>
+          </a:bodyPr>
+          <a:lstStyle/>
+          <a:p>
+            <a:pPr marL="0" indent="0">
+              <a:lnSpc>
+                <a:spcPct val="100000"/>
+              </a:lnSpc>
+              <a:buNone/>
+            </a:pPr>
+            <a:endParaRPr sz="3733">
+              <a:solidFill>
+                <a:schemeClr val="dk1"/>
+              </a:solidFill>
+            </a:endParaRPr>
+          </a:p>
+        </p:txBody>
+      </p:sp>
+      <p:pic>
+        <p:nvPicPr>
+          <p:cNvPr id="69" name="Google Shape;69;p15"/>
+          <p:cNvPicPr preferRelativeResize="0"/>
+          <p:nvPr/>
+        </p:nvPicPr>
+        <p:blipFill>
+          <a:blip r:embed="rId3">
+            <a:alphaModFix/>
+          </a:blip>
+          <a:stretch>
+            <a:fillRect/>
+          </a:stretch>
+        </p:blipFill>
+        <p:spPr>
+          <a:xfrm>
+            <a:off x="415585" y="1536633"/>
+            <a:ext cx="4356100" cy="4800600"/>
+          </a:xfrm>
+          <a:prstGeom prst="rect">
+            <a:avLst/>
+          </a:prstGeom>
+          <a:noFill/>
+          <a:ln>
+            <a:noFill/>
+          </a:ln>
+        </p:spPr>
+      </p:pic>
+      <p:sp>
+        <p:nvSpPr>
+          <p:cNvPr id="70" name="Google Shape;70;p15"/>
+          <p:cNvSpPr txBox="1"/>
+          <p:nvPr/>
+        </p:nvSpPr>
+        <p:spPr>
+          <a:xfrm>
+            <a:off x="4771700" y="1536533"/>
+            <a:ext cx="8459600" cy="4800800"/>
+          </a:xfrm>
+          <a:prstGeom prst="rect">
+            <a:avLst/>
+          </a:prstGeom>
+          <a:noFill/>
+          <a:ln>
+            <a:noFill/>
+          </a:ln>
+        </p:spPr>
+        <p:txBody>
+          <a:bodyPr spcFirstLastPara="1" wrap="square" lIns="121900" tIns="121900" rIns="121900" bIns="121900" anchor="ctr" anchorCtr="0">
+            <a:noAutofit/>
+          </a:bodyPr>
+          <a:lstStyle/>
+          <a:p>
+            <a:pPr defTabSz="1219170">
+              <a:buClr>
+                <a:srgbClr val="000000"/>
+              </a:buClr>
+            </a:pPr>
+            <a:r>
+              <a:rPr lang="en" sz="3733" kern="0">
+                <a:solidFill>
+                  <a:srgbClr val="FFFFFF"/>
+                </a:solidFill>
+                <a:latin typeface="Arial"/>
+                <a:cs typeface="Arial"/>
+                <a:sym typeface="Arial"/>
+              </a:rPr>
+              <a:t>SELECT C1 , SUM(M) FROM T GROUP BY C1</a:t>
+            </a:r>
+            <a:endParaRPr sz="3733" kern="0">
+              <a:solidFill>
+                <a:srgbClr val="FFFFFF"/>
+              </a:solidFill>
+              <a:latin typeface="Arial"/>
+              <a:cs typeface="Arial"/>
+              <a:sym typeface="Arial"/>
+            </a:endParaRPr>
+          </a:p>
+          <a:p>
+            <a:pPr defTabSz="1219170">
+              <a:buClr>
+                <a:srgbClr val="000000"/>
+              </a:buClr>
+            </a:pPr>
+            <a:endParaRPr sz="3733" kern="0">
+              <a:solidFill>
+                <a:srgbClr val="FFFFFF"/>
+              </a:solidFill>
+              <a:latin typeface="Arial"/>
+              <a:cs typeface="Arial"/>
+              <a:sym typeface="Arial"/>
+            </a:endParaRPr>
+          </a:p>
+          <a:p>
+            <a:pPr defTabSz="1219170">
+              <a:buClr>
+                <a:srgbClr val="000000"/>
+              </a:buClr>
+            </a:pPr>
+            <a:r>
+              <a:rPr lang="en" sz="3733" kern="0">
+                <a:solidFill>
+                  <a:srgbClr val="FFFFFF"/>
+                </a:solidFill>
+                <a:latin typeface="Arial"/>
+                <a:cs typeface="Arial"/>
+                <a:sym typeface="Arial"/>
+              </a:rPr>
+              <a:t>When C1 = 0.</a:t>
+            </a:r>
+            <a:endParaRPr sz="3733" kern="0">
+              <a:solidFill>
+                <a:srgbClr val="FFFFFF"/>
+              </a:solidFill>
+              <a:latin typeface="Arial"/>
+              <a:cs typeface="Arial"/>
+              <a:sym typeface="Arial"/>
+            </a:endParaRPr>
+          </a:p>
+          <a:p>
+            <a:pPr defTabSz="1219170">
+              <a:buClr>
+                <a:srgbClr val="000000"/>
+              </a:buClr>
+            </a:pPr>
+            <a:r>
+              <a:rPr lang="en" sz="3733" kern="0">
+                <a:solidFill>
+                  <a:srgbClr val="FFFFFF"/>
+                </a:solidFill>
+                <a:latin typeface="Arial"/>
+                <a:cs typeface="Arial"/>
+                <a:sym typeface="Arial"/>
+              </a:rPr>
+              <a:t>SUM(M) = 1*90 + 10*10 = 190</a:t>
+            </a:r>
+            <a:endParaRPr sz="3733" kern="0">
+              <a:solidFill>
+                <a:srgbClr val="FFFFFF"/>
+              </a:solidFill>
+              <a:latin typeface="Arial"/>
+              <a:cs typeface="Arial"/>
+              <a:sym typeface="Arial"/>
+            </a:endParaRPr>
+          </a:p>
+          <a:p>
+            <a:pPr defTabSz="1219170">
+              <a:buClr>
+                <a:srgbClr val="000000"/>
+              </a:buClr>
+            </a:pPr>
+            <a:endParaRPr sz="3733" kern="0">
+              <a:solidFill>
+                <a:srgbClr val="FFFFFF"/>
+              </a:solidFill>
+              <a:latin typeface="Arial"/>
+              <a:cs typeface="Arial"/>
+              <a:sym typeface="Arial"/>
+            </a:endParaRPr>
+          </a:p>
+          <a:p>
+            <a:pPr defTabSz="1219170">
+              <a:buClr>
+                <a:srgbClr val="000000"/>
+              </a:buClr>
+            </a:pPr>
+            <a:r>
+              <a:rPr lang="en" sz="3733" kern="0">
+                <a:solidFill>
+                  <a:srgbClr val="FFFFFF"/>
+                </a:solidFill>
+                <a:latin typeface="Arial"/>
+                <a:cs typeface="Arial"/>
+                <a:sym typeface="Arial"/>
+              </a:rPr>
+              <a:t>When C1 = 1</a:t>
+            </a:r>
+            <a:endParaRPr sz="3733" kern="0">
+              <a:solidFill>
+                <a:srgbClr val="FFFFFF"/>
+              </a:solidFill>
+              <a:latin typeface="Arial"/>
+              <a:cs typeface="Arial"/>
+              <a:sym typeface="Arial"/>
+            </a:endParaRPr>
+          </a:p>
+          <a:p>
+            <a:pPr defTabSz="1219170">
+              <a:buClr>
+                <a:srgbClr val="000000"/>
+              </a:buClr>
+            </a:pPr>
+            <a:r>
+              <a:rPr lang="en" sz="3733" kern="0">
+                <a:solidFill>
+                  <a:srgbClr val="FFFFFF"/>
+                </a:solidFill>
+                <a:latin typeface="Arial"/>
+                <a:cs typeface="Arial"/>
+                <a:sym typeface="Arial"/>
+              </a:rPr>
+              <a:t>SUM(M) = 1*98 + 2*100 = 298</a:t>
+            </a:r>
+            <a:endParaRPr sz="3733" kern="0">
+              <a:solidFill>
+                <a:srgbClr val="FFFFFF"/>
+              </a:solidFill>
+              <a:latin typeface="Arial"/>
+              <a:cs typeface="Arial"/>
+              <a:sym typeface="Arial"/>
+            </a:endParaRPr>
+          </a:p>
+        </p:txBody>
+      </p:sp>
+    </p:spTree>
+    <p:extLst>
+      <p:ext uri="{BB962C8B-B14F-4D97-AF65-F5344CB8AC3E}">
+        <p14:creationId xmlns:p14="http://schemas.microsoft.com/office/powerpoint/2010/main" val="3039588430"/>
+      </p:ext>
+    </p:extLst>
+  </p:cSld>
+  <p:clrMapOvr>
+    <a:masterClrMapping/>
+  </p:clrMapOvr>
+</p:sld>
+</file>
+
+<file path=ppt/slides/slide7.xml><?xml version="1.0" encoding="utf-8"?>
+<p:sld xmlns:a="http://schemas.openxmlformats.org/drawingml/2006/main" xmlns:r="http://schemas.openxmlformats.org/officeDocument/2006/relationships" xmlns:p="http://schemas.openxmlformats.org/presentationml/2006/main">
+  <p:cSld>
+    <p:spTree>
+      <p:nvGrpSpPr>
+        <p:cNvPr id="1" name="Shape 74"/>
+        <p:cNvGrpSpPr/>
+        <p:nvPr/>
+      </p:nvGrpSpPr>
+      <p:grpSpPr>
+        <a:xfrm>
+          <a:off x="0" y="0"/>
+          <a:ext cx="0" cy="0"/>
+          <a:chOff x="0" y="0"/>
+          <a:chExt cx="0" cy="0"/>
+        </a:xfrm>
+      </p:grpSpPr>
+      <p:sp>
+        <p:nvSpPr>
+          <p:cNvPr id="75" name="Google Shape;75;p16"/>
+          <p:cNvSpPr txBox="1">
+            <a:spLocks noGrp="1"/>
+          </p:cNvSpPr>
+          <p:nvPr>
+            <p:ph type="title"/>
+          </p:nvPr>
+        </p:nvSpPr>
+        <p:spPr>
+          <a:xfrm>
+            <a:off x="415600" y="593367"/>
+            <a:ext cx="11360800" cy="763600"/>
+          </a:xfrm>
+          <a:prstGeom prst="rect">
+            <a:avLst/>
+          </a:prstGeom>
+        </p:spPr>
+        <p:txBody>
+          <a:bodyPr spcFirstLastPara="1" wrap="square" lIns="121900" tIns="121900" rIns="121900" bIns="121900" anchor="t" anchorCtr="0">
+            <a:noAutofit/>
+          </a:bodyPr>
+          <a:lstStyle/>
+          <a:p>
+            <a:r>
+              <a:rPr lang="en"/>
+              <a:t>Sample + Seek</a:t>
+            </a:r>
+            <a:endParaRPr/>
+          </a:p>
+        </p:txBody>
+      </p:sp>
+      <p:sp>
+        <p:nvSpPr>
+          <p:cNvPr id="76" name="Google Shape;76;p16"/>
+          <p:cNvSpPr txBox="1">
+            <a:spLocks noGrp="1"/>
+          </p:cNvSpPr>
+          <p:nvPr>
+            <p:ph type="body" idx="1"/>
+          </p:nvPr>
+        </p:nvSpPr>
+        <p:spPr>
+          <a:xfrm>
+            <a:off x="415600" y="1536633"/>
+            <a:ext cx="11360800" cy="4555200"/>
+          </a:xfrm>
+          <a:prstGeom prst="rect">
+            <a:avLst/>
+          </a:prstGeom>
+        </p:spPr>
+        <p:txBody>
+          <a:bodyPr spcFirstLastPara="1" wrap="square" lIns="121900" tIns="121900" rIns="121900" bIns="121900" anchor="t" anchorCtr="0">
+            <a:noAutofit/>
+          </a:bodyPr>
+          <a:lstStyle/>
+          <a:p>
+            <a:pPr marL="0" indent="0">
+              <a:lnSpc>
+                <a:spcPct val="100000"/>
+              </a:lnSpc>
+              <a:buNone/>
+            </a:pPr>
+            <a:endParaRPr sz="3733">
+              <a:solidFill>
+                <a:schemeClr val="dk1"/>
+              </a:solidFill>
+            </a:endParaRPr>
+          </a:p>
+        </p:txBody>
+      </p:sp>
+      <p:pic>
+        <p:nvPicPr>
+          <p:cNvPr id="77" name="Google Shape;77;p16"/>
+          <p:cNvPicPr preferRelativeResize="0"/>
+          <p:nvPr/>
+        </p:nvPicPr>
+        <p:blipFill>
+          <a:blip r:embed="rId3">
+            <a:alphaModFix/>
+          </a:blip>
+          <a:stretch>
+            <a:fillRect/>
+          </a:stretch>
+        </p:blipFill>
+        <p:spPr>
+          <a:xfrm>
+            <a:off x="415585" y="1536633"/>
+            <a:ext cx="4356100" cy="4800600"/>
+          </a:xfrm>
+          <a:prstGeom prst="rect">
+            <a:avLst/>
+          </a:prstGeom>
+          <a:noFill/>
+          <a:ln>
+            <a:noFill/>
+          </a:ln>
+        </p:spPr>
+      </p:pic>
+      <p:sp>
+        <p:nvSpPr>
+          <p:cNvPr id="78" name="Google Shape;78;p16"/>
+          <p:cNvSpPr txBox="1"/>
+          <p:nvPr/>
+        </p:nvSpPr>
+        <p:spPr>
+          <a:xfrm>
+            <a:off x="4771700" y="1536533"/>
+            <a:ext cx="8459600" cy="4800800"/>
+          </a:xfrm>
+          <a:prstGeom prst="rect">
+            <a:avLst/>
+          </a:prstGeom>
+          <a:noFill/>
+          <a:ln>
+            <a:noFill/>
+          </a:ln>
+        </p:spPr>
+        <p:txBody>
+          <a:bodyPr spcFirstLastPara="1" wrap="square" lIns="121900" tIns="121900" rIns="121900" bIns="121900" anchor="ctr" anchorCtr="0">
+            <a:noAutofit/>
+          </a:bodyPr>
+          <a:lstStyle/>
+          <a:p>
+            <a:pPr defTabSz="1219170">
+              <a:buClr>
+                <a:srgbClr val="000000"/>
+              </a:buClr>
+            </a:pPr>
+            <a:r>
+              <a:rPr lang="en" sz="3733" kern="0">
+                <a:solidFill>
+                  <a:srgbClr val="FFFFFF"/>
+                </a:solidFill>
+                <a:latin typeface="Arial"/>
+                <a:cs typeface="Arial"/>
+                <a:sym typeface="Arial"/>
+              </a:rPr>
+              <a:t>SELECT C1 , SUM(M) FROM T GROUP BY C1</a:t>
+            </a:r>
+            <a:endParaRPr sz="3733" kern="0">
+              <a:solidFill>
+                <a:srgbClr val="FFFFFF"/>
+              </a:solidFill>
+              <a:latin typeface="Arial"/>
+              <a:cs typeface="Arial"/>
+              <a:sym typeface="Arial"/>
+            </a:endParaRPr>
+          </a:p>
+          <a:p>
+            <a:pPr defTabSz="1219170">
+              <a:buClr>
+                <a:srgbClr val="000000"/>
+              </a:buClr>
+            </a:pPr>
+            <a:endParaRPr sz="3733" kern="0">
+              <a:solidFill>
+                <a:srgbClr val="FFFFFF"/>
+              </a:solidFill>
+              <a:latin typeface="Arial"/>
+              <a:cs typeface="Arial"/>
+              <a:sym typeface="Arial"/>
+            </a:endParaRPr>
+          </a:p>
+          <a:p>
+            <a:pPr defTabSz="1219170">
+              <a:buClr>
+                <a:srgbClr val="000000"/>
+              </a:buClr>
+            </a:pPr>
+            <a:r>
+              <a:rPr lang="en" sz="3733" kern="0">
+                <a:solidFill>
+                  <a:srgbClr val="FFFFFF"/>
+                </a:solidFill>
+                <a:latin typeface="Arial"/>
+                <a:cs typeface="Arial"/>
+                <a:sym typeface="Arial"/>
+              </a:rPr>
+              <a:t>&lt;190/488,298/488&gt; = &lt;0.39,0.61&gt;</a:t>
+            </a:r>
+            <a:endParaRPr sz="3733" kern="0">
+              <a:solidFill>
+                <a:srgbClr val="FFFFFF"/>
+              </a:solidFill>
+              <a:latin typeface="Arial"/>
+              <a:cs typeface="Arial"/>
+              <a:sym typeface="Arial"/>
+            </a:endParaRPr>
+          </a:p>
+          <a:p>
+            <a:pPr defTabSz="1219170">
+              <a:buClr>
+                <a:srgbClr val="000000"/>
+              </a:buClr>
+            </a:pPr>
+            <a:endParaRPr sz="3733" kern="0">
+              <a:solidFill>
+                <a:srgbClr val="FFFFFF"/>
+              </a:solidFill>
+              <a:latin typeface="Arial"/>
+              <a:cs typeface="Arial"/>
+              <a:sym typeface="Arial"/>
+            </a:endParaRPr>
+          </a:p>
+          <a:p>
+            <a:pPr defTabSz="1219170">
+              <a:buClr>
+                <a:srgbClr val="000000"/>
+              </a:buClr>
+            </a:pPr>
+            <a:endParaRPr sz="3733" kern="0">
+              <a:solidFill>
+                <a:srgbClr val="FFFFFF"/>
+              </a:solidFill>
+              <a:latin typeface="Arial"/>
+              <a:cs typeface="Arial"/>
+              <a:sym typeface="Arial"/>
+            </a:endParaRPr>
+          </a:p>
+          <a:p>
+            <a:pPr defTabSz="1219170">
+              <a:buClr>
+                <a:srgbClr val="000000"/>
+              </a:buClr>
+            </a:pPr>
+            <a:endParaRPr sz="3733" kern="0">
+              <a:solidFill>
+                <a:srgbClr val="FFFFFF"/>
+              </a:solidFill>
+              <a:latin typeface="Arial"/>
+              <a:cs typeface="Arial"/>
+              <a:sym typeface="Arial"/>
+            </a:endParaRPr>
+          </a:p>
+          <a:p>
+            <a:pPr defTabSz="1219170">
+              <a:buClr>
+                <a:srgbClr val="000000"/>
+              </a:buClr>
+            </a:pPr>
+            <a:endParaRPr sz="3733" kern="0">
+              <a:solidFill>
+                <a:srgbClr val="FFFFFF"/>
+              </a:solidFill>
+              <a:latin typeface="Arial"/>
+              <a:cs typeface="Arial"/>
+              <a:sym typeface="Arial"/>
+            </a:endParaRPr>
+          </a:p>
+        </p:txBody>
+      </p:sp>
+      <p:pic>
+        <p:nvPicPr>
+          <p:cNvPr id="79" name="Google Shape;79;p16"/>
+          <p:cNvPicPr preferRelativeResize="0"/>
+          <p:nvPr/>
+        </p:nvPicPr>
+        <p:blipFill>
+          <a:blip r:embed="rId4">
+            <a:alphaModFix/>
+          </a:blip>
+          <a:stretch>
+            <a:fillRect/>
+          </a:stretch>
+        </p:blipFill>
+        <p:spPr>
+          <a:xfrm>
+            <a:off x="6751885" y="3987818"/>
+            <a:ext cx="2578100" cy="2349500"/>
+          </a:xfrm>
+          <a:prstGeom prst="rect">
+            <a:avLst/>
+          </a:prstGeom>
+          <a:noFill/>
+          <a:ln>
+            <a:noFill/>
+          </a:ln>
+        </p:spPr>
+      </p:pic>
+    </p:spTree>
+    <p:extLst>
+      <p:ext uri="{BB962C8B-B14F-4D97-AF65-F5344CB8AC3E}">
+        <p14:creationId xmlns:p14="http://schemas.microsoft.com/office/powerpoint/2010/main" val="1080439914"/>
+      </p:ext>
+    </p:extLst>
+  </p:cSld>
+  <p:clrMapOvr>
+    <a:masterClrMapping/>
+  </p:clrMapOvr>
+</p:sld>
+</file>
+
+<file path=ppt/slides/slide8.xml><?xml version="1.0" encoding="utf-8"?>
 <p:sld xmlns:a="http://schemas.openxmlformats.org/drawingml/2006/main" xmlns:r="http://schemas.openxmlformats.org/officeDocument/2006/relationships" xmlns:p="http://schemas.openxmlformats.org/presentationml/2006/main">
   <p:cSld>
     <p:spTree>
@@ -39968,7 +44275,7 @@
 </p:sld>
 </file>
 
-<file path=ppt/slides/slide6.xml><?xml version="1.0" encoding="utf-8"?>
+<file path=ppt/slides/slide9.xml><?xml version="1.0" encoding="utf-8"?>
 <p:sld xmlns:a="http://schemas.openxmlformats.org/drawingml/2006/main" xmlns:r="http://schemas.openxmlformats.org/officeDocument/2006/relationships" xmlns:p="http://schemas.openxmlformats.org/presentationml/2006/main">
   <p:cSld>
     <p:spTree>
@@ -40259,667 +44566,6 @@
     <p:extLst>
       <p:ext uri="{BB962C8B-B14F-4D97-AF65-F5344CB8AC3E}">
         <p14:creationId xmlns:p14="http://schemas.microsoft.com/office/powerpoint/2010/main" val="2245652943"/>
-      </p:ext>
-    </p:extLst>
-  </p:cSld>
-  <p:clrMapOvr>
-    <a:masterClrMapping/>
-  </p:clrMapOvr>
-</p:sld>
-</file>
-
-<file path=ppt/slides/slide7.xml><?xml version="1.0" encoding="utf-8"?>
-<p:sld xmlns:a="http://schemas.openxmlformats.org/drawingml/2006/main" xmlns:r="http://schemas.openxmlformats.org/officeDocument/2006/relationships" xmlns:p="http://schemas.openxmlformats.org/presentationml/2006/main">
-  <p:cSld>
-    <p:spTree>
-      <p:nvGrpSpPr>
-        <p:cNvPr id="1" name="Shape 100"/>
-        <p:cNvGrpSpPr/>
-        <p:nvPr/>
-      </p:nvGrpSpPr>
-      <p:grpSpPr>
-        <a:xfrm>
-          <a:off x="0" y="0"/>
-          <a:ext cx="0" cy="0"/>
-          <a:chOff x="0" y="0"/>
-          <a:chExt cx="0" cy="0"/>
-        </a:xfrm>
-      </p:grpSpPr>
-      <p:sp>
-        <p:nvSpPr>
-          <p:cNvPr id="101" name="Google Shape;101;p19"/>
-          <p:cNvSpPr txBox="1">
-            <a:spLocks noGrp="1"/>
-          </p:cNvSpPr>
-          <p:nvPr>
-            <p:ph type="title"/>
-          </p:nvPr>
-        </p:nvSpPr>
-        <p:spPr>
-          <a:xfrm>
-            <a:off x="415600" y="593367"/>
-            <a:ext cx="11360800" cy="763600"/>
-          </a:xfrm>
-          <a:prstGeom prst="rect">
-            <a:avLst/>
-          </a:prstGeom>
-        </p:spPr>
-        <p:txBody>
-          <a:bodyPr spcFirstLastPara="1" wrap="square" lIns="121900" tIns="121900" rIns="121900" bIns="121900" anchor="t" anchorCtr="0">
-            <a:noAutofit/>
-          </a:bodyPr>
-          <a:lstStyle/>
-          <a:p>
-            <a:r>
-              <a:rPr lang="en"/>
-              <a:t>Sample + Seek</a:t>
-            </a:r>
-            <a:endParaRPr/>
-          </a:p>
-        </p:txBody>
-      </p:sp>
-      <p:sp>
-        <p:nvSpPr>
-          <p:cNvPr id="102" name="Google Shape;102;p19"/>
-          <p:cNvSpPr txBox="1">
-            <a:spLocks noGrp="1"/>
-          </p:cNvSpPr>
-          <p:nvPr>
-            <p:ph type="body" idx="1"/>
-          </p:nvPr>
-        </p:nvSpPr>
-        <p:spPr>
-          <a:xfrm>
-            <a:off x="415600" y="1536633"/>
-            <a:ext cx="11360800" cy="4555200"/>
-          </a:xfrm>
-          <a:prstGeom prst="rect">
-            <a:avLst/>
-          </a:prstGeom>
-        </p:spPr>
-        <p:txBody>
-          <a:bodyPr spcFirstLastPara="1" wrap="square" lIns="121900" tIns="121900" rIns="121900" bIns="121900" anchor="t" anchorCtr="0">
-            <a:noAutofit/>
-          </a:bodyPr>
-          <a:lstStyle/>
-          <a:p>
-            <a:pPr marL="0" indent="0">
-              <a:lnSpc>
-                <a:spcPct val="100000"/>
-              </a:lnSpc>
-              <a:buNone/>
-            </a:pPr>
-            <a:endParaRPr sz="3733">
-              <a:solidFill>
-                <a:schemeClr val="dk1"/>
-              </a:solidFill>
-            </a:endParaRPr>
-          </a:p>
-        </p:txBody>
-      </p:sp>
-      <p:pic>
-        <p:nvPicPr>
-          <p:cNvPr id="103" name="Google Shape;103;p19"/>
-          <p:cNvPicPr preferRelativeResize="0"/>
-          <p:nvPr/>
-        </p:nvPicPr>
-        <p:blipFill>
-          <a:blip r:embed="rId3">
-            <a:alphaModFix/>
-          </a:blip>
-          <a:stretch>
-            <a:fillRect/>
-          </a:stretch>
-        </p:blipFill>
-        <p:spPr>
-          <a:xfrm>
-            <a:off x="415585" y="1536633"/>
-            <a:ext cx="4356100" cy="4800600"/>
-          </a:xfrm>
-          <a:prstGeom prst="rect">
-            <a:avLst/>
-          </a:prstGeom>
-          <a:noFill/>
-          <a:ln>
-            <a:noFill/>
-          </a:ln>
-        </p:spPr>
-      </p:pic>
-      <p:sp>
-        <p:nvSpPr>
-          <p:cNvPr id="104" name="Google Shape;104;p19"/>
-          <p:cNvSpPr txBox="1"/>
-          <p:nvPr/>
-        </p:nvSpPr>
-        <p:spPr>
-          <a:xfrm>
-            <a:off x="4771700" y="1536533"/>
-            <a:ext cx="6856400" cy="4800800"/>
-          </a:xfrm>
-          <a:prstGeom prst="rect">
-            <a:avLst/>
-          </a:prstGeom>
-          <a:noFill/>
-          <a:ln>
-            <a:noFill/>
-          </a:ln>
-        </p:spPr>
-        <p:txBody>
-          <a:bodyPr spcFirstLastPara="1" wrap="square" lIns="121900" tIns="121900" rIns="121900" bIns="121900" anchor="ctr" anchorCtr="0">
-            <a:noAutofit/>
-          </a:bodyPr>
-          <a:lstStyle/>
-          <a:p>
-            <a:pPr defTabSz="1219170">
-              <a:buClr>
-                <a:srgbClr val="000000"/>
-              </a:buClr>
-            </a:pPr>
-            <a:r>
-              <a:rPr lang="en" sz="3733" kern="0">
-                <a:solidFill>
-                  <a:srgbClr val="FFFFFF"/>
-                </a:solidFill>
-                <a:latin typeface="Arial"/>
-                <a:cs typeface="Arial"/>
-                <a:sym typeface="Arial"/>
-              </a:rPr>
-              <a:t>Measure-biased sampling</a:t>
-            </a:r>
-            <a:endParaRPr sz="3733" kern="0">
-              <a:solidFill>
-                <a:srgbClr val="FFFFFF"/>
-              </a:solidFill>
-              <a:latin typeface="Arial"/>
-              <a:cs typeface="Arial"/>
-              <a:sym typeface="Arial"/>
-            </a:endParaRPr>
-          </a:p>
-          <a:p>
-            <a:pPr defTabSz="1219170">
-              <a:buClr>
-                <a:srgbClr val="000000"/>
-              </a:buClr>
-            </a:pPr>
-            <a:endParaRPr sz="3733" kern="0">
-              <a:solidFill>
-                <a:srgbClr val="FFFFFF"/>
-              </a:solidFill>
-              <a:latin typeface="Arial"/>
-              <a:cs typeface="Arial"/>
-              <a:sym typeface="Arial"/>
-            </a:endParaRPr>
-          </a:p>
-          <a:p>
-            <a:pPr defTabSz="1219170">
-              <a:buClr>
-                <a:srgbClr val="000000"/>
-              </a:buClr>
-            </a:pPr>
-            <a:r>
-              <a:rPr lang="en" sz="3733" kern="0">
-                <a:solidFill>
-                  <a:srgbClr val="FFFFFF"/>
-                </a:solidFill>
-                <a:latin typeface="Arial"/>
-                <a:cs typeface="Arial"/>
-                <a:sym typeface="Arial"/>
-              </a:rPr>
-              <a:t>Pick a row with probability proportional to its value on the measure attribute.</a:t>
-            </a:r>
-            <a:endParaRPr sz="3733" kern="0">
-              <a:solidFill>
-                <a:srgbClr val="FFFFFF"/>
-              </a:solidFill>
-              <a:latin typeface="Arial"/>
-              <a:cs typeface="Arial"/>
-              <a:sym typeface="Arial"/>
-            </a:endParaRPr>
-          </a:p>
-          <a:p>
-            <a:pPr defTabSz="1219170">
-              <a:buClr>
-                <a:srgbClr val="000000"/>
-              </a:buClr>
-            </a:pPr>
-            <a:endParaRPr sz="3733" kern="0">
-              <a:solidFill>
-                <a:srgbClr val="FFFFFF"/>
-              </a:solidFill>
-              <a:latin typeface="Arial"/>
-              <a:cs typeface="Arial"/>
-              <a:sym typeface="Arial"/>
-            </a:endParaRPr>
-          </a:p>
-          <a:p>
-            <a:pPr defTabSz="1219170">
-              <a:buClr>
-                <a:srgbClr val="000000"/>
-              </a:buClr>
-            </a:pPr>
-            <a:endParaRPr sz="3733" kern="0">
-              <a:solidFill>
-                <a:srgbClr val="FFFFFF"/>
-              </a:solidFill>
-              <a:latin typeface="Arial"/>
-              <a:cs typeface="Arial"/>
-              <a:sym typeface="Arial"/>
-            </a:endParaRPr>
-          </a:p>
-        </p:txBody>
-      </p:sp>
-    </p:spTree>
-    <p:extLst>
-      <p:ext uri="{BB962C8B-B14F-4D97-AF65-F5344CB8AC3E}">
-        <p14:creationId xmlns:p14="http://schemas.microsoft.com/office/powerpoint/2010/main" val="3699453128"/>
-      </p:ext>
-    </p:extLst>
-  </p:cSld>
-  <p:clrMapOvr>
-    <a:masterClrMapping/>
-  </p:clrMapOvr>
-</p:sld>
-</file>
-
-<file path=ppt/slides/slide8.xml><?xml version="1.0" encoding="utf-8"?>
-<p:sld xmlns:a="http://schemas.openxmlformats.org/drawingml/2006/main" xmlns:r="http://schemas.openxmlformats.org/officeDocument/2006/relationships" xmlns:p="http://schemas.openxmlformats.org/presentationml/2006/main">
-  <p:cSld>
-    <p:spTree>
-      <p:nvGrpSpPr>
-        <p:cNvPr id="1" name="Shape 108"/>
-        <p:cNvGrpSpPr/>
-        <p:nvPr/>
-      </p:nvGrpSpPr>
-      <p:grpSpPr>
-        <a:xfrm>
-          <a:off x="0" y="0"/>
-          <a:ext cx="0" cy="0"/>
-          <a:chOff x="0" y="0"/>
-          <a:chExt cx="0" cy="0"/>
-        </a:xfrm>
-      </p:grpSpPr>
-      <p:sp>
-        <p:nvSpPr>
-          <p:cNvPr id="109" name="Google Shape;109;p20"/>
-          <p:cNvSpPr txBox="1">
-            <a:spLocks noGrp="1"/>
-          </p:cNvSpPr>
-          <p:nvPr>
-            <p:ph type="title"/>
-          </p:nvPr>
-        </p:nvSpPr>
-        <p:spPr>
-          <a:xfrm>
-            <a:off x="415600" y="593367"/>
-            <a:ext cx="11360800" cy="763600"/>
-          </a:xfrm>
-          <a:prstGeom prst="rect">
-            <a:avLst/>
-          </a:prstGeom>
-        </p:spPr>
-        <p:txBody>
-          <a:bodyPr spcFirstLastPara="1" wrap="square" lIns="121900" tIns="121900" rIns="121900" bIns="121900" anchor="t" anchorCtr="0">
-            <a:noAutofit/>
-          </a:bodyPr>
-          <a:lstStyle/>
-          <a:p>
-            <a:r>
-              <a:rPr lang="en"/>
-              <a:t>Sample + Seek</a:t>
-            </a:r>
-            <a:endParaRPr/>
-          </a:p>
-        </p:txBody>
-      </p:sp>
-      <p:sp>
-        <p:nvSpPr>
-          <p:cNvPr id="110" name="Google Shape;110;p20"/>
-          <p:cNvSpPr txBox="1">
-            <a:spLocks noGrp="1"/>
-          </p:cNvSpPr>
-          <p:nvPr>
-            <p:ph type="body" idx="1"/>
-          </p:nvPr>
-        </p:nvSpPr>
-        <p:spPr>
-          <a:xfrm>
-            <a:off x="415600" y="1536633"/>
-            <a:ext cx="11360800" cy="4555200"/>
-          </a:xfrm>
-          <a:prstGeom prst="rect">
-            <a:avLst/>
-          </a:prstGeom>
-        </p:spPr>
-        <p:txBody>
-          <a:bodyPr spcFirstLastPara="1" wrap="square" lIns="121900" tIns="121900" rIns="121900" bIns="121900" anchor="t" anchorCtr="0">
-            <a:noAutofit/>
-          </a:bodyPr>
-          <a:lstStyle/>
-          <a:p>
-            <a:pPr marL="0" indent="0">
-              <a:lnSpc>
-                <a:spcPct val="100000"/>
-              </a:lnSpc>
-              <a:buNone/>
-            </a:pPr>
-            <a:endParaRPr sz="3733">
-              <a:solidFill>
-                <a:schemeClr val="dk1"/>
-              </a:solidFill>
-            </a:endParaRPr>
-          </a:p>
-        </p:txBody>
-      </p:sp>
-      <p:pic>
-        <p:nvPicPr>
-          <p:cNvPr id="111" name="Google Shape;111;p20"/>
-          <p:cNvPicPr preferRelativeResize="0"/>
-          <p:nvPr/>
-        </p:nvPicPr>
-        <p:blipFill>
-          <a:blip r:embed="rId3">
-            <a:alphaModFix/>
-          </a:blip>
-          <a:stretch>
-            <a:fillRect/>
-          </a:stretch>
-        </p:blipFill>
-        <p:spPr>
-          <a:xfrm>
-            <a:off x="415585" y="1536633"/>
-            <a:ext cx="4356100" cy="4800600"/>
-          </a:xfrm>
-          <a:prstGeom prst="rect">
-            <a:avLst/>
-          </a:prstGeom>
-          <a:noFill/>
-          <a:ln>
-            <a:noFill/>
-          </a:ln>
-        </p:spPr>
-      </p:pic>
-      <p:sp>
-        <p:nvSpPr>
-          <p:cNvPr id="112" name="Google Shape;112;p20"/>
-          <p:cNvSpPr txBox="1"/>
-          <p:nvPr/>
-        </p:nvSpPr>
-        <p:spPr>
-          <a:xfrm>
-            <a:off x="4771700" y="1536533"/>
-            <a:ext cx="6856400" cy="4800800"/>
-          </a:xfrm>
-          <a:prstGeom prst="rect">
-            <a:avLst/>
-          </a:prstGeom>
-          <a:noFill/>
-          <a:ln>
-            <a:noFill/>
-          </a:ln>
-        </p:spPr>
-        <p:txBody>
-          <a:bodyPr spcFirstLastPara="1" wrap="square" lIns="121900" tIns="121900" rIns="121900" bIns="121900" anchor="ctr" anchorCtr="0">
-            <a:noAutofit/>
-          </a:bodyPr>
-          <a:lstStyle/>
-          <a:p>
-            <a:pPr defTabSz="1219170">
-              <a:buClr>
-                <a:srgbClr val="000000"/>
-              </a:buClr>
-            </a:pPr>
-            <a:r>
-              <a:rPr lang="en" sz="3733" kern="0">
-                <a:solidFill>
-                  <a:srgbClr val="FFFFFF"/>
-                </a:solidFill>
-                <a:latin typeface="Arial"/>
-                <a:cs typeface="Arial"/>
-                <a:sym typeface="Arial"/>
-              </a:rPr>
-              <a:t>Measure-biased sampling</a:t>
-            </a:r>
-            <a:endParaRPr sz="3733" kern="0">
-              <a:solidFill>
-                <a:srgbClr val="FFFFFF"/>
-              </a:solidFill>
-              <a:latin typeface="Arial"/>
-              <a:cs typeface="Arial"/>
-              <a:sym typeface="Arial"/>
-            </a:endParaRPr>
-          </a:p>
-          <a:p>
-            <a:pPr defTabSz="1219170">
-              <a:buClr>
-                <a:srgbClr val="000000"/>
-              </a:buClr>
-            </a:pPr>
-            <a:endParaRPr sz="3733" kern="0">
-              <a:solidFill>
-                <a:srgbClr val="FFFFFF"/>
-              </a:solidFill>
-              <a:latin typeface="Arial"/>
-              <a:cs typeface="Arial"/>
-              <a:sym typeface="Arial"/>
-            </a:endParaRPr>
-          </a:p>
-          <a:p>
-            <a:pPr defTabSz="1219170">
-              <a:buClr>
-                <a:srgbClr val="000000"/>
-              </a:buClr>
-            </a:pPr>
-            <a:r>
-              <a:rPr lang="en" sz="3733" kern="0">
-                <a:solidFill>
-                  <a:srgbClr val="FFFFFF"/>
-                </a:solidFill>
-                <a:latin typeface="Arial"/>
-                <a:cs typeface="Arial"/>
-                <a:sym typeface="Arial"/>
-              </a:rPr>
-              <a:t>1 26 51 76 92 94 96 98 111 136 161 186 199(four times) 200(four times)</a:t>
-            </a:r>
-            <a:endParaRPr sz="3733" kern="0">
-              <a:solidFill>
-                <a:srgbClr val="FFFFFF"/>
-              </a:solidFill>
-              <a:latin typeface="Arial"/>
-              <a:cs typeface="Arial"/>
-              <a:sym typeface="Arial"/>
-            </a:endParaRPr>
-          </a:p>
-          <a:p>
-            <a:pPr defTabSz="1219170">
-              <a:buClr>
-                <a:srgbClr val="000000"/>
-              </a:buClr>
-            </a:pPr>
-            <a:endParaRPr sz="3733" kern="0">
-              <a:solidFill>
-                <a:srgbClr val="FFFFFF"/>
-              </a:solidFill>
-              <a:latin typeface="Arial"/>
-              <a:cs typeface="Arial"/>
-              <a:sym typeface="Arial"/>
-            </a:endParaRPr>
-          </a:p>
-          <a:p>
-            <a:pPr defTabSz="1219170">
-              <a:buClr>
-                <a:srgbClr val="000000"/>
-              </a:buClr>
-            </a:pPr>
-            <a:r>
-              <a:rPr lang="en" sz="3733" kern="0">
-                <a:solidFill>
-                  <a:srgbClr val="FFFFFF"/>
-                </a:solidFill>
-                <a:latin typeface="Arial"/>
-                <a:cs typeface="Arial"/>
-                <a:sym typeface="Arial"/>
-              </a:rPr>
-              <a:t> &lt;8/20,12/20&gt; = &lt;0.40,0.60&gt;</a:t>
-            </a:r>
-            <a:endParaRPr sz="3733" kern="0">
-              <a:solidFill>
-                <a:srgbClr val="FFFFFF"/>
-              </a:solidFill>
-              <a:latin typeface="Arial"/>
-              <a:cs typeface="Arial"/>
-              <a:sym typeface="Arial"/>
-            </a:endParaRPr>
-          </a:p>
-        </p:txBody>
-      </p:sp>
-    </p:spTree>
-    <p:extLst>
-      <p:ext uri="{BB962C8B-B14F-4D97-AF65-F5344CB8AC3E}">
-        <p14:creationId xmlns:p14="http://schemas.microsoft.com/office/powerpoint/2010/main" val="3242632845"/>
-      </p:ext>
-    </p:extLst>
-  </p:cSld>
-  <p:clrMapOvr>
-    <a:masterClrMapping/>
-  </p:clrMapOvr>
-</p:sld>
-</file>
-
-<file path=ppt/slides/slide9.xml><?xml version="1.0" encoding="utf-8"?>
-<p:sld xmlns:a="http://schemas.openxmlformats.org/drawingml/2006/main" xmlns:r="http://schemas.openxmlformats.org/officeDocument/2006/relationships" xmlns:p="http://schemas.openxmlformats.org/presentationml/2006/main">
-  <p:cSld>
-    <p:spTree>
-      <p:nvGrpSpPr>
-        <p:cNvPr id="1" name="Shape 116"/>
-        <p:cNvGrpSpPr/>
-        <p:nvPr/>
-      </p:nvGrpSpPr>
-      <p:grpSpPr>
-        <a:xfrm>
-          <a:off x="0" y="0"/>
-          <a:ext cx="0" cy="0"/>
-          <a:chOff x="0" y="0"/>
-          <a:chExt cx="0" cy="0"/>
-        </a:xfrm>
-      </p:grpSpPr>
-      <p:sp>
-        <p:nvSpPr>
-          <p:cNvPr id="117" name="Google Shape;117;p21"/>
-          <p:cNvSpPr txBox="1">
-            <a:spLocks noGrp="1"/>
-          </p:cNvSpPr>
-          <p:nvPr>
-            <p:ph type="title"/>
-          </p:nvPr>
-        </p:nvSpPr>
-        <p:spPr>
-          <a:xfrm>
-            <a:off x="415600" y="593367"/>
-            <a:ext cx="11360800" cy="763600"/>
-          </a:xfrm>
-          <a:prstGeom prst="rect">
-            <a:avLst/>
-          </a:prstGeom>
-        </p:spPr>
-        <p:txBody>
-          <a:bodyPr spcFirstLastPara="1" wrap="square" lIns="121900" tIns="121900" rIns="121900" bIns="121900" anchor="t" anchorCtr="0">
-            <a:noAutofit/>
-          </a:bodyPr>
-          <a:lstStyle/>
-          <a:p>
-            <a:r>
-              <a:rPr lang="en"/>
-              <a:t>Optimistic Data Visualization</a:t>
-            </a:r>
-            <a:endParaRPr/>
-          </a:p>
-        </p:txBody>
-      </p:sp>
-      <p:sp>
-        <p:nvSpPr>
-          <p:cNvPr id="118" name="Google Shape;118;p21"/>
-          <p:cNvSpPr txBox="1">
-            <a:spLocks noGrp="1"/>
-          </p:cNvSpPr>
-          <p:nvPr>
-            <p:ph type="body" idx="1"/>
-          </p:nvPr>
-        </p:nvSpPr>
-        <p:spPr>
-          <a:xfrm>
-            <a:off x="415600" y="1536633"/>
-            <a:ext cx="11360800" cy="4555200"/>
-          </a:xfrm>
-          <a:prstGeom prst="rect">
-            <a:avLst/>
-          </a:prstGeom>
-        </p:spPr>
-        <p:txBody>
-          <a:bodyPr spcFirstLastPara="1" wrap="square" lIns="121900" tIns="121900" rIns="121900" bIns="121900" anchor="t" anchorCtr="0">
-            <a:noAutofit/>
-          </a:bodyPr>
-          <a:lstStyle/>
-          <a:p>
-            <a:pPr marL="0" indent="0">
-              <a:lnSpc>
-                <a:spcPct val="100000"/>
-              </a:lnSpc>
-              <a:buNone/>
-            </a:pPr>
-            <a:r>
-              <a:rPr lang="en" sz="3733">
-                <a:solidFill>
-                  <a:schemeClr val="dk1"/>
-                </a:solidFill>
-              </a:rPr>
-              <a:t>Trust: Assume that approximation is right in most of the cases.</a:t>
-            </a:r>
-            <a:endParaRPr sz="3733">
-              <a:solidFill>
-                <a:schemeClr val="dk1"/>
-              </a:solidFill>
-            </a:endParaRPr>
-          </a:p>
-          <a:p>
-            <a:pPr marL="0" indent="0">
-              <a:lnSpc>
-                <a:spcPct val="100000"/>
-              </a:lnSpc>
-              <a:buNone/>
-            </a:pPr>
-            <a:endParaRPr sz="3733">
-              <a:solidFill>
-                <a:schemeClr val="dk1"/>
-              </a:solidFill>
-            </a:endParaRPr>
-          </a:p>
-          <a:p>
-            <a:pPr marL="0" indent="0">
-              <a:lnSpc>
-                <a:spcPct val="100000"/>
-              </a:lnSpc>
-              <a:buNone/>
-            </a:pPr>
-            <a:r>
-              <a:rPr lang="en" sz="3733">
-                <a:solidFill>
-                  <a:schemeClr val="dk1"/>
-                </a:solidFill>
-              </a:rPr>
-              <a:t>But not done yet...</a:t>
-            </a:r>
-            <a:endParaRPr sz="3733">
-              <a:solidFill>
-                <a:schemeClr val="dk1"/>
-              </a:solidFill>
-            </a:endParaRPr>
-          </a:p>
-        </p:txBody>
-      </p:sp>
-    </p:spTree>
-    <p:extLst>
-      <p:ext uri="{BB962C8B-B14F-4D97-AF65-F5344CB8AC3E}">
-        <p14:creationId xmlns:p14="http://schemas.microsoft.com/office/powerpoint/2010/main" val="3905445863"/>
       </p:ext>
     </p:extLst>
   </p:cSld>
